--- a/Java Урок 6 Math.pptx
+++ b/Java Урок 6 Math.pptx
@@ -5,7 +5,7 @@
     <p:sldMasterId id="2147483648" r:id="rId1"/>
   </p:sldMasterIdLst>
   <p:notesMasterIdLst>
-    <p:notesMasterId r:id="rId19"/>
+    <p:notesMasterId r:id="rId18"/>
   </p:notesMasterIdLst>
   <p:sldIdLst>
     <p:sldId id="310" r:id="rId2"/>
@@ -22,9 +22,8 @@
     <p:sldId id="319" r:id="rId13"/>
     <p:sldId id="320" r:id="rId14"/>
     <p:sldId id="321" r:id="rId15"/>
-    <p:sldId id="692" r:id="rId16"/>
-    <p:sldId id="693" r:id="rId17"/>
-    <p:sldId id="694" r:id="rId18"/>
+    <p:sldId id="697" r:id="rId16"/>
+    <p:sldId id="694" r:id="rId17"/>
   </p:sldIdLst>
   <p:sldSz cx="12192000" cy="6858000"/>
   <p:notesSz cx="6858000" cy="9144000"/>
@@ -213,7 +212,7 @@
           <a:p>
             <a:fld id="{4C1F0EE8-BB09-4D9B-ACB2-899639A59373}" type="datetimeFigureOut">
               <a:rPr lang="uk-UA" smtClean="0"/>
-              <a:t>19.12.2023</a:t>
+              <a:t>09.02.2024</a:t>
             </a:fld>
             <a:endParaRPr lang="uk-UA"/>
           </a:p>
@@ -798,7 +797,7 @@
           <a:p>
             <a:fld id="{2FD1155F-0EA8-4608-9748-615CE40E00AD}" type="datetimeFigureOut">
               <a:rPr lang="uk-UA" smtClean="0"/>
-              <a:t>19.12.2023</a:t>
+              <a:t>09.02.2024</a:t>
             </a:fld>
             <a:endParaRPr lang="uk-UA"/>
           </a:p>
@@ -998,7 +997,7 @@
           <a:p>
             <a:fld id="{2FD1155F-0EA8-4608-9748-615CE40E00AD}" type="datetimeFigureOut">
               <a:rPr lang="uk-UA" smtClean="0"/>
-              <a:t>19.12.2023</a:t>
+              <a:t>09.02.2024</a:t>
             </a:fld>
             <a:endParaRPr lang="uk-UA"/>
           </a:p>
@@ -1208,7 +1207,7 @@
           <a:p>
             <a:fld id="{2FD1155F-0EA8-4608-9748-615CE40E00AD}" type="datetimeFigureOut">
               <a:rPr lang="uk-UA" smtClean="0"/>
-              <a:t>19.12.2023</a:t>
+              <a:t>09.02.2024</a:t>
             </a:fld>
             <a:endParaRPr lang="uk-UA"/>
           </a:p>
@@ -1408,7 +1407,7 @@
           <a:p>
             <a:fld id="{2FD1155F-0EA8-4608-9748-615CE40E00AD}" type="datetimeFigureOut">
               <a:rPr lang="uk-UA" smtClean="0"/>
-              <a:t>19.12.2023</a:t>
+              <a:t>09.02.2024</a:t>
             </a:fld>
             <a:endParaRPr lang="uk-UA"/>
           </a:p>
@@ -1684,7 +1683,7 @@
           <a:p>
             <a:fld id="{2FD1155F-0EA8-4608-9748-615CE40E00AD}" type="datetimeFigureOut">
               <a:rPr lang="uk-UA" smtClean="0"/>
-              <a:t>19.12.2023</a:t>
+              <a:t>09.02.2024</a:t>
             </a:fld>
             <a:endParaRPr lang="uk-UA"/>
           </a:p>
@@ -1952,7 +1951,7 @@
           <a:p>
             <a:fld id="{2FD1155F-0EA8-4608-9748-615CE40E00AD}" type="datetimeFigureOut">
               <a:rPr lang="uk-UA" smtClean="0"/>
-              <a:t>19.12.2023</a:t>
+              <a:t>09.02.2024</a:t>
             </a:fld>
             <a:endParaRPr lang="uk-UA"/>
           </a:p>
@@ -2367,7 +2366,7 @@
           <a:p>
             <a:fld id="{2FD1155F-0EA8-4608-9748-615CE40E00AD}" type="datetimeFigureOut">
               <a:rPr lang="uk-UA" smtClean="0"/>
-              <a:t>19.12.2023</a:t>
+              <a:t>09.02.2024</a:t>
             </a:fld>
             <a:endParaRPr lang="uk-UA"/>
           </a:p>
@@ -2509,7 +2508,7 @@
           <a:p>
             <a:fld id="{2FD1155F-0EA8-4608-9748-615CE40E00AD}" type="datetimeFigureOut">
               <a:rPr lang="uk-UA" smtClean="0"/>
-              <a:t>19.12.2023</a:t>
+              <a:t>09.02.2024</a:t>
             </a:fld>
             <a:endParaRPr lang="uk-UA"/>
           </a:p>
@@ -2622,7 +2621,7 @@
           <a:p>
             <a:fld id="{2FD1155F-0EA8-4608-9748-615CE40E00AD}" type="datetimeFigureOut">
               <a:rPr lang="uk-UA" smtClean="0"/>
-              <a:t>19.12.2023</a:t>
+              <a:t>09.02.2024</a:t>
             </a:fld>
             <a:endParaRPr lang="uk-UA"/>
           </a:p>
@@ -2935,7 +2934,7 @@
           <a:p>
             <a:fld id="{2FD1155F-0EA8-4608-9748-615CE40E00AD}" type="datetimeFigureOut">
               <a:rPr lang="uk-UA" smtClean="0"/>
-              <a:t>19.12.2023</a:t>
+              <a:t>09.02.2024</a:t>
             </a:fld>
             <a:endParaRPr lang="uk-UA"/>
           </a:p>
@@ -3224,7 +3223,7 @@
           <a:p>
             <a:fld id="{2FD1155F-0EA8-4608-9748-615CE40E00AD}" type="datetimeFigureOut">
               <a:rPr lang="uk-UA" smtClean="0"/>
-              <a:t>19.12.2023</a:t>
+              <a:t>09.02.2024</a:t>
             </a:fld>
             <a:endParaRPr lang="uk-UA"/>
           </a:p>
@@ -3467,7 +3466,7 @@
           <a:p>
             <a:fld id="{2FD1155F-0EA8-4608-9748-615CE40E00AD}" type="datetimeFigureOut">
               <a:rPr lang="uk-UA" smtClean="0"/>
-              <a:t>19.12.2023</a:t>
+              <a:t>09.02.2024</a:t>
             </a:fld>
             <a:endParaRPr lang="uk-UA"/>
           </a:p>
@@ -8545,67 +8544,502 @@
       </p:grpSpPr>
       <p:sp>
         <p:nvSpPr>
-          <p:cNvPr id="84994" name="Rectangle 2"/>
-          <p:cNvSpPr>
-            <a:spLocks noGrp="1"/>
+          <p:cNvPr id="2" name="Rectangle 2">
+            <a:extLst>
+              <a:ext uri="{FF2B5EF4-FFF2-40B4-BE49-F238E27FC236}">
+                <a16:creationId xmlns:a16="http://schemas.microsoft.com/office/drawing/2014/main" id="{58A9A60A-B138-4155-9349-8C74BBD2BF98}"/>
+              </a:ext>
+            </a:extLst>
+          </p:cNvPr>
+          <p:cNvSpPr txBox="1">
+            <a:spLocks/>
           </p:cNvSpPr>
-          <p:nvPr>
-            <p:ph type="title"/>
-          </p:nvPr>
+          <p:nvPr/>
         </p:nvSpPr>
         <p:spPr>
           <a:xfrm>
             <a:off x="0" y="15432"/>
             <a:ext cx="12192000" cy="559603"/>
           </a:xfrm>
+          <a:prstGeom prst="rect">
+            <a:avLst/>
+          </a:prstGeom>
         </p:spPr>
         <p:txBody>
           <a:bodyPr>
             <a:noAutofit/>
           </a:bodyPr>
-          <a:lstStyle/>
+          <a:lstStyle>
+            <a:lvl1pPr algn="l" defTabSz="914400" rtl="0" eaLnBrk="1" latinLnBrk="0" hangingPunct="1">
+              <a:lnSpc>
+                <a:spcPct val="90000"/>
+              </a:lnSpc>
+              <a:spcBef>
+                <a:spcPct val="0"/>
+              </a:spcBef>
+              <a:buNone/>
+              <a:defRPr sz="4400" kern="1200">
+                <a:solidFill>
+                  <a:schemeClr val="tx1"/>
+                </a:solidFill>
+                <a:latin typeface="+mj-lt"/>
+                <a:ea typeface="+mj-ea"/>
+                <a:cs typeface="+mj-cs"/>
+              </a:defRPr>
+            </a:lvl1pPr>
+          </a:lstStyle>
           <a:p>
             <a:pPr algn="ctr"/>
             <a:r>
-              <a:rPr lang="uk-UA" altLang="ru-RU" sz="4800" dirty="0">
+              <a:rPr lang="uk-UA" altLang="ru-RU" sz="4800">
                 <a:latin typeface="Times New Roman" panose="02020603050405020304" pitchFamily="18" charset="0"/>
                 <a:cs typeface="Times New Roman" panose="02020603050405020304" pitchFamily="18" charset="0"/>
               </a:rPr>
               <a:t>Об’єктні оболонки примітивних типів</a:t>
             </a:r>
+            <a:endParaRPr lang="uk-UA" altLang="ru-RU" sz="4800" dirty="0">
+              <a:latin typeface="Times New Roman" panose="02020603050405020304" pitchFamily="18" charset="0"/>
+              <a:cs typeface="Times New Roman" panose="02020603050405020304" pitchFamily="18" charset="0"/>
+            </a:endParaRPr>
           </a:p>
         </p:txBody>
       </p:sp>
       <p:sp>
         <p:nvSpPr>
-          <p:cNvPr id="84995" name="Rectangle 6"/>
-          <p:cNvSpPr>
-            <a:spLocks noGrp="1"/>
+          <p:cNvPr id="3" name="Rectangle 7">
+            <a:extLst>
+              <a:ext uri="{FF2B5EF4-FFF2-40B4-BE49-F238E27FC236}">
+                <a16:creationId xmlns:a16="http://schemas.microsoft.com/office/drawing/2014/main" id="{11CDC4BF-D7C3-4560-B0CF-A83AD6A4C8AB}"/>
+              </a:ext>
+            </a:extLst>
+          </p:cNvPr>
+          <p:cNvSpPr txBox="1">
+            <a:spLocks/>
           </p:cNvSpPr>
-          <p:nvPr>
-            <p:ph sz="half" idx="1"/>
-          </p:nvPr>
+          <p:nvPr/>
+        </p:nvSpPr>
+        <p:spPr>
+          <a:xfrm>
+            <a:off x="6096000" y="946391"/>
+            <a:ext cx="5181600" cy="2086261"/>
+          </a:xfrm>
+          <a:prstGeom prst="rect">
+            <a:avLst/>
+          </a:prstGeom>
+        </p:spPr>
+        <p:txBody>
+          <a:bodyPr>
+            <a:normAutofit/>
+          </a:bodyPr>
+          <a:lstStyle>
+            <a:lvl1pPr marL="228600" indent="-228600" algn="l" defTabSz="914400" rtl="0" eaLnBrk="1" latinLnBrk="0" hangingPunct="1">
+              <a:lnSpc>
+                <a:spcPct val="90000"/>
+              </a:lnSpc>
+              <a:spcBef>
+                <a:spcPts val="1000"/>
+              </a:spcBef>
+              <a:buFont typeface="Arial" panose="020B0604020202020204" pitchFamily="34" charset="0"/>
+              <a:buChar char="•"/>
+              <a:defRPr sz="2800" kern="1200">
+                <a:solidFill>
+                  <a:schemeClr val="tx1"/>
+                </a:solidFill>
+                <a:latin typeface="+mn-lt"/>
+                <a:ea typeface="+mn-ea"/>
+                <a:cs typeface="+mn-cs"/>
+              </a:defRPr>
+            </a:lvl1pPr>
+            <a:lvl2pPr marL="685800" indent="-228600" algn="l" defTabSz="914400" rtl="0" eaLnBrk="1" latinLnBrk="0" hangingPunct="1">
+              <a:lnSpc>
+                <a:spcPct val="90000"/>
+              </a:lnSpc>
+              <a:spcBef>
+                <a:spcPts val="500"/>
+              </a:spcBef>
+              <a:buFont typeface="Arial" panose="020B0604020202020204" pitchFamily="34" charset="0"/>
+              <a:buChar char="•"/>
+              <a:defRPr sz="2400" kern="1200">
+                <a:solidFill>
+                  <a:schemeClr val="tx1"/>
+                </a:solidFill>
+                <a:latin typeface="+mn-lt"/>
+                <a:ea typeface="+mn-ea"/>
+                <a:cs typeface="+mn-cs"/>
+              </a:defRPr>
+            </a:lvl2pPr>
+            <a:lvl3pPr marL="1143000" indent="-228600" algn="l" defTabSz="914400" rtl="0" eaLnBrk="1" latinLnBrk="0" hangingPunct="1">
+              <a:lnSpc>
+                <a:spcPct val="90000"/>
+              </a:lnSpc>
+              <a:spcBef>
+                <a:spcPts val="500"/>
+              </a:spcBef>
+              <a:buFont typeface="Arial" panose="020B0604020202020204" pitchFamily="34" charset="0"/>
+              <a:buChar char="•"/>
+              <a:defRPr sz="2000" kern="1200">
+                <a:solidFill>
+                  <a:schemeClr val="tx1"/>
+                </a:solidFill>
+                <a:latin typeface="+mn-lt"/>
+                <a:ea typeface="+mn-ea"/>
+                <a:cs typeface="+mn-cs"/>
+              </a:defRPr>
+            </a:lvl3pPr>
+            <a:lvl4pPr marL="1600200" indent="-228600" algn="l" defTabSz="914400" rtl="0" eaLnBrk="1" latinLnBrk="0" hangingPunct="1">
+              <a:lnSpc>
+                <a:spcPct val="90000"/>
+              </a:lnSpc>
+              <a:spcBef>
+                <a:spcPts val="500"/>
+              </a:spcBef>
+              <a:buFont typeface="Arial" panose="020B0604020202020204" pitchFamily="34" charset="0"/>
+              <a:buChar char="•"/>
+              <a:defRPr sz="1800" kern="1200">
+                <a:solidFill>
+                  <a:schemeClr val="tx1"/>
+                </a:solidFill>
+                <a:latin typeface="+mn-lt"/>
+                <a:ea typeface="+mn-ea"/>
+                <a:cs typeface="+mn-cs"/>
+              </a:defRPr>
+            </a:lvl4pPr>
+            <a:lvl5pPr marL="2057400" indent="-228600" algn="l" defTabSz="914400" rtl="0" eaLnBrk="1" latinLnBrk="0" hangingPunct="1">
+              <a:lnSpc>
+                <a:spcPct val="90000"/>
+              </a:lnSpc>
+              <a:spcBef>
+                <a:spcPts val="500"/>
+              </a:spcBef>
+              <a:buFont typeface="Arial" panose="020B0604020202020204" pitchFamily="34" charset="0"/>
+              <a:buChar char="•"/>
+              <a:defRPr sz="1800" kern="1200">
+                <a:solidFill>
+                  <a:schemeClr val="tx1"/>
+                </a:solidFill>
+                <a:latin typeface="+mn-lt"/>
+                <a:ea typeface="+mn-ea"/>
+                <a:cs typeface="+mn-cs"/>
+              </a:defRPr>
+            </a:lvl5pPr>
+            <a:lvl6pPr marL="2514600" indent="-228600" algn="l" defTabSz="914400" rtl="0" eaLnBrk="1" latinLnBrk="0" hangingPunct="1">
+              <a:lnSpc>
+                <a:spcPct val="90000"/>
+              </a:lnSpc>
+              <a:spcBef>
+                <a:spcPts val="500"/>
+              </a:spcBef>
+              <a:buFont typeface="Arial" panose="020B0604020202020204" pitchFamily="34" charset="0"/>
+              <a:buChar char="•"/>
+              <a:defRPr sz="1800" kern="1200">
+                <a:solidFill>
+                  <a:schemeClr val="tx1"/>
+                </a:solidFill>
+                <a:latin typeface="+mn-lt"/>
+                <a:ea typeface="+mn-ea"/>
+                <a:cs typeface="+mn-cs"/>
+              </a:defRPr>
+            </a:lvl6pPr>
+            <a:lvl7pPr marL="2971800" indent="-228600" algn="l" defTabSz="914400" rtl="0" eaLnBrk="1" latinLnBrk="0" hangingPunct="1">
+              <a:lnSpc>
+                <a:spcPct val="90000"/>
+              </a:lnSpc>
+              <a:spcBef>
+                <a:spcPts val="500"/>
+              </a:spcBef>
+              <a:buFont typeface="Arial" panose="020B0604020202020204" pitchFamily="34" charset="0"/>
+              <a:buChar char="•"/>
+              <a:defRPr sz="1800" kern="1200">
+                <a:solidFill>
+                  <a:schemeClr val="tx1"/>
+                </a:solidFill>
+                <a:latin typeface="+mn-lt"/>
+                <a:ea typeface="+mn-ea"/>
+                <a:cs typeface="+mn-cs"/>
+              </a:defRPr>
+            </a:lvl7pPr>
+            <a:lvl8pPr marL="3429000" indent="-228600" algn="l" defTabSz="914400" rtl="0" eaLnBrk="1" latinLnBrk="0" hangingPunct="1">
+              <a:lnSpc>
+                <a:spcPct val="90000"/>
+              </a:lnSpc>
+              <a:spcBef>
+                <a:spcPts val="500"/>
+              </a:spcBef>
+              <a:buFont typeface="Arial" panose="020B0604020202020204" pitchFamily="34" charset="0"/>
+              <a:buChar char="•"/>
+              <a:defRPr sz="1800" kern="1200">
+                <a:solidFill>
+                  <a:schemeClr val="tx1"/>
+                </a:solidFill>
+                <a:latin typeface="+mn-lt"/>
+                <a:ea typeface="+mn-ea"/>
+                <a:cs typeface="+mn-cs"/>
+              </a:defRPr>
+            </a:lvl8pPr>
+            <a:lvl9pPr marL="3886200" indent="-228600" algn="l" defTabSz="914400" rtl="0" eaLnBrk="1" latinLnBrk="0" hangingPunct="1">
+              <a:lnSpc>
+                <a:spcPct val="90000"/>
+              </a:lnSpc>
+              <a:spcBef>
+                <a:spcPts val="500"/>
+              </a:spcBef>
+              <a:buFont typeface="Arial" panose="020B0604020202020204" pitchFamily="34" charset="0"/>
+              <a:buChar char="•"/>
+              <a:defRPr sz="1800" kern="1200">
+                <a:solidFill>
+                  <a:schemeClr val="tx1"/>
+                </a:solidFill>
+                <a:latin typeface="+mn-lt"/>
+                <a:ea typeface="+mn-ea"/>
+                <a:cs typeface="+mn-cs"/>
+              </a:defRPr>
+            </a:lvl9pPr>
+          </a:lstStyle>
+          <a:p>
+            <a:r>
+              <a:rPr lang="uk-UA" altLang="ru-RU" sz="2400">
+                <a:latin typeface="Times New Roman" panose="02020603050405020304" pitchFamily="18" charset="0"/>
+                <a:cs typeface="Times New Roman" panose="02020603050405020304" pitchFamily="18" charset="0"/>
+              </a:rPr>
+              <a:t>Оболонки використовуються:</a:t>
+            </a:r>
+          </a:p>
+          <a:p>
+            <a:pPr lvl="1"/>
+            <a:r>
+              <a:rPr lang="uk-UA" altLang="ru-RU" sz="2000">
+                <a:latin typeface="Times New Roman" panose="02020603050405020304" pitchFamily="18" charset="0"/>
+                <a:cs typeface="Times New Roman" panose="02020603050405020304" pitchFamily="18" charset="0"/>
+              </a:rPr>
+              <a:t>якщо викликаємий метод очікує на вхід об’єктне посилання, а не значення примітивного типу</a:t>
+            </a:r>
+          </a:p>
+          <a:p>
+            <a:pPr lvl="1"/>
+            <a:r>
+              <a:rPr lang="uk-UA" altLang="ru-RU" sz="2000">
+                <a:latin typeface="Times New Roman" panose="02020603050405020304" pitchFamily="18" charset="0"/>
+                <a:cs typeface="Times New Roman" panose="02020603050405020304" pitchFamily="18" charset="0"/>
+              </a:rPr>
+              <a:t>для перетворення значень</a:t>
+            </a:r>
+          </a:p>
+          <a:p>
+            <a:pPr lvl="1"/>
+            <a:r>
+              <a:rPr lang="uk-UA" altLang="ru-RU" sz="2000">
+                <a:latin typeface="Times New Roman" panose="02020603050405020304" pitchFamily="18" charset="0"/>
+                <a:cs typeface="Times New Roman" panose="02020603050405020304" pitchFamily="18" charset="0"/>
+              </a:rPr>
+              <a:t>для отримання спеціальних констант</a:t>
+            </a:r>
+            <a:endParaRPr lang="uk-UA" altLang="ru-RU" sz="2000" dirty="0">
+              <a:latin typeface="Times New Roman" panose="02020603050405020304" pitchFamily="18" charset="0"/>
+              <a:cs typeface="Times New Roman" panose="02020603050405020304" pitchFamily="18" charset="0"/>
+            </a:endParaRPr>
+          </a:p>
+        </p:txBody>
+      </p:sp>
+      <p:sp>
+        <p:nvSpPr>
+          <p:cNvPr id="4" name="Rectangle 6">
+            <a:extLst>
+              <a:ext uri="{FF2B5EF4-FFF2-40B4-BE49-F238E27FC236}">
+                <a16:creationId xmlns:a16="http://schemas.microsoft.com/office/drawing/2014/main" id="{11C03920-7E5F-4039-A396-63C29B5411EE}"/>
+              </a:ext>
+            </a:extLst>
+          </p:cNvPr>
+          <p:cNvSpPr txBox="1">
+            <a:spLocks/>
+          </p:cNvSpPr>
+          <p:nvPr/>
         </p:nvSpPr>
         <p:spPr>
           <a:xfrm>
             <a:off x="322724" y="946391"/>
             <a:ext cx="5078835" cy="3908413"/>
           </a:xfrm>
+          <a:prstGeom prst="rect">
+            <a:avLst/>
+          </a:prstGeom>
         </p:spPr>
         <p:txBody>
           <a:bodyPr>
             <a:normAutofit/>
           </a:bodyPr>
-          <a:lstStyle/>
+          <a:lstStyle>
+            <a:lvl1pPr marL="228600" indent="-228600" algn="l" defTabSz="914400" rtl="0" eaLnBrk="1" latinLnBrk="0" hangingPunct="1">
+              <a:lnSpc>
+                <a:spcPct val="90000"/>
+              </a:lnSpc>
+              <a:spcBef>
+                <a:spcPts val="1000"/>
+              </a:spcBef>
+              <a:buFont typeface="Arial" panose="020B0604020202020204" pitchFamily="34" charset="0"/>
+              <a:buChar char="•"/>
+              <a:defRPr sz="2800" kern="1200">
+                <a:solidFill>
+                  <a:schemeClr val="tx1"/>
+                </a:solidFill>
+                <a:latin typeface="+mn-lt"/>
+                <a:ea typeface="+mn-ea"/>
+                <a:cs typeface="+mn-cs"/>
+              </a:defRPr>
+            </a:lvl1pPr>
+            <a:lvl2pPr marL="685800" indent="-228600" algn="l" defTabSz="914400" rtl="0" eaLnBrk="1" latinLnBrk="0" hangingPunct="1">
+              <a:lnSpc>
+                <a:spcPct val="90000"/>
+              </a:lnSpc>
+              <a:spcBef>
+                <a:spcPts val="500"/>
+              </a:spcBef>
+              <a:buFont typeface="Arial" panose="020B0604020202020204" pitchFamily="34" charset="0"/>
+              <a:buChar char="•"/>
+              <a:defRPr sz="2400" kern="1200">
+                <a:solidFill>
+                  <a:schemeClr val="tx1"/>
+                </a:solidFill>
+                <a:latin typeface="+mn-lt"/>
+                <a:ea typeface="+mn-ea"/>
+                <a:cs typeface="+mn-cs"/>
+              </a:defRPr>
+            </a:lvl2pPr>
+            <a:lvl3pPr marL="1143000" indent="-228600" algn="l" defTabSz="914400" rtl="0" eaLnBrk="1" latinLnBrk="0" hangingPunct="1">
+              <a:lnSpc>
+                <a:spcPct val="90000"/>
+              </a:lnSpc>
+              <a:spcBef>
+                <a:spcPts val="500"/>
+              </a:spcBef>
+              <a:buFont typeface="Arial" panose="020B0604020202020204" pitchFamily="34" charset="0"/>
+              <a:buChar char="•"/>
+              <a:defRPr sz="2000" kern="1200">
+                <a:solidFill>
+                  <a:schemeClr val="tx1"/>
+                </a:solidFill>
+                <a:latin typeface="+mn-lt"/>
+                <a:ea typeface="+mn-ea"/>
+                <a:cs typeface="+mn-cs"/>
+              </a:defRPr>
+            </a:lvl3pPr>
+            <a:lvl4pPr marL="1600200" indent="-228600" algn="l" defTabSz="914400" rtl="0" eaLnBrk="1" latinLnBrk="0" hangingPunct="1">
+              <a:lnSpc>
+                <a:spcPct val="90000"/>
+              </a:lnSpc>
+              <a:spcBef>
+                <a:spcPts val="500"/>
+              </a:spcBef>
+              <a:buFont typeface="Arial" panose="020B0604020202020204" pitchFamily="34" charset="0"/>
+              <a:buChar char="•"/>
+              <a:defRPr sz="1800" kern="1200">
+                <a:solidFill>
+                  <a:schemeClr val="tx1"/>
+                </a:solidFill>
+                <a:latin typeface="+mn-lt"/>
+                <a:ea typeface="+mn-ea"/>
+                <a:cs typeface="+mn-cs"/>
+              </a:defRPr>
+            </a:lvl4pPr>
+            <a:lvl5pPr marL="2057400" indent="-228600" algn="l" defTabSz="914400" rtl="0" eaLnBrk="1" latinLnBrk="0" hangingPunct="1">
+              <a:lnSpc>
+                <a:spcPct val="90000"/>
+              </a:lnSpc>
+              <a:spcBef>
+                <a:spcPts val="500"/>
+              </a:spcBef>
+              <a:buFont typeface="Arial" panose="020B0604020202020204" pitchFamily="34" charset="0"/>
+              <a:buChar char="•"/>
+              <a:defRPr sz="1800" kern="1200">
+                <a:solidFill>
+                  <a:schemeClr val="tx1"/>
+                </a:solidFill>
+                <a:latin typeface="+mn-lt"/>
+                <a:ea typeface="+mn-ea"/>
+                <a:cs typeface="+mn-cs"/>
+              </a:defRPr>
+            </a:lvl5pPr>
+            <a:lvl6pPr marL="2514600" indent="-228600" algn="l" defTabSz="914400" rtl="0" eaLnBrk="1" latinLnBrk="0" hangingPunct="1">
+              <a:lnSpc>
+                <a:spcPct val="90000"/>
+              </a:lnSpc>
+              <a:spcBef>
+                <a:spcPts val="500"/>
+              </a:spcBef>
+              <a:buFont typeface="Arial" panose="020B0604020202020204" pitchFamily="34" charset="0"/>
+              <a:buChar char="•"/>
+              <a:defRPr sz="1800" kern="1200">
+                <a:solidFill>
+                  <a:schemeClr val="tx1"/>
+                </a:solidFill>
+                <a:latin typeface="+mn-lt"/>
+                <a:ea typeface="+mn-ea"/>
+                <a:cs typeface="+mn-cs"/>
+              </a:defRPr>
+            </a:lvl6pPr>
+            <a:lvl7pPr marL="2971800" indent="-228600" algn="l" defTabSz="914400" rtl="0" eaLnBrk="1" latinLnBrk="0" hangingPunct="1">
+              <a:lnSpc>
+                <a:spcPct val="90000"/>
+              </a:lnSpc>
+              <a:spcBef>
+                <a:spcPts val="500"/>
+              </a:spcBef>
+              <a:buFont typeface="Arial" panose="020B0604020202020204" pitchFamily="34" charset="0"/>
+              <a:buChar char="•"/>
+              <a:defRPr sz="1800" kern="1200">
+                <a:solidFill>
+                  <a:schemeClr val="tx1"/>
+                </a:solidFill>
+                <a:latin typeface="+mn-lt"/>
+                <a:ea typeface="+mn-ea"/>
+                <a:cs typeface="+mn-cs"/>
+              </a:defRPr>
+            </a:lvl7pPr>
+            <a:lvl8pPr marL="3429000" indent="-228600" algn="l" defTabSz="914400" rtl="0" eaLnBrk="1" latinLnBrk="0" hangingPunct="1">
+              <a:lnSpc>
+                <a:spcPct val="90000"/>
+              </a:lnSpc>
+              <a:spcBef>
+                <a:spcPts val="500"/>
+              </a:spcBef>
+              <a:buFont typeface="Arial" panose="020B0604020202020204" pitchFamily="34" charset="0"/>
+              <a:buChar char="•"/>
+              <a:defRPr sz="1800" kern="1200">
+                <a:solidFill>
+                  <a:schemeClr val="tx1"/>
+                </a:solidFill>
+                <a:latin typeface="+mn-lt"/>
+                <a:ea typeface="+mn-ea"/>
+                <a:cs typeface="+mn-cs"/>
+              </a:defRPr>
+            </a:lvl8pPr>
+            <a:lvl9pPr marL="3886200" indent="-228600" algn="l" defTabSz="914400" rtl="0" eaLnBrk="1" latinLnBrk="0" hangingPunct="1">
+              <a:lnSpc>
+                <a:spcPct val="90000"/>
+              </a:lnSpc>
+              <a:spcBef>
+                <a:spcPts val="500"/>
+              </a:spcBef>
+              <a:buFont typeface="Arial" panose="020B0604020202020204" pitchFamily="34" charset="0"/>
+              <a:buChar char="•"/>
+              <a:defRPr sz="1800" kern="1200">
+                <a:solidFill>
+                  <a:schemeClr val="tx1"/>
+                </a:solidFill>
+                <a:latin typeface="+mn-lt"/>
+                <a:ea typeface="+mn-ea"/>
+                <a:cs typeface="+mn-cs"/>
+              </a:defRPr>
+            </a:lvl9pPr>
+          </a:lstStyle>
           <a:p>
             <a:r>
-              <a:rPr lang="en-US" altLang="ru-RU" sz="2400" b="1" i="1" dirty="0" err="1">
+              <a:rPr lang="en-US" altLang="ru-RU" sz="2400" b="1" i="1">
                 <a:latin typeface="Times New Roman" panose="02020603050405020304" pitchFamily="18" charset="0"/>
                 <a:cs typeface="Times New Roman" panose="02020603050405020304" pitchFamily="18" charset="0"/>
               </a:rPr>
               <a:t>java.lang.Number</a:t>
             </a:r>
-            <a:endParaRPr lang="ru-RU" altLang="ru-RU" sz="2400" i="1" dirty="0">
+            <a:endParaRPr lang="ru-RU" altLang="ru-RU" sz="2400" i="1">
               <a:latin typeface="Times New Roman" panose="02020603050405020304" pitchFamily="18" charset="0"/>
               <a:cs typeface="Times New Roman" panose="02020603050405020304" pitchFamily="18" charset="0"/>
             </a:endParaRPr>
@@ -8613,7 +9047,7 @@
           <a:p>
             <a:pPr lvl="1"/>
             <a:r>
-              <a:rPr lang="uk-UA" altLang="ru-RU" sz="2000" dirty="0">
+              <a:rPr lang="uk-UA" altLang="ru-RU" sz="2000">
                 <a:latin typeface="Times New Roman" panose="02020603050405020304" pitchFamily="18" charset="0"/>
                 <a:cs typeface="Times New Roman" panose="02020603050405020304" pitchFamily="18" charset="0"/>
               </a:rPr>
@@ -8623,7 +9057,7 @@
           <a:p>
             <a:pPr lvl="1"/>
             <a:r>
-              <a:rPr lang="uk-UA" altLang="ru-RU" sz="2000" dirty="0">
+              <a:rPr lang="uk-UA" altLang="ru-RU" sz="2000">
                 <a:latin typeface="Times New Roman" panose="02020603050405020304" pitchFamily="18" charset="0"/>
                 <a:cs typeface="Times New Roman" panose="02020603050405020304" pitchFamily="18" charset="0"/>
               </a:rPr>
@@ -8632,105 +9066,81 @@
           </a:p>
           <a:p>
             <a:r>
-              <a:rPr lang="uk-UA" altLang="ru-RU" sz="2400" dirty="0">
+              <a:rPr lang="uk-UA" altLang="ru-RU" sz="2400">
                 <a:latin typeface="Times New Roman" panose="02020603050405020304" pitchFamily="18" charset="0"/>
                 <a:cs typeface="Times New Roman" panose="02020603050405020304" pitchFamily="18" charset="0"/>
               </a:rPr>
               <a:t>Нащадки</a:t>
             </a:r>
             <a:r>
-              <a:rPr lang="ru-RU" altLang="ru-RU" sz="2400" dirty="0">
+              <a:rPr lang="ru-RU" altLang="ru-RU" sz="2400">
                 <a:latin typeface="Times New Roman" panose="02020603050405020304" pitchFamily="18" charset="0"/>
                 <a:cs typeface="Times New Roman" panose="02020603050405020304" pitchFamily="18" charset="0"/>
               </a:rPr>
               <a:t> </a:t>
             </a:r>
             <a:r>
-              <a:rPr lang="en-US" altLang="ru-RU" sz="2400" dirty="0" err="1">
+              <a:rPr lang="en-US" altLang="ru-RU" sz="2400">
                 <a:latin typeface="Times New Roman" panose="02020603050405020304" pitchFamily="18" charset="0"/>
                 <a:cs typeface="Times New Roman" panose="02020603050405020304" pitchFamily="18" charset="0"/>
               </a:rPr>
               <a:t>java.lang.Number</a:t>
             </a:r>
-            <a:endParaRPr lang="en-US" altLang="ru-RU" sz="2400" dirty="0">
-              <a:latin typeface="Times New Roman" panose="02020603050405020304" pitchFamily="18" charset="0"/>
-              <a:cs typeface="Times New Roman" panose="02020603050405020304" pitchFamily="18" charset="0"/>
-            </a:endParaRPr>
           </a:p>
           <a:p>
             <a:pPr lvl="1"/>
             <a:r>
-              <a:rPr lang="en-US" altLang="ru-RU" sz="2000" b="1" i="1" dirty="0" err="1">
+              <a:rPr lang="en-US" altLang="ru-RU" sz="2000" b="1" i="1">
                 <a:latin typeface="Times New Roman" panose="02020603050405020304" pitchFamily="18" charset="0"/>
                 <a:cs typeface="Times New Roman" panose="02020603050405020304" pitchFamily="18" charset="0"/>
               </a:rPr>
               <a:t>java.lang.Byte</a:t>
             </a:r>
-            <a:endParaRPr lang="en-US" altLang="ru-RU" sz="2000" b="1" i="1" dirty="0">
-              <a:latin typeface="Times New Roman" panose="02020603050405020304" pitchFamily="18" charset="0"/>
-              <a:cs typeface="Times New Roman" panose="02020603050405020304" pitchFamily="18" charset="0"/>
-            </a:endParaRPr>
           </a:p>
           <a:p>
             <a:pPr lvl="1"/>
             <a:r>
-              <a:rPr lang="en-US" altLang="ru-RU" sz="2000" b="1" i="1" dirty="0" err="1">
+              <a:rPr lang="en-US" altLang="ru-RU" sz="2000" b="1" i="1">
                 <a:latin typeface="Times New Roman" panose="02020603050405020304" pitchFamily="18" charset="0"/>
                 <a:cs typeface="Times New Roman" panose="02020603050405020304" pitchFamily="18" charset="0"/>
               </a:rPr>
               <a:t>java.lang.Short</a:t>
             </a:r>
-            <a:endParaRPr lang="en-US" altLang="ru-RU" sz="2000" b="1" i="1" dirty="0">
-              <a:latin typeface="Times New Roman" panose="02020603050405020304" pitchFamily="18" charset="0"/>
-              <a:cs typeface="Times New Roman" panose="02020603050405020304" pitchFamily="18" charset="0"/>
-            </a:endParaRPr>
           </a:p>
           <a:p>
             <a:pPr lvl="1"/>
             <a:r>
-              <a:rPr lang="en-US" altLang="ru-RU" sz="2000" b="1" i="1" dirty="0" err="1">
+              <a:rPr lang="en-US" altLang="ru-RU" sz="2000" b="1" i="1">
                 <a:latin typeface="Times New Roman" panose="02020603050405020304" pitchFamily="18" charset="0"/>
                 <a:cs typeface="Times New Roman" panose="02020603050405020304" pitchFamily="18" charset="0"/>
               </a:rPr>
               <a:t>java.lang.Integer</a:t>
             </a:r>
-            <a:endParaRPr lang="en-US" altLang="ru-RU" sz="2000" b="1" i="1" dirty="0">
-              <a:latin typeface="Times New Roman" panose="02020603050405020304" pitchFamily="18" charset="0"/>
-              <a:cs typeface="Times New Roman" panose="02020603050405020304" pitchFamily="18" charset="0"/>
-            </a:endParaRPr>
           </a:p>
           <a:p>
             <a:pPr lvl="1"/>
             <a:r>
-              <a:rPr lang="en-US" altLang="ru-RU" sz="2000" b="1" i="1" dirty="0" err="1">
+              <a:rPr lang="en-US" altLang="ru-RU" sz="2000" b="1" i="1">
                 <a:latin typeface="Times New Roman" panose="02020603050405020304" pitchFamily="18" charset="0"/>
                 <a:cs typeface="Times New Roman" panose="02020603050405020304" pitchFamily="18" charset="0"/>
               </a:rPr>
               <a:t>java.lang.Long</a:t>
             </a:r>
-            <a:endParaRPr lang="en-US" altLang="ru-RU" sz="2000" b="1" i="1" dirty="0">
-              <a:latin typeface="Times New Roman" panose="02020603050405020304" pitchFamily="18" charset="0"/>
-              <a:cs typeface="Times New Roman" panose="02020603050405020304" pitchFamily="18" charset="0"/>
-            </a:endParaRPr>
           </a:p>
           <a:p>
             <a:pPr lvl="1"/>
             <a:r>
-              <a:rPr lang="en-US" altLang="ru-RU" sz="2000" b="1" i="1" dirty="0" err="1">
+              <a:rPr lang="en-US" altLang="ru-RU" sz="2000" b="1" i="1">
                 <a:latin typeface="Times New Roman" panose="02020603050405020304" pitchFamily="18" charset="0"/>
                 <a:cs typeface="Times New Roman" panose="02020603050405020304" pitchFamily="18" charset="0"/>
               </a:rPr>
               <a:t>java.lang.Float</a:t>
             </a:r>
-            <a:endParaRPr lang="en-US" altLang="ru-RU" sz="2000" b="1" i="1" dirty="0">
-              <a:latin typeface="Times New Roman" panose="02020603050405020304" pitchFamily="18" charset="0"/>
-              <a:cs typeface="Times New Roman" panose="02020603050405020304" pitchFamily="18" charset="0"/>
-            </a:endParaRPr>
           </a:p>
           <a:p>
             <a:pPr lvl="1"/>
             <a:r>
-              <a:rPr lang="en-US" altLang="ru-RU" sz="2000" b="1" i="1" dirty="0" err="1">
+              <a:rPr lang="en-US" altLang="ru-RU" sz="2000" b="1" i="1">
                 <a:latin typeface="Times New Roman" panose="02020603050405020304" pitchFamily="18" charset="0"/>
                 <a:cs typeface="Times New Roman" panose="02020603050405020304" pitchFamily="18" charset="0"/>
               </a:rPr>
@@ -8745,185 +9155,10 @@
       </p:sp>
       <p:sp>
         <p:nvSpPr>
-          <p:cNvPr id="84996" name="Rectangle 7"/>
-          <p:cNvSpPr>
-            <a:spLocks noGrp="1"/>
-          </p:cNvSpPr>
-          <p:nvPr>
-            <p:ph sz="half" idx="2"/>
-          </p:nvPr>
-        </p:nvSpPr>
-        <p:spPr>
-          <a:xfrm>
-            <a:off x="6096000" y="946391"/>
-            <a:ext cx="5181600" cy="2086261"/>
-          </a:xfrm>
-        </p:spPr>
-        <p:txBody>
-          <a:bodyPr>
-            <a:normAutofit/>
-          </a:bodyPr>
-          <a:lstStyle/>
-          <a:p>
-            <a:r>
-              <a:rPr lang="uk-UA" altLang="ru-RU" sz="2400" dirty="0">
-                <a:latin typeface="Times New Roman" panose="02020603050405020304" pitchFamily="18" charset="0"/>
-                <a:cs typeface="Times New Roman" panose="02020603050405020304" pitchFamily="18" charset="0"/>
-              </a:rPr>
-              <a:t>Оболонки використовуються:</a:t>
-            </a:r>
-          </a:p>
-          <a:p>
-            <a:pPr lvl="1"/>
-            <a:r>
-              <a:rPr lang="uk-UA" altLang="ru-RU" sz="2000" dirty="0">
-                <a:latin typeface="Times New Roman" panose="02020603050405020304" pitchFamily="18" charset="0"/>
-                <a:cs typeface="Times New Roman" panose="02020603050405020304" pitchFamily="18" charset="0"/>
-              </a:rPr>
-              <a:t>якщо </a:t>
-            </a:r>
-            <a:r>
-              <a:rPr lang="uk-UA" altLang="ru-RU" sz="2000" dirty="0" err="1">
-                <a:latin typeface="Times New Roman" panose="02020603050405020304" pitchFamily="18" charset="0"/>
-                <a:cs typeface="Times New Roman" panose="02020603050405020304" pitchFamily="18" charset="0"/>
-              </a:rPr>
-              <a:t>викликаємий</a:t>
-            </a:r>
-            <a:r>
-              <a:rPr lang="uk-UA" altLang="ru-RU" sz="2000" dirty="0">
-                <a:latin typeface="Times New Roman" panose="02020603050405020304" pitchFamily="18" charset="0"/>
-                <a:cs typeface="Times New Roman" panose="02020603050405020304" pitchFamily="18" charset="0"/>
-              </a:rPr>
-              <a:t> метод очікує на вхід об’єктне посилання, а не значення примітивного типу</a:t>
-            </a:r>
-          </a:p>
-          <a:p>
-            <a:pPr lvl="1"/>
-            <a:r>
-              <a:rPr lang="uk-UA" altLang="ru-RU" sz="2000" dirty="0">
-                <a:latin typeface="Times New Roman" panose="02020603050405020304" pitchFamily="18" charset="0"/>
-                <a:cs typeface="Times New Roman" panose="02020603050405020304" pitchFamily="18" charset="0"/>
-              </a:rPr>
-              <a:t>для перетворення значень</a:t>
-            </a:r>
-          </a:p>
-          <a:p>
-            <a:pPr lvl="1"/>
-            <a:r>
-              <a:rPr lang="uk-UA" altLang="ru-RU" sz="2000" dirty="0">
-                <a:latin typeface="Times New Roman" panose="02020603050405020304" pitchFamily="18" charset="0"/>
-                <a:cs typeface="Times New Roman" panose="02020603050405020304" pitchFamily="18" charset="0"/>
-              </a:rPr>
-              <a:t>для отримання спеціальних констант</a:t>
-            </a:r>
-          </a:p>
-        </p:txBody>
-      </p:sp>
-      <p:graphicFrame>
-        <p:nvGraphicFramePr>
-          <p:cNvPr id="84998" name="Object 8"/>
-          <p:cNvGraphicFramePr>
-            <a:graphicFrameLocks noChangeAspect="1"/>
-          </p:cNvGraphicFramePr>
-          <p:nvPr>
-            <p:extLst>
-              <p:ext uri="{D42A27DB-BD31-4B8C-83A1-F6EECF244321}">
-                <p14:modId xmlns:p14="http://schemas.microsoft.com/office/powerpoint/2010/main" val="100465917"/>
-              </p:ext>
-            </p:extLst>
-          </p:nvPr>
-        </p:nvGraphicFramePr>
-        <p:xfrm>
-          <a:off x="322724" y="5583001"/>
-          <a:ext cx="3233738" cy="989012"/>
-        </p:xfrm>
-        <a:graphic>
-          <a:graphicData uri="http://schemas.openxmlformats.org/presentationml/2006/ole">
-            <mc:AlternateContent xmlns:mc="http://schemas.openxmlformats.org/markup-compatibility/2006">
-              <mc:Choice xmlns:v="urn:schemas-microsoft-com:vml" Requires="v">
-                <p:oleObj spid="_x0000_s1036" name="Visio" r:id="rId3" imgW="2162462" imgH="661678" progId="Visio.Drawing.11">
-                  <p:embed/>
-                </p:oleObj>
-              </mc:Choice>
-              <mc:Fallback>
-                <p:oleObj name="Visio" r:id="rId3" imgW="2162462" imgH="661678" progId="Visio.Drawing.11">
-                  <p:embed/>
-                  <p:pic>
-                    <p:nvPicPr>
-                      <p:cNvPr id="84998" name="Object 8"/>
-                      <p:cNvPicPr>
-                        <a:picLocks noChangeAspect="1" noChangeArrowheads="1"/>
-                      </p:cNvPicPr>
-                      <p:nvPr/>
-                    </p:nvPicPr>
-                    <p:blipFill>
-                      <a:blip r:embed="rId4">
-                        <a:extLst>
-                          <a:ext uri="{28A0092B-C50C-407E-A947-70E740481C1C}">
-                            <a14:useLocalDpi xmlns:a14="http://schemas.microsoft.com/office/drawing/2010/main" val="0"/>
-                          </a:ext>
-                        </a:extLst>
-                      </a:blip>
-                      <a:srcRect/>
-                      <a:stretch>
-                        <a:fillRect/>
-                      </a:stretch>
-                    </p:blipFill>
-                    <p:spPr bwMode="auto">
-                      <a:xfrm>
-                        <a:off x="322724" y="5583001"/>
-                        <a:ext cx="3233738" cy="989012"/>
-                      </a:xfrm>
-                      <a:prstGeom prst="rect">
-                        <a:avLst/>
-                      </a:prstGeom>
-                      <a:noFill/>
-                      <a:ln>
-                        <a:noFill/>
-                      </a:ln>
-                      <a:effectLst/>
-                      <a:extLst>
-                        <a:ext uri="{909E8E84-426E-40DD-AFC4-6F175D3DCCD1}">
-                          <a14:hiddenFill xmlns:a14="http://schemas.microsoft.com/office/drawing/2010/main">
-                            <a:solidFill>
-                              <a:schemeClr val="accent1"/>
-                            </a:solidFill>
-                          </a14:hiddenFill>
-                        </a:ext>
-                        <a:ext uri="{91240B29-F687-4F45-9708-019B960494DF}">
-                          <a14:hiddenLine xmlns:a14="http://schemas.microsoft.com/office/drawing/2010/main" w="9525">
-                            <a:solidFill>
-                              <a:schemeClr val="tx1"/>
-                            </a:solidFill>
-                            <a:miter lim="800000"/>
-                            <a:headEnd/>
-                            <a:tailEnd/>
-                          </a14:hiddenLine>
-                        </a:ext>
-                        <a:ext uri="{AF507438-7753-43E0-B8FC-AC1667EBCBE1}">
-                          <a14:hiddenEffects xmlns:a14="http://schemas.microsoft.com/office/drawing/2010/main">
-                            <a:effectLst>
-                              <a:outerShdw dist="35921" dir="2700000" algn="ctr" rotWithShape="0">
-                                <a:schemeClr val="bg2"/>
-                              </a:outerShdw>
-                            </a:effectLst>
-                          </a14:hiddenEffects>
-                        </a:ext>
-                      </a:extLst>
-                    </p:spPr>
-                  </p:pic>
-                </p:oleObj>
-              </mc:Fallback>
-            </mc:AlternateContent>
-          </a:graphicData>
-        </a:graphic>
-      </p:graphicFrame>
-      <p:sp>
-        <p:nvSpPr>
-          <p:cNvPr id="2" name="Прямоугольник 1">
+          <p:cNvPr id="5" name="Прямоугольник 4">
             <a:extLst>
               <a:ext uri="{FF2B5EF4-FFF2-40B4-BE49-F238E27FC236}">
-                <a16:creationId xmlns:a16="http://schemas.microsoft.com/office/drawing/2014/main" id="{FA0D311B-EFCD-4417-B4C8-C2E67BA5C79F}"/>
+                <a16:creationId xmlns:a16="http://schemas.microsoft.com/office/drawing/2014/main" id="{FB446E37-CA46-41A2-8834-5CDBB974FC73}"/>
               </a:ext>
             </a:extLst>
           </p:cNvPr>
@@ -8938,6 +9173,11 @@
           <a:prstGeom prst="rect">
             <a:avLst/>
           </a:prstGeom>
+          <a:solidFill>
+            <a:schemeClr val="accent6">
+              <a:lumMod val="50000"/>
+            </a:schemeClr>
+          </a:solidFill>
         </p:spPr>
         <p:style>
           <a:lnRef idx="1">
@@ -8968,10 +9208,10 @@
       </p:sp>
       <p:sp>
         <p:nvSpPr>
-          <p:cNvPr id="8" name="Прямоугольник 7">
+          <p:cNvPr id="6" name="Прямоугольник 5">
             <a:extLst>
               <a:ext uri="{FF2B5EF4-FFF2-40B4-BE49-F238E27FC236}">
-                <a16:creationId xmlns:a16="http://schemas.microsoft.com/office/drawing/2014/main" id="{284B3B33-AB39-4395-B7BC-8D7E84C18845}"/>
+                <a16:creationId xmlns:a16="http://schemas.microsoft.com/office/drawing/2014/main" id="{C19FF04F-3298-4419-B2A7-A2423AA23D1F}"/>
               </a:ext>
             </a:extLst>
           </p:cNvPr>
@@ -8986,6 +9226,11 @@
           <a:prstGeom prst="rect">
             <a:avLst/>
           </a:prstGeom>
+          <a:solidFill>
+            <a:schemeClr val="accent6">
+              <a:lumMod val="50000"/>
+            </a:schemeClr>
+          </a:solidFill>
         </p:spPr>
         <p:style>
           <a:lnRef idx="1">
@@ -9016,10 +9261,10 @@
       </p:sp>
       <p:sp>
         <p:nvSpPr>
-          <p:cNvPr id="9" name="Прямоугольник 8">
+          <p:cNvPr id="7" name="Прямоугольник 6">
             <a:extLst>
               <a:ext uri="{FF2B5EF4-FFF2-40B4-BE49-F238E27FC236}">
-                <a16:creationId xmlns:a16="http://schemas.microsoft.com/office/drawing/2014/main" id="{D7314B49-6BE1-4740-985B-43F90FB33084}"/>
+                <a16:creationId xmlns:a16="http://schemas.microsoft.com/office/drawing/2014/main" id="{6D2FD02C-A4DA-4E47-B8E0-3DCE94B3DD44}"/>
               </a:ext>
             </a:extLst>
           </p:cNvPr>
@@ -9034,6 +9279,11 @@
           <a:prstGeom prst="rect">
             <a:avLst/>
           </a:prstGeom>
+          <a:solidFill>
+            <a:schemeClr val="accent6">
+              <a:lumMod val="50000"/>
+            </a:schemeClr>
+          </a:solidFill>
         </p:spPr>
         <p:style>
           <a:lnRef idx="1">
@@ -9064,10 +9314,10 @@
       </p:sp>
       <p:sp>
         <p:nvSpPr>
-          <p:cNvPr id="10" name="Прямоугольник 9">
+          <p:cNvPr id="8" name="Прямоугольник 7">
             <a:extLst>
               <a:ext uri="{FF2B5EF4-FFF2-40B4-BE49-F238E27FC236}">
-                <a16:creationId xmlns:a16="http://schemas.microsoft.com/office/drawing/2014/main" id="{A81B1FD2-6FBB-47D4-962B-A5AB1402821B}"/>
+                <a16:creationId xmlns:a16="http://schemas.microsoft.com/office/drawing/2014/main" id="{E5A5F4BB-5004-489F-88F1-BF23C97BFAC3}"/>
               </a:ext>
             </a:extLst>
           </p:cNvPr>
@@ -9082,6 +9332,11 @@
           <a:prstGeom prst="rect">
             <a:avLst/>
           </a:prstGeom>
+          <a:solidFill>
+            <a:schemeClr val="accent6">
+              <a:lumMod val="50000"/>
+            </a:schemeClr>
+          </a:solidFill>
         </p:spPr>
         <p:style>
           <a:lnRef idx="1">
@@ -9112,10 +9367,10 @@
       </p:sp>
       <p:sp>
         <p:nvSpPr>
-          <p:cNvPr id="11" name="Прямоугольник 10">
+          <p:cNvPr id="9" name="Прямоугольник 8">
             <a:extLst>
               <a:ext uri="{FF2B5EF4-FFF2-40B4-BE49-F238E27FC236}">
-                <a16:creationId xmlns:a16="http://schemas.microsoft.com/office/drawing/2014/main" id="{1D6CEFC0-1AF4-4FC4-B40B-85FADA1B0CE6}"/>
+                <a16:creationId xmlns:a16="http://schemas.microsoft.com/office/drawing/2014/main" id="{747470DC-E51E-4568-81D7-B5710948DC68}"/>
               </a:ext>
             </a:extLst>
           </p:cNvPr>
@@ -9130,6 +9385,11 @@
           <a:prstGeom prst="rect">
             <a:avLst/>
           </a:prstGeom>
+          <a:solidFill>
+            <a:schemeClr val="accent6">
+              <a:lumMod val="50000"/>
+            </a:schemeClr>
+          </a:solidFill>
         </p:spPr>
         <p:style>
           <a:lnRef idx="1">
@@ -9160,10 +9420,10 @@
       </p:sp>
       <p:sp>
         <p:nvSpPr>
-          <p:cNvPr id="12" name="Прямоугольник 11">
+          <p:cNvPr id="10" name="Прямоугольник 9">
             <a:extLst>
               <a:ext uri="{FF2B5EF4-FFF2-40B4-BE49-F238E27FC236}">
-                <a16:creationId xmlns:a16="http://schemas.microsoft.com/office/drawing/2014/main" id="{E051CC6D-7868-45D4-BCA9-66DA47663ED8}"/>
+                <a16:creationId xmlns:a16="http://schemas.microsoft.com/office/drawing/2014/main" id="{1EA45B3E-387E-4C44-A8A4-627452A93544}"/>
               </a:ext>
             </a:extLst>
           </p:cNvPr>
@@ -9178,6 +9438,11 @@
           <a:prstGeom prst="rect">
             <a:avLst/>
           </a:prstGeom>
+          <a:solidFill>
+            <a:schemeClr val="accent6">
+              <a:lumMod val="50000"/>
+            </a:schemeClr>
+          </a:solidFill>
         </p:spPr>
         <p:style>
           <a:lnRef idx="1">
@@ -9208,10 +9473,10 @@
       </p:sp>
       <p:sp>
         <p:nvSpPr>
-          <p:cNvPr id="13" name="Прямоугольник 12">
+          <p:cNvPr id="11" name="Прямоугольник 10">
             <a:extLst>
               <a:ext uri="{FF2B5EF4-FFF2-40B4-BE49-F238E27FC236}">
-                <a16:creationId xmlns:a16="http://schemas.microsoft.com/office/drawing/2014/main" id="{9C6A4F96-D121-4F99-8FDC-8A5AB292F110}"/>
+                <a16:creationId xmlns:a16="http://schemas.microsoft.com/office/drawing/2014/main" id="{DD23C650-3FE7-48EA-9255-7A6DEDD76C97}"/>
               </a:ext>
             </a:extLst>
           </p:cNvPr>
@@ -9226,6 +9491,11 @@
           <a:prstGeom prst="rect">
             <a:avLst/>
           </a:prstGeom>
+          <a:solidFill>
+            <a:schemeClr val="accent6">
+              <a:lumMod val="50000"/>
+            </a:schemeClr>
+          </a:solidFill>
         </p:spPr>
         <p:style>
           <a:lnRef idx="1">
@@ -9256,16 +9526,16 @@
       </p:sp>
       <p:cxnSp>
         <p:nvCxnSpPr>
-          <p:cNvPr id="4" name="Прямая со стрелкой 3">
+          <p:cNvPr id="12" name="Прямая со стрелкой 11">
             <a:extLst>
               <a:ext uri="{FF2B5EF4-FFF2-40B4-BE49-F238E27FC236}">
-                <a16:creationId xmlns:a16="http://schemas.microsoft.com/office/drawing/2014/main" id="{15D8BE9B-4D3D-4CF4-9A52-E836D3CB20E8}"/>
+                <a16:creationId xmlns:a16="http://schemas.microsoft.com/office/drawing/2014/main" id="{4B68276B-E5F4-480B-910A-D72F939BAA97}"/>
               </a:ext>
             </a:extLst>
           </p:cNvPr>
           <p:cNvCxnSpPr>
-            <a:stCxn id="2" idx="0"/>
-            <a:endCxn id="10" idx="2"/>
+            <a:stCxn id="5" idx="0"/>
+            <a:endCxn id="8" idx="2"/>
           </p:cNvCxnSpPr>
           <p:nvPr/>
         </p:nvCxnSpPr>
@@ -9298,17 +9568,17 @@
       </p:cxnSp>
       <p:cxnSp>
         <p:nvCxnSpPr>
-          <p:cNvPr id="16" name="Прямая со стрелкой 15">
+          <p:cNvPr id="13" name="Прямая со стрелкой 12">
             <a:extLst>
               <a:ext uri="{FF2B5EF4-FFF2-40B4-BE49-F238E27FC236}">
-                <a16:creationId xmlns:a16="http://schemas.microsoft.com/office/drawing/2014/main" id="{BC3232AD-8008-4CB0-9414-B61721800A90}"/>
+                <a16:creationId xmlns:a16="http://schemas.microsoft.com/office/drawing/2014/main" id="{F0881FB7-48E6-47B0-91AD-A449F8EDC6AD}"/>
               </a:ext>
             </a:extLst>
           </p:cNvPr>
           <p:cNvCxnSpPr>
             <a:cxnSpLocks/>
-            <a:stCxn id="2" idx="0"/>
-            <a:endCxn id="8" idx="2"/>
+            <a:stCxn id="5" idx="0"/>
+            <a:endCxn id="6" idx="2"/>
           </p:cNvCxnSpPr>
           <p:nvPr/>
         </p:nvCxnSpPr>
@@ -9341,17 +9611,17 @@
       </p:cxnSp>
       <p:cxnSp>
         <p:nvCxnSpPr>
-          <p:cNvPr id="20" name="Прямая со стрелкой 19">
+          <p:cNvPr id="14" name="Прямая со стрелкой 13">
             <a:extLst>
               <a:ext uri="{FF2B5EF4-FFF2-40B4-BE49-F238E27FC236}">
-                <a16:creationId xmlns:a16="http://schemas.microsoft.com/office/drawing/2014/main" id="{62AD4B3C-020A-4B19-8E80-83C33BFD4B4F}"/>
+                <a16:creationId xmlns:a16="http://schemas.microsoft.com/office/drawing/2014/main" id="{5D573B98-C701-4A7D-8CB7-78C588D54E3C}"/>
               </a:ext>
             </a:extLst>
           </p:cNvPr>
           <p:cNvCxnSpPr>
             <a:cxnSpLocks/>
-            <a:stCxn id="2" idx="1"/>
-            <a:endCxn id="9" idx="3"/>
+            <a:stCxn id="5" idx="1"/>
+            <a:endCxn id="7" idx="3"/>
           </p:cNvCxnSpPr>
           <p:nvPr/>
         </p:nvCxnSpPr>
@@ -9384,17 +9654,17 @@
       </p:cxnSp>
       <p:cxnSp>
         <p:nvCxnSpPr>
-          <p:cNvPr id="23" name="Прямая со стрелкой 22">
+          <p:cNvPr id="15" name="Прямая со стрелкой 14">
             <a:extLst>
               <a:ext uri="{FF2B5EF4-FFF2-40B4-BE49-F238E27FC236}">
-                <a16:creationId xmlns:a16="http://schemas.microsoft.com/office/drawing/2014/main" id="{3AC7457A-8B85-4C07-8D45-A8CD751A2680}"/>
+                <a16:creationId xmlns:a16="http://schemas.microsoft.com/office/drawing/2014/main" id="{9998BB6D-2261-4D86-937E-85566D6A920B}"/>
               </a:ext>
             </a:extLst>
           </p:cNvPr>
           <p:cNvCxnSpPr>
             <a:cxnSpLocks/>
-            <a:stCxn id="2" idx="3"/>
-            <a:endCxn id="12" idx="1"/>
+            <a:stCxn id="5" idx="3"/>
+            <a:endCxn id="10" idx="1"/>
           </p:cNvCxnSpPr>
           <p:nvPr/>
         </p:nvCxnSpPr>
@@ -9427,17 +9697,17 @@
       </p:cxnSp>
       <p:cxnSp>
         <p:nvCxnSpPr>
-          <p:cNvPr id="26" name="Прямая со стрелкой 25">
+          <p:cNvPr id="16" name="Прямая со стрелкой 15">
             <a:extLst>
               <a:ext uri="{FF2B5EF4-FFF2-40B4-BE49-F238E27FC236}">
-                <a16:creationId xmlns:a16="http://schemas.microsoft.com/office/drawing/2014/main" id="{B6E70532-B32E-4C01-BC1F-1BF5300276D3}"/>
+                <a16:creationId xmlns:a16="http://schemas.microsoft.com/office/drawing/2014/main" id="{1A52C195-8A68-429E-BCB0-213399DCB077}"/>
               </a:ext>
             </a:extLst>
           </p:cNvPr>
           <p:cNvCxnSpPr>
             <a:cxnSpLocks/>
-            <a:stCxn id="2" idx="2"/>
-            <a:endCxn id="13" idx="0"/>
+            <a:stCxn id="5" idx="2"/>
+            <a:endCxn id="11" idx="0"/>
           </p:cNvCxnSpPr>
           <p:nvPr/>
         </p:nvCxnSpPr>
@@ -9470,17 +9740,17 @@
       </p:cxnSp>
       <p:cxnSp>
         <p:nvCxnSpPr>
-          <p:cNvPr id="29" name="Прямая со стрелкой 28">
+          <p:cNvPr id="17" name="Прямая со стрелкой 16">
             <a:extLst>
               <a:ext uri="{FF2B5EF4-FFF2-40B4-BE49-F238E27FC236}">
-                <a16:creationId xmlns:a16="http://schemas.microsoft.com/office/drawing/2014/main" id="{7E8C990D-E89B-4EB6-A79F-BB98B57CB5C2}"/>
+                <a16:creationId xmlns:a16="http://schemas.microsoft.com/office/drawing/2014/main" id="{B7538CF9-FD89-4273-B857-6B1636912E32}"/>
               </a:ext>
             </a:extLst>
           </p:cNvPr>
           <p:cNvCxnSpPr>
             <a:cxnSpLocks/>
-            <a:stCxn id="2" idx="2"/>
-            <a:endCxn id="11" idx="0"/>
+            <a:stCxn id="5" idx="2"/>
+            <a:endCxn id="9" idx="0"/>
           </p:cNvCxnSpPr>
           <p:nvPr/>
         </p:nvCxnSpPr>
@@ -9514,7 +9784,7 @@
     </p:spTree>
     <p:extLst>
       <p:ext uri="{BB962C8B-B14F-4D97-AF65-F5344CB8AC3E}">
-        <p14:creationId xmlns:p14="http://schemas.microsoft.com/office/powerpoint/2010/main" val="1724651752"/>
+        <p14:creationId xmlns:p14="http://schemas.microsoft.com/office/powerpoint/2010/main" val="3024843330"/>
       </p:ext>
     </p:extLst>
   </p:cSld>
@@ -9525,1057 +9795,6 @@
 </file>
 
 <file path=ppt/slides/slide16.xml><?xml version="1.0" encoding="utf-8"?>
-<p:sld xmlns:a="http://schemas.openxmlformats.org/drawingml/2006/main" xmlns:r="http://schemas.openxmlformats.org/officeDocument/2006/relationships" xmlns:p="http://schemas.openxmlformats.org/presentationml/2006/main">
-  <p:cSld>
-    <p:spTree>
-      <p:nvGrpSpPr>
-        <p:cNvPr id="1" name=""/>
-        <p:cNvGrpSpPr/>
-        <p:nvPr/>
-      </p:nvGrpSpPr>
-      <p:grpSpPr>
-        <a:xfrm>
-          <a:off x="0" y="0"/>
-          <a:ext cx="0" cy="0"/>
-          <a:chOff x="0" y="0"/>
-          <a:chExt cx="0" cy="0"/>
-        </a:xfrm>
-      </p:grpSpPr>
-      <p:sp>
-        <p:nvSpPr>
-          <p:cNvPr id="86018" name="Rectangle 2"/>
-          <p:cNvSpPr>
-            <a:spLocks noGrp="1"/>
-          </p:cNvSpPr>
-          <p:nvPr>
-            <p:ph type="title"/>
-          </p:nvPr>
-        </p:nvSpPr>
-        <p:spPr>
-          <a:xfrm>
-            <a:off x="0" y="18255"/>
-            <a:ext cx="12192000" cy="850107"/>
-          </a:xfrm>
-        </p:spPr>
-        <p:txBody>
-          <a:bodyPr>
-            <a:normAutofit/>
-          </a:bodyPr>
-          <a:lstStyle/>
-          <a:p>
-            <a:pPr algn="ctr"/>
-            <a:r>
-              <a:rPr lang="uk-UA" altLang="ru-RU" sz="4800" dirty="0">
-                <a:latin typeface="Times New Roman" panose="02020603050405020304" pitchFamily="18" charset="0"/>
-                <a:cs typeface="Times New Roman" panose="02020603050405020304" pitchFamily="18" charset="0"/>
-              </a:rPr>
-              <a:t>Основні методи оболонок</a:t>
-            </a:r>
-          </a:p>
-        </p:txBody>
-      </p:sp>
-      <p:sp>
-        <p:nvSpPr>
-          <p:cNvPr id="86019" name="Rectangle 3"/>
-          <p:cNvSpPr>
-            <a:spLocks noGrp="1"/>
-          </p:cNvSpPr>
-          <p:nvPr>
-            <p:ph idx="1"/>
-          </p:nvPr>
-        </p:nvSpPr>
-        <p:spPr/>
-        <p:txBody>
-          <a:bodyPr/>
-          <a:lstStyle/>
-          <a:p>
-            <a:r>
-              <a:rPr lang="uk-UA" altLang="ru-RU" dirty="0">
-                <a:latin typeface="Times New Roman" panose="02020603050405020304" pitchFamily="18" charset="0"/>
-                <a:cs typeface="Times New Roman" panose="02020603050405020304" pitchFamily="18" charset="0"/>
-              </a:rPr>
-              <a:t>Перетворення</a:t>
-            </a:r>
-          </a:p>
-          <a:p>
-            <a:endParaRPr lang="ru-RU" altLang="ru-RU" dirty="0"/>
-          </a:p>
-          <a:p>
-            <a:pPr>
-              <a:buFont typeface="Wingdings" panose="05000000000000000000" pitchFamily="2" charset="2"/>
-              <a:buNone/>
-            </a:pPr>
-            <a:endParaRPr lang="ru-RU" altLang="ru-RU" dirty="0"/>
-          </a:p>
-          <a:p>
-            <a:pPr>
-              <a:buFont typeface="Wingdings" panose="05000000000000000000" pitchFamily="2" charset="2"/>
-              <a:buNone/>
-            </a:pPr>
-            <a:endParaRPr lang="ru-RU" altLang="ru-RU" dirty="0"/>
-          </a:p>
-          <a:p>
-            <a:pPr>
-              <a:buFont typeface="Wingdings" panose="05000000000000000000" pitchFamily="2" charset="2"/>
-              <a:buNone/>
-            </a:pPr>
-            <a:endParaRPr lang="ru-RU" altLang="ru-RU" dirty="0"/>
-          </a:p>
-          <a:p>
-            <a:r>
-              <a:rPr lang="uk-UA" altLang="ru-RU" dirty="0">
-                <a:latin typeface="Times New Roman" panose="02020603050405020304" pitchFamily="18" charset="0"/>
-                <a:cs typeface="Times New Roman" panose="02020603050405020304" pitchFamily="18" charset="0"/>
-              </a:rPr>
-              <a:t>Порівняння</a:t>
-            </a:r>
-          </a:p>
-        </p:txBody>
-      </p:sp>
-      <p:sp>
-        <p:nvSpPr>
-          <p:cNvPr id="86020" name="Rectangle 4"/>
-          <p:cNvSpPr>
-            <a:spLocks noChangeArrowheads="1"/>
-          </p:cNvSpPr>
-          <p:nvPr/>
-        </p:nvSpPr>
-        <p:spPr bwMode="auto">
-          <a:xfrm>
-            <a:off x="2031999" y="2337395"/>
-            <a:ext cx="2914650" cy="2014538"/>
-          </a:xfrm>
-          <a:prstGeom prst="rect">
-            <a:avLst/>
-          </a:prstGeom>
-          <a:noFill/>
-          <a:ln>
-            <a:noFill/>
-          </a:ln>
-          <a:effectLst/>
-          <a:extLst>
-            <a:ext uri="{909E8E84-426E-40DD-AFC4-6F175D3DCCD1}">
-              <a14:hiddenFill xmlns:a14="http://schemas.microsoft.com/office/drawing/2010/main">
-                <a:solidFill>
-                  <a:schemeClr val="accent1"/>
-                </a:solidFill>
-              </a14:hiddenFill>
-            </a:ext>
-            <a:ext uri="{91240B29-F687-4F45-9708-019B960494DF}">
-              <a14:hiddenLine xmlns:a14="http://schemas.microsoft.com/office/drawing/2010/main" w="9525">
-                <a:solidFill>
-                  <a:schemeClr val="tx1"/>
-                </a:solidFill>
-                <a:miter lim="800000"/>
-                <a:headEnd/>
-                <a:tailEnd/>
-              </a14:hiddenLine>
-            </a:ext>
-            <a:ext uri="{AF507438-7753-43E0-B8FC-AC1667EBCBE1}">
-              <a14:hiddenEffects xmlns:a14="http://schemas.microsoft.com/office/drawing/2010/main">
-                <a:effectLst>
-                  <a:outerShdw dist="35921" dir="2700000" algn="ctr" rotWithShape="0">
-                    <a:schemeClr val="bg2"/>
-                  </a:outerShdw>
-                </a:effectLst>
-              </a14:hiddenEffects>
-            </a:ext>
-          </a:extLst>
-        </p:spPr>
-        <p:txBody>
-          <a:bodyPr wrap="none">
-            <a:spAutoFit/>
-          </a:bodyPr>
-          <a:lstStyle>
-            <a:lvl1pPr eaLnBrk="0" hangingPunct="0">
-              <a:spcAft>
-                <a:spcPct val="40000"/>
-              </a:spcAft>
-              <a:buClr>
-                <a:srgbClr val="004587"/>
-              </a:buClr>
-              <a:buFont typeface="Wingdings" panose="05000000000000000000" pitchFamily="2" charset="2"/>
-              <a:buChar char="§"/>
-              <a:defRPr sz="2000">
-                <a:solidFill>
-                  <a:schemeClr val="tx1"/>
-                </a:solidFill>
-                <a:latin typeface="Arial" panose="020B0604020202020204" pitchFamily="34" charset="0"/>
-                <a:cs typeface="Arial" panose="020B0604020202020204" pitchFamily="34" charset="0"/>
-              </a:defRPr>
-            </a:lvl1pPr>
-            <a:lvl2pPr marL="742950" indent="-285750" eaLnBrk="0" hangingPunct="0">
-              <a:spcAft>
-                <a:spcPct val="40000"/>
-              </a:spcAft>
-              <a:buClr>
-                <a:srgbClr val="004587"/>
-              </a:buClr>
-              <a:buChar char="–"/>
-              <a:defRPr>
-                <a:solidFill>
-                  <a:schemeClr val="tx1"/>
-                </a:solidFill>
-                <a:latin typeface="Arial" panose="020B0604020202020204" pitchFamily="34" charset="0"/>
-                <a:cs typeface="Arial" panose="020B0604020202020204" pitchFamily="34" charset="0"/>
-              </a:defRPr>
-            </a:lvl2pPr>
-            <a:lvl3pPr marL="1143000" indent="-228600" eaLnBrk="0" hangingPunct="0">
-              <a:spcAft>
-                <a:spcPct val="40000"/>
-              </a:spcAft>
-              <a:buClr>
-                <a:srgbClr val="004587"/>
-              </a:buClr>
-              <a:buChar char="•"/>
-              <a:defRPr sz="1600">
-                <a:solidFill>
-                  <a:schemeClr val="tx1"/>
-                </a:solidFill>
-                <a:latin typeface="Arial" panose="020B0604020202020204" pitchFamily="34" charset="0"/>
-                <a:cs typeface="Arial" panose="020B0604020202020204" pitchFamily="34" charset="0"/>
-              </a:defRPr>
-            </a:lvl3pPr>
-            <a:lvl4pPr marL="1600200" indent="-228600" eaLnBrk="0" hangingPunct="0">
-              <a:spcAft>
-                <a:spcPct val="40000"/>
-              </a:spcAft>
-              <a:buChar char="–"/>
-              <a:defRPr sz="2000">
-                <a:solidFill>
-                  <a:schemeClr val="tx1"/>
-                </a:solidFill>
-                <a:latin typeface="Arial" panose="020B0604020202020204" pitchFamily="34" charset="0"/>
-                <a:cs typeface="Arial" panose="020B0604020202020204" pitchFamily="34" charset="0"/>
-              </a:defRPr>
-            </a:lvl4pPr>
-            <a:lvl5pPr marL="2057400" indent="-228600" eaLnBrk="0" hangingPunct="0">
-              <a:spcAft>
-                <a:spcPct val="40000"/>
-              </a:spcAft>
-              <a:buChar char="»"/>
-              <a:defRPr sz="2000">
-                <a:solidFill>
-                  <a:schemeClr val="tx1"/>
-                </a:solidFill>
-                <a:latin typeface="Arial" panose="020B0604020202020204" pitchFamily="34" charset="0"/>
-                <a:cs typeface="Arial" panose="020B0604020202020204" pitchFamily="34" charset="0"/>
-              </a:defRPr>
-            </a:lvl5pPr>
-            <a:lvl6pPr marL="2514600" indent="-228600" eaLnBrk="0" fontAlgn="base" hangingPunct="0">
-              <a:spcBef>
-                <a:spcPct val="0"/>
-              </a:spcBef>
-              <a:spcAft>
-                <a:spcPct val="40000"/>
-              </a:spcAft>
-              <a:buChar char="»"/>
-              <a:defRPr sz="2000">
-                <a:solidFill>
-                  <a:schemeClr val="tx1"/>
-                </a:solidFill>
-                <a:latin typeface="Arial" panose="020B0604020202020204" pitchFamily="34" charset="0"/>
-                <a:cs typeface="Arial" panose="020B0604020202020204" pitchFamily="34" charset="0"/>
-              </a:defRPr>
-            </a:lvl6pPr>
-            <a:lvl7pPr marL="2971800" indent="-228600" eaLnBrk="0" fontAlgn="base" hangingPunct="0">
-              <a:spcBef>
-                <a:spcPct val="0"/>
-              </a:spcBef>
-              <a:spcAft>
-                <a:spcPct val="40000"/>
-              </a:spcAft>
-              <a:buChar char="»"/>
-              <a:defRPr sz="2000">
-                <a:solidFill>
-                  <a:schemeClr val="tx1"/>
-                </a:solidFill>
-                <a:latin typeface="Arial" panose="020B0604020202020204" pitchFamily="34" charset="0"/>
-                <a:cs typeface="Arial" panose="020B0604020202020204" pitchFamily="34" charset="0"/>
-              </a:defRPr>
-            </a:lvl7pPr>
-            <a:lvl8pPr marL="3429000" indent="-228600" eaLnBrk="0" fontAlgn="base" hangingPunct="0">
-              <a:spcBef>
-                <a:spcPct val="0"/>
-              </a:spcBef>
-              <a:spcAft>
-                <a:spcPct val="40000"/>
-              </a:spcAft>
-              <a:buChar char="»"/>
-              <a:defRPr sz="2000">
-                <a:solidFill>
-                  <a:schemeClr val="tx1"/>
-                </a:solidFill>
-                <a:latin typeface="Arial" panose="020B0604020202020204" pitchFamily="34" charset="0"/>
-                <a:cs typeface="Arial" panose="020B0604020202020204" pitchFamily="34" charset="0"/>
-              </a:defRPr>
-            </a:lvl8pPr>
-            <a:lvl9pPr marL="3886200" indent="-228600" eaLnBrk="0" fontAlgn="base" hangingPunct="0">
-              <a:spcBef>
-                <a:spcPct val="0"/>
-              </a:spcBef>
-              <a:spcAft>
-                <a:spcPct val="40000"/>
-              </a:spcAft>
-              <a:buChar char="»"/>
-              <a:defRPr sz="2000">
-                <a:solidFill>
-                  <a:schemeClr val="tx1"/>
-                </a:solidFill>
-                <a:latin typeface="Arial" panose="020B0604020202020204" pitchFamily="34" charset="0"/>
-                <a:cs typeface="Arial" panose="020B0604020202020204" pitchFamily="34" charset="0"/>
-              </a:defRPr>
-            </a:lvl9pPr>
-          </a:lstStyle>
-          <a:p>
-            <a:pPr eaLnBrk="1" hangingPunct="1">
-              <a:spcAft>
-                <a:spcPct val="0"/>
-              </a:spcAft>
-              <a:buClrTx/>
-              <a:buFontTx/>
-              <a:buNone/>
-            </a:pPr>
-            <a:r>
-              <a:rPr lang="ru-RU" altLang="ru-RU" sz="1800" dirty="0" err="1">
-                <a:latin typeface="Courier New" panose="02070309020205020404" pitchFamily="49" charset="0"/>
-              </a:rPr>
-              <a:t>byte</a:t>
-            </a:r>
-            <a:r>
-              <a:rPr lang="ru-RU" altLang="ru-RU" sz="1800" dirty="0">
-                <a:latin typeface="Courier New" panose="02070309020205020404" pitchFamily="49" charset="0"/>
-              </a:rPr>
-              <a:t> </a:t>
-            </a:r>
-            <a:r>
-              <a:rPr lang="ru-RU" altLang="ru-RU" sz="1800" b="1" dirty="0" err="1">
-                <a:latin typeface="Courier New" panose="02070309020205020404" pitchFamily="49" charset="0"/>
-              </a:rPr>
-              <a:t>byteValue</a:t>
-            </a:r>
-            <a:r>
-              <a:rPr lang="ru-RU" altLang="ru-RU" sz="1800" dirty="0">
-                <a:latin typeface="Courier New" panose="02070309020205020404" pitchFamily="49" charset="0"/>
-              </a:rPr>
-              <a:t>()</a:t>
-            </a:r>
-            <a:br>
-              <a:rPr lang="ru-RU" altLang="ru-RU" sz="1800" dirty="0">
-                <a:latin typeface="Courier New" panose="02070309020205020404" pitchFamily="49" charset="0"/>
-              </a:rPr>
-            </a:br>
-            <a:r>
-              <a:rPr lang="ru-RU" altLang="ru-RU" sz="1800" dirty="0" err="1">
-                <a:latin typeface="Courier New" panose="02070309020205020404" pitchFamily="49" charset="0"/>
-              </a:rPr>
-              <a:t>short</a:t>
-            </a:r>
-            <a:r>
-              <a:rPr lang="ru-RU" altLang="ru-RU" sz="1800" dirty="0">
-                <a:latin typeface="Courier New" panose="02070309020205020404" pitchFamily="49" charset="0"/>
-              </a:rPr>
-              <a:t> </a:t>
-            </a:r>
-            <a:r>
-              <a:rPr lang="ru-RU" altLang="ru-RU" sz="1800" b="1" dirty="0" err="1">
-                <a:latin typeface="Courier New" panose="02070309020205020404" pitchFamily="49" charset="0"/>
-              </a:rPr>
-              <a:t>shortValue</a:t>
-            </a:r>
-            <a:r>
-              <a:rPr lang="ru-RU" altLang="ru-RU" sz="1800" dirty="0">
-                <a:latin typeface="Courier New" panose="02070309020205020404" pitchFamily="49" charset="0"/>
-              </a:rPr>
-              <a:t>()</a:t>
-            </a:r>
-            <a:br>
-              <a:rPr lang="ru-RU" altLang="ru-RU" sz="1800" dirty="0">
-                <a:latin typeface="Courier New" panose="02070309020205020404" pitchFamily="49" charset="0"/>
-              </a:rPr>
-            </a:br>
-            <a:r>
-              <a:rPr lang="ru-RU" altLang="ru-RU" sz="1800" dirty="0" err="1">
-                <a:latin typeface="Courier New" panose="02070309020205020404" pitchFamily="49" charset="0"/>
-              </a:rPr>
-              <a:t>int</a:t>
-            </a:r>
-            <a:r>
-              <a:rPr lang="ru-RU" altLang="ru-RU" sz="1800" dirty="0">
-                <a:latin typeface="Courier New" panose="02070309020205020404" pitchFamily="49" charset="0"/>
-              </a:rPr>
-              <a:t> </a:t>
-            </a:r>
-            <a:r>
-              <a:rPr lang="ru-RU" altLang="ru-RU" sz="1800" b="1" dirty="0" err="1">
-                <a:latin typeface="Courier New" panose="02070309020205020404" pitchFamily="49" charset="0"/>
-              </a:rPr>
-              <a:t>intValue</a:t>
-            </a:r>
-            <a:r>
-              <a:rPr lang="ru-RU" altLang="ru-RU" sz="1800" dirty="0">
-                <a:latin typeface="Courier New" panose="02070309020205020404" pitchFamily="49" charset="0"/>
-              </a:rPr>
-              <a:t>()</a:t>
-            </a:r>
-            <a:br>
-              <a:rPr lang="ru-RU" altLang="ru-RU" sz="1800" dirty="0">
-                <a:latin typeface="Courier New" panose="02070309020205020404" pitchFamily="49" charset="0"/>
-              </a:rPr>
-            </a:br>
-            <a:r>
-              <a:rPr lang="ru-RU" altLang="ru-RU" sz="1800" dirty="0" err="1">
-                <a:latin typeface="Courier New" panose="02070309020205020404" pitchFamily="49" charset="0"/>
-              </a:rPr>
-              <a:t>long</a:t>
-            </a:r>
-            <a:r>
-              <a:rPr lang="ru-RU" altLang="ru-RU" sz="1800" dirty="0">
-                <a:latin typeface="Courier New" panose="02070309020205020404" pitchFamily="49" charset="0"/>
-              </a:rPr>
-              <a:t> </a:t>
-            </a:r>
-            <a:r>
-              <a:rPr lang="ru-RU" altLang="ru-RU" sz="1800" b="1" dirty="0" err="1">
-                <a:latin typeface="Courier New" panose="02070309020205020404" pitchFamily="49" charset="0"/>
-              </a:rPr>
-              <a:t>longValue</a:t>
-            </a:r>
-            <a:r>
-              <a:rPr lang="ru-RU" altLang="ru-RU" sz="1800" dirty="0">
-                <a:latin typeface="Courier New" panose="02070309020205020404" pitchFamily="49" charset="0"/>
-              </a:rPr>
-              <a:t>()</a:t>
-            </a:r>
-            <a:br>
-              <a:rPr lang="ru-RU" altLang="ru-RU" sz="1800" dirty="0">
-                <a:latin typeface="Courier New" panose="02070309020205020404" pitchFamily="49" charset="0"/>
-              </a:rPr>
-            </a:br>
-            <a:r>
-              <a:rPr lang="ru-RU" altLang="ru-RU" sz="1800" dirty="0" err="1">
-                <a:latin typeface="Courier New" panose="02070309020205020404" pitchFamily="49" charset="0"/>
-              </a:rPr>
-              <a:t>float</a:t>
-            </a:r>
-            <a:r>
-              <a:rPr lang="ru-RU" altLang="ru-RU" sz="1800" dirty="0">
-                <a:latin typeface="Courier New" panose="02070309020205020404" pitchFamily="49" charset="0"/>
-              </a:rPr>
-              <a:t> </a:t>
-            </a:r>
-            <a:r>
-              <a:rPr lang="ru-RU" altLang="ru-RU" sz="1800" b="1" dirty="0" err="1">
-                <a:latin typeface="Courier New" panose="02070309020205020404" pitchFamily="49" charset="0"/>
-              </a:rPr>
-              <a:t>floatValue</a:t>
-            </a:r>
-            <a:r>
-              <a:rPr lang="ru-RU" altLang="ru-RU" sz="1800" dirty="0">
-                <a:latin typeface="Courier New" panose="02070309020205020404" pitchFamily="49" charset="0"/>
-              </a:rPr>
-              <a:t>()</a:t>
-            </a:r>
-            <a:br>
-              <a:rPr lang="ru-RU" altLang="ru-RU" sz="1800" dirty="0">
-                <a:latin typeface="Courier New" panose="02070309020205020404" pitchFamily="49" charset="0"/>
-              </a:rPr>
-            </a:br>
-            <a:r>
-              <a:rPr lang="ru-RU" altLang="ru-RU" sz="1800" dirty="0" err="1">
-                <a:latin typeface="Courier New" panose="02070309020205020404" pitchFamily="49" charset="0"/>
-              </a:rPr>
-              <a:t>double</a:t>
-            </a:r>
-            <a:r>
-              <a:rPr lang="ru-RU" altLang="ru-RU" sz="1800" dirty="0">
-                <a:latin typeface="Courier New" panose="02070309020205020404" pitchFamily="49" charset="0"/>
-              </a:rPr>
-              <a:t> </a:t>
-            </a:r>
-            <a:r>
-              <a:rPr lang="ru-RU" altLang="ru-RU" sz="1800" b="1" dirty="0" err="1">
-                <a:latin typeface="Courier New" panose="02070309020205020404" pitchFamily="49" charset="0"/>
-              </a:rPr>
-              <a:t>doubleValue</a:t>
-            </a:r>
-            <a:r>
-              <a:rPr lang="ru-RU" altLang="ru-RU" sz="1800" dirty="0">
-                <a:latin typeface="Courier New" panose="02070309020205020404" pitchFamily="49" charset="0"/>
-              </a:rPr>
-              <a:t>()</a:t>
-            </a:r>
-          </a:p>
-          <a:p>
-            <a:pPr eaLnBrk="1" hangingPunct="1">
-              <a:spcAft>
-                <a:spcPct val="0"/>
-              </a:spcAft>
-              <a:buClrTx/>
-              <a:buFontTx/>
-              <a:buNone/>
-            </a:pPr>
-            <a:r>
-              <a:rPr lang="en-US" altLang="ru-RU" sz="1800" dirty="0">
-                <a:latin typeface="Courier New" panose="02070309020205020404" pitchFamily="49" charset="0"/>
-              </a:rPr>
-              <a:t>String </a:t>
-            </a:r>
-            <a:r>
-              <a:rPr lang="en-US" altLang="ru-RU" sz="1800" b="1" dirty="0" err="1">
-                <a:latin typeface="Courier New" panose="02070309020205020404" pitchFamily="49" charset="0"/>
-              </a:rPr>
-              <a:t>toString</a:t>
-            </a:r>
-            <a:r>
-              <a:rPr lang="en-US" altLang="ru-RU" sz="1800" dirty="0">
-                <a:latin typeface="Courier New" panose="02070309020205020404" pitchFamily="49" charset="0"/>
-              </a:rPr>
-              <a:t>()</a:t>
-            </a:r>
-            <a:endParaRPr lang="ru-RU" altLang="ru-RU" sz="1800" dirty="0">
-              <a:latin typeface="Courier New" panose="02070309020205020404" pitchFamily="49" charset="0"/>
-            </a:endParaRPr>
-          </a:p>
-        </p:txBody>
-      </p:sp>
-      <p:sp>
-        <p:nvSpPr>
-          <p:cNvPr id="86021" name="Rectangle 5"/>
-          <p:cNvSpPr>
-            <a:spLocks noChangeArrowheads="1"/>
-          </p:cNvSpPr>
-          <p:nvPr/>
-        </p:nvSpPr>
-        <p:spPr bwMode="auto">
-          <a:xfrm>
-            <a:off x="2031999" y="4863703"/>
-            <a:ext cx="3733800" cy="641350"/>
-          </a:xfrm>
-          <a:prstGeom prst="rect">
-            <a:avLst/>
-          </a:prstGeom>
-          <a:noFill/>
-          <a:ln>
-            <a:noFill/>
-          </a:ln>
-          <a:effectLst/>
-          <a:extLst>
-            <a:ext uri="{909E8E84-426E-40DD-AFC4-6F175D3DCCD1}">
-              <a14:hiddenFill xmlns:a14="http://schemas.microsoft.com/office/drawing/2010/main">
-                <a:solidFill>
-                  <a:schemeClr val="accent1"/>
-                </a:solidFill>
-              </a14:hiddenFill>
-            </a:ext>
-            <a:ext uri="{91240B29-F687-4F45-9708-019B960494DF}">
-              <a14:hiddenLine xmlns:a14="http://schemas.microsoft.com/office/drawing/2010/main" w="9525">
-                <a:solidFill>
-                  <a:schemeClr val="tx1"/>
-                </a:solidFill>
-                <a:miter lim="800000"/>
-                <a:headEnd/>
-                <a:tailEnd/>
-              </a14:hiddenLine>
-            </a:ext>
-            <a:ext uri="{AF507438-7753-43E0-B8FC-AC1667EBCBE1}">
-              <a14:hiddenEffects xmlns:a14="http://schemas.microsoft.com/office/drawing/2010/main">
-                <a:effectLst>
-                  <a:outerShdw dist="35921" dir="2700000" algn="ctr" rotWithShape="0">
-                    <a:schemeClr val="bg2"/>
-                  </a:outerShdw>
-                </a:effectLst>
-              </a14:hiddenEffects>
-            </a:ext>
-          </a:extLst>
-        </p:spPr>
-        <p:txBody>
-          <a:bodyPr wrap="none" anchor="ctr">
-            <a:spAutoFit/>
-          </a:bodyPr>
-          <a:lstStyle>
-            <a:lvl1pPr eaLnBrk="0" hangingPunct="0">
-              <a:spcAft>
-                <a:spcPct val="40000"/>
-              </a:spcAft>
-              <a:buClr>
-                <a:srgbClr val="004587"/>
-              </a:buClr>
-              <a:buFont typeface="Wingdings" panose="05000000000000000000" pitchFamily="2" charset="2"/>
-              <a:buChar char="§"/>
-              <a:defRPr sz="2000">
-                <a:solidFill>
-                  <a:schemeClr val="tx1"/>
-                </a:solidFill>
-                <a:latin typeface="Arial" panose="020B0604020202020204" pitchFamily="34" charset="0"/>
-                <a:cs typeface="Arial" panose="020B0604020202020204" pitchFamily="34" charset="0"/>
-              </a:defRPr>
-            </a:lvl1pPr>
-            <a:lvl2pPr marL="742950" indent="-285750" eaLnBrk="0" hangingPunct="0">
-              <a:spcAft>
-                <a:spcPct val="40000"/>
-              </a:spcAft>
-              <a:buClr>
-                <a:srgbClr val="004587"/>
-              </a:buClr>
-              <a:buChar char="–"/>
-              <a:defRPr>
-                <a:solidFill>
-                  <a:schemeClr val="tx1"/>
-                </a:solidFill>
-                <a:latin typeface="Arial" panose="020B0604020202020204" pitchFamily="34" charset="0"/>
-                <a:cs typeface="Arial" panose="020B0604020202020204" pitchFamily="34" charset="0"/>
-              </a:defRPr>
-            </a:lvl2pPr>
-            <a:lvl3pPr marL="1143000" indent="-228600" eaLnBrk="0" hangingPunct="0">
-              <a:spcAft>
-                <a:spcPct val="40000"/>
-              </a:spcAft>
-              <a:buClr>
-                <a:srgbClr val="004587"/>
-              </a:buClr>
-              <a:buChar char="•"/>
-              <a:defRPr sz="1600">
-                <a:solidFill>
-                  <a:schemeClr val="tx1"/>
-                </a:solidFill>
-                <a:latin typeface="Arial" panose="020B0604020202020204" pitchFamily="34" charset="0"/>
-                <a:cs typeface="Arial" panose="020B0604020202020204" pitchFamily="34" charset="0"/>
-              </a:defRPr>
-            </a:lvl3pPr>
-            <a:lvl4pPr marL="1600200" indent="-228600" eaLnBrk="0" hangingPunct="0">
-              <a:spcAft>
-                <a:spcPct val="40000"/>
-              </a:spcAft>
-              <a:buChar char="–"/>
-              <a:defRPr sz="2000">
-                <a:solidFill>
-                  <a:schemeClr val="tx1"/>
-                </a:solidFill>
-                <a:latin typeface="Arial" panose="020B0604020202020204" pitchFamily="34" charset="0"/>
-                <a:cs typeface="Arial" panose="020B0604020202020204" pitchFamily="34" charset="0"/>
-              </a:defRPr>
-            </a:lvl4pPr>
-            <a:lvl5pPr marL="2057400" indent="-228600" eaLnBrk="0" hangingPunct="0">
-              <a:spcAft>
-                <a:spcPct val="40000"/>
-              </a:spcAft>
-              <a:buChar char="»"/>
-              <a:defRPr sz="2000">
-                <a:solidFill>
-                  <a:schemeClr val="tx1"/>
-                </a:solidFill>
-                <a:latin typeface="Arial" panose="020B0604020202020204" pitchFamily="34" charset="0"/>
-                <a:cs typeface="Arial" panose="020B0604020202020204" pitchFamily="34" charset="0"/>
-              </a:defRPr>
-            </a:lvl5pPr>
-            <a:lvl6pPr marL="2514600" indent="-228600" eaLnBrk="0" fontAlgn="base" hangingPunct="0">
-              <a:spcBef>
-                <a:spcPct val="0"/>
-              </a:spcBef>
-              <a:spcAft>
-                <a:spcPct val="40000"/>
-              </a:spcAft>
-              <a:buChar char="»"/>
-              <a:defRPr sz="2000">
-                <a:solidFill>
-                  <a:schemeClr val="tx1"/>
-                </a:solidFill>
-                <a:latin typeface="Arial" panose="020B0604020202020204" pitchFamily="34" charset="0"/>
-                <a:cs typeface="Arial" panose="020B0604020202020204" pitchFamily="34" charset="0"/>
-              </a:defRPr>
-            </a:lvl6pPr>
-            <a:lvl7pPr marL="2971800" indent="-228600" eaLnBrk="0" fontAlgn="base" hangingPunct="0">
-              <a:spcBef>
-                <a:spcPct val="0"/>
-              </a:spcBef>
-              <a:spcAft>
-                <a:spcPct val="40000"/>
-              </a:spcAft>
-              <a:buChar char="»"/>
-              <a:defRPr sz="2000">
-                <a:solidFill>
-                  <a:schemeClr val="tx1"/>
-                </a:solidFill>
-                <a:latin typeface="Arial" panose="020B0604020202020204" pitchFamily="34" charset="0"/>
-                <a:cs typeface="Arial" panose="020B0604020202020204" pitchFamily="34" charset="0"/>
-              </a:defRPr>
-            </a:lvl7pPr>
-            <a:lvl8pPr marL="3429000" indent="-228600" eaLnBrk="0" fontAlgn="base" hangingPunct="0">
-              <a:spcBef>
-                <a:spcPct val="0"/>
-              </a:spcBef>
-              <a:spcAft>
-                <a:spcPct val="40000"/>
-              </a:spcAft>
-              <a:buChar char="»"/>
-              <a:defRPr sz="2000">
-                <a:solidFill>
-                  <a:schemeClr val="tx1"/>
-                </a:solidFill>
-                <a:latin typeface="Arial" panose="020B0604020202020204" pitchFamily="34" charset="0"/>
-                <a:cs typeface="Arial" panose="020B0604020202020204" pitchFamily="34" charset="0"/>
-              </a:defRPr>
-            </a:lvl8pPr>
-            <a:lvl9pPr marL="3886200" indent="-228600" eaLnBrk="0" fontAlgn="base" hangingPunct="0">
-              <a:spcBef>
-                <a:spcPct val="0"/>
-              </a:spcBef>
-              <a:spcAft>
-                <a:spcPct val="40000"/>
-              </a:spcAft>
-              <a:buChar char="»"/>
-              <a:defRPr sz="2000">
-                <a:solidFill>
-                  <a:schemeClr val="tx1"/>
-                </a:solidFill>
-                <a:latin typeface="Arial" panose="020B0604020202020204" pitchFamily="34" charset="0"/>
-                <a:cs typeface="Arial" panose="020B0604020202020204" pitchFamily="34" charset="0"/>
-              </a:defRPr>
-            </a:lvl9pPr>
-          </a:lstStyle>
-          <a:p>
-            <a:pPr>
-              <a:spcAft>
-                <a:spcPct val="0"/>
-              </a:spcAft>
-              <a:buClrTx/>
-              <a:buFontTx/>
-              <a:buNone/>
-            </a:pPr>
-            <a:r>
-              <a:rPr lang="ru-RU" altLang="ru-RU" sz="1800" dirty="0" err="1">
-                <a:latin typeface="Courier New" panose="02070309020205020404" pitchFamily="49" charset="0"/>
-              </a:rPr>
-              <a:t>boolean</a:t>
-            </a:r>
-            <a:r>
-              <a:rPr lang="ru-RU" altLang="ru-RU" sz="1800" dirty="0">
-                <a:latin typeface="Courier New" panose="02070309020205020404" pitchFamily="49" charset="0"/>
-              </a:rPr>
-              <a:t> </a:t>
-            </a:r>
-            <a:r>
-              <a:rPr lang="ru-RU" altLang="ru-RU" sz="1800" b="1" dirty="0" err="1">
-                <a:latin typeface="Courier New" panose="02070309020205020404" pitchFamily="49" charset="0"/>
-              </a:rPr>
-              <a:t>equals</a:t>
-            </a:r>
-            <a:r>
-              <a:rPr lang="ru-RU" altLang="ru-RU" sz="1800" dirty="0">
-                <a:latin typeface="Courier New" panose="02070309020205020404" pitchFamily="49" charset="0"/>
-              </a:rPr>
-              <a:t>(Object </a:t>
-            </a:r>
-            <a:r>
-              <a:rPr lang="ru-RU" altLang="ru-RU" sz="1800" dirty="0" err="1">
-                <a:latin typeface="Courier New" panose="02070309020205020404" pitchFamily="49" charset="0"/>
-              </a:rPr>
-              <a:t>obj</a:t>
-            </a:r>
-            <a:r>
-              <a:rPr lang="ru-RU" altLang="ru-RU" sz="1800" dirty="0">
-                <a:latin typeface="Courier New" panose="02070309020205020404" pitchFamily="49" charset="0"/>
-              </a:rPr>
-              <a:t>)</a:t>
-            </a:r>
-          </a:p>
-          <a:p>
-            <a:pPr>
-              <a:spcAft>
-                <a:spcPct val="0"/>
-              </a:spcAft>
-              <a:buClrTx/>
-              <a:buFontTx/>
-              <a:buNone/>
-            </a:pPr>
-            <a:r>
-              <a:rPr lang="ru-RU" altLang="ru-RU" sz="1800" dirty="0" err="1">
-                <a:latin typeface="Courier New" panose="02070309020205020404" pitchFamily="49" charset="0"/>
-              </a:rPr>
-              <a:t>int</a:t>
-            </a:r>
-            <a:r>
-              <a:rPr lang="ru-RU" altLang="ru-RU" sz="1800" dirty="0">
-                <a:latin typeface="Courier New" panose="02070309020205020404" pitchFamily="49" charset="0"/>
-              </a:rPr>
-              <a:t> </a:t>
-            </a:r>
-            <a:r>
-              <a:rPr lang="ru-RU" altLang="ru-RU" sz="1800" b="1" dirty="0" err="1">
-                <a:latin typeface="Courier New" panose="02070309020205020404" pitchFamily="49" charset="0"/>
-              </a:rPr>
-              <a:t>compareTo</a:t>
-            </a:r>
-            <a:r>
-              <a:rPr lang="ru-RU" altLang="ru-RU" sz="1800" dirty="0">
-                <a:latin typeface="Courier New" panose="02070309020205020404" pitchFamily="49" charset="0"/>
-              </a:rPr>
-              <a:t>(...)</a:t>
-            </a:r>
-            <a:endParaRPr lang="en-US" altLang="ru-RU" sz="1800" dirty="0">
-              <a:latin typeface="Courier New" panose="02070309020205020404" pitchFamily="49" charset="0"/>
-            </a:endParaRPr>
-          </a:p>
-        </p:txBody>
-      </p:sp>
-      <p:graphicFrame>
-        <p:nvGraphicFramePr>
-          <p:cNvPr id="86022" name="Object 9"/>
-          <p:cNvGraphicFramePr>
-            <a:graphicFrameLocks noChangeAspect="1"/>
-          </p:cNvGraphicFramePr>
-          <p:nvPr>
-            <p:extLst>
-              <p:ext uri="{D42A27DB-BD31-4B8C-83A1-F6EECF244321}">
-                <p14:modId xmlns:p14="http://schemas.microsoft.com/office/powerpoint/2010/main" val="3378751560"/>
-              </p:ext>
-            </p:extLst>
-          </p:nvPr>
-        </p:nvGraphicFramePr>
-        <p:xfrm>
-          <a:off x="6348414" y="1646238"/>
-          <a:ext cx="4175125" cy="1581150"/>
-        </p:xfrm>
-        <a:graphic>
-          <a:graphicData uri="http://schemas.openxmlformats.org/presentationml/2006/ole">
-            <mc:AlternateContent xmlns:mc="http://schemas.openxmlformats.org/markup-compatibility/2006">
-              <mc:Choice xmlns:v="urn:schemas-microsoft-com:vml" Requires="v">
-                <p:oleObj spid="_x0000_s2070" name="Visio" r:id="rId3" imgW="3046651" imgH="1153410" progId="Visio.Drawing.11">
-                  <p:embed/>
-                </p:oleObj>
-              </mc:Choice>
-              <mc:Fallback>
-                <p:oleObj name="Visio" r:id="rId3" imgW="3046651" imgH="1153410" progId="Visio.Drawing.11">
-                  <p:embed/>
-                  <p:pic>
-                    <p:nvPicPr>
-                      <p:cNvPr id="86022" name="Object 9"/>
-                      <p:cNvPicPr>
-                        <a:picLocks noChangeAspect="1" noChangeArrowheads="1"/>
-                      </p:cNvPicPr>
-                      <p:nvPr/>
-                    </p:nvPicPr>
-                    <p:blipFill>
-                      <a:blip r:embed="rId4">
-                        <a:extLst>
-                          <a:ext uri="{28A0092B-C50C-407E-A947-70E740481C1C}">
-                            <a14:useLocalDpi xmlns:a14="http://schemas.microsoft.com/office/drawing/2010/main" val="0"/>
-                          </a:ext>
-                        </a:extLst>
-                      </a:blip>
-                      <a:srcRect/>
-                      <a:stretch>
-                        <a:fillRect/>
-                      </a:stretch>
-                    </p:blipFill>
-                    <p:spPr bwMode="auto">
-                      <a:xfrm>
-                        <a:off x="6348414" y="1646238"/>
-                        <a:ext cx="4175125" cy="1581150"/>
-                      </a:xfrm>
-                      <a:prstGeom prst="rect">
-                        <a:avLst/>
-                      </a:prstGeom>
-                      <a:noFill/>
-                      <a:ln>
-                        <a:noFill/>
-                      </a:ln>
-                      <a:effectLst/>
-                      <a:extLst>
-                        <a:ext uri="{909E8E84-426E-40DD-AFC4-6F175D3DCCD1}">
-                          <a14:hiddenFill xmlns:a14="http://schemas.microsoft.com/office/drawing/2010/main">
-                            <a:solidFill>
-                              <a:schemeClr val="accent1"/>
-                            </a:solidFill>
-                          </a14:hiddenFill>
-                        </a:ext>
-                        <a:ext uri="{91240B29-F687-4F45-9708-019B960494DF}">
-                          <a14:hiddenLine xmlns:a14="http://schemas.microsoft.com/office/drawing/2010/main" w="9525">
-                            <a:solidFill>
-                              <a:schemeClr val="tx1"/>
-                            </a:solidFill>
-                            <a:miter lim="800000"/>
-                            <a:headEnd/>
-                            <a:tailEnd/>
-                          </a14:hiddenLine>
-                        </a:ext>
-                        <a:ext uri="{AF507438-7753-43E0-B8FC-AC1667EBCBE1}">
-                          <a14:hiddenEffects xmlns:a14="http://schemas.microsoft.com/office/drawing/2010/main">
-                            <a:effectLst>
-                              <a:outerShdw dist="35921" dir="2700000" algn="ctr" rotWithShape="0">
-                                <a:schemeClr val="bg2"/>
-                              </a:outerShdw>
-                            </a:effectLst>
-                          </a14:hiddenEffects>
-                        </a:ext>
-                      </a:extLst>
-                    </p:spPr>
-                  </p:pic>
-                </p:oleObj>
-              </mc:Fallback>
-            </mc:AlternateContent>
-          </a:graphicData>
-        </a:graphic>
-      </p:graphicFrame>
-      <p:graphicFrame>
-        <p:nvGraphicFramePr>
-          <p:cNvPr id="86023" name="Object 10"/>
-          <p:cNvGraphicFramePr>
-            <a:graphicFrameLocks noChangeAspect="1"/>
-          </p:cNvGraphicFramePr>
-          <p:nvPr/>
-        </p:nvGraphicFramePr>
-        <p:xfrm>
-          <a:off x="6348414" y="3478214"/>
-          <a:ext cx="3811587" cy="2352675"/>
-        </p:xfrm>
-        <a:graphic>
-          <a:graphicData uri="http://schemas.openxmlformats.org/presentationml/2006/ole">
-            <mc:AlternateContent xmlns:mc="http://schemas.openxmlformats.org/markup-compatibility/2006">
-              <mc:Choice xmlns:v="urn:schemas-microsoft-com:vml" Requires="v">
-                <p:oleObj spid="_x0000_s2071" name="Visio" r:id="rId5" imgW="2772331" imgH="1710798" progId="Visio.Drawing.11">
-                  <p:embed/>
-                </p:oleObj>
-              </mc:Choice>
-              <mc:Fallback>
-                <p:oleObj name="Visio" r:id="rId5" imgW="2772331" imgH="1710798" progId="Visio.Drawing.11">
-                  <p:embed/>
-                  <p:pic>
-                    <p:nvPicPr>
-                      <p:cNvPr id="86023" name="Object 10"/>
-                      <p:cNvPicPr>
-                        <a:picLocks noChangeAspect="1" noChangeArrowheads="1"/>
-                      </p:cNvPicPr>
-                      <p:nvPr/>
-                    </p:nvPicPr>
-                    <p:blipFill>
-                      <a:blip r:embed="rId6">
-                        <a:extLst>
-                          <a:ext uri="{28A0092B-C50C-407E-A947-70E740481C1C}">
-                            <a14:useLocalDpi xmlns:a14="http://schemas.microsoft.com/office/drawing/2010/main" val="0"/>
-                          </a:ext>
-                        </a:extLst>
-                      </a:blip>
-                      <a:srcRect/>
-                      <a:stretch>
-                        <a:fillRect/>
-                      </a:stretch>
-                    </p:blipFill>
-                    <p:spPr bwMode="auto">
-                      <a:xfrm>
-                        <a:off x="6348414" y="3478214"/>
-                        <a:ext cx="3811587" cy="2352675"/>
-                      </a:xfrm>
-                      <a:prstGeom prst="rect">
-                        <a:avLst/>
-                      </a:prstGeom>
-                      <a:noFill/>
-                      <a:ln>
-                        <a:noFill/>
-                      </a:ln>
-                      <a:effectLst/>
-                      <a:extLst>
-                        <a:ext uri="{909E8E84-426E-40DD-AFC4-6F175D3DCCD1}">
-                          <a14:hiddenFill xmlns:a14="http://schemas.microsoft.com/office/drawing/2010/main">
-                            <a:solidFill>
-                              <a:schemeClr val="accent1"/>
-                            </a:solidFill>
-                          </a14:hiddenFill>
-                        </a:ext>
-                        <a:ext uri="{91240B29-F687-4F45-9708-019B960494DF}">
-                          <a14:hiddenLine xmlns:a14="http://schemas.microsoft.com/office/drawing/2010/main" w="9525">
-                            <a:solidFill>
-                              <a:schemeClr val="tx1"/>
-                            </a:solidFill>
-                            <a:miter lim="800000"/>
-                            <a:headEnd/>
-                            <a:tailEnd/>
-                          </a14:hiddenLine>
-                        </a:ext>
-                        <a:ext uri="{AF507438-7753-43E0-B8FC-AC1667EBCBE1}">
-                          <a14:hiddenEffects xmlns:a14="http://schemas.microsoft.com/office/drawing/2010/main">
-                            <a:effectLst>
-                              <a:outerShdw dist="35921" dir="2700000" algn="ctr" rotWithShape="0">
-                                <a:schemeClr val="bg2"/>
-                              </a:outerShdw>
-                            </a:effectLst>
-                          </a14:hiddenEffects>
-                        </a:ext>
-                      </a:extLst>
-                    </p:spPr>
-                  </p:pic>
-                </p:oleObj>
-              </mc:Fallback>
-            </mc:AlternateContent>
-          </a:graphicData>
-        </a:graphic>
-      </p:graphicFrame>
-      <p:sp>
-        <p:nvSpPr>
-          <p:cNvPr id="86024" name="Line 11"/>
-          <p:cNvSpPr>
-            <a:spLocks noChangeShapeType="1"/>
-          </p:cNvSpPr>
-          <p:nvPr/>
-        </p:nvSpPr>
-        <p:spPr bwMode="auto">
-          <a:xfrm>
-            <a:off x="6069013" y="1646238"/>
-            <a:ext cx="0" cy="4343400"/>
-          </a:xfrm>
-          <a:prstGeom prst="line">
-            <a:avLst/>
-          </a:prstGeom>
-          <a:noFill/>
-          <a:ln w="9525">
-            <a:solidFill>
-              <a:schemeClr val="tx1"/>
-            </a:solidFill>
-            <a:round/>
-            <a:headEnd/>
-            <a:tailEnd/>
-          </a:ln>
-          <a:effectLst/>
-          <a:extLst>
-            <a:ext uri="{909E8E84-426E-40DD-AFC4-6F175D3DCCD1}">
-              <a14:hiddenFill xmlns:a14="http://schemas.microsoft.com/office/drawing/2010/main">
-                <a:noFill/>
-              </a14:hiddenFill>
-            </a:ext>
-            <a:ext uri="{AF507438-7753-43E0-B8FC-AC1667EBCBE1}">
-              <a14:hiddenEffects xmlns:a14="http://schemas.microsoft.com/office/drawing/2010/main">
-                <a:effectLst>
-                  <a:outerShdw dist="35921" dir="2700000" algn="ctr" rotWithShape="0">
-                    <a:schemeClr val="bg2"/>
-                  </a:outerShdw>
-                </a:effectLst>
-              </a14:hiddenEffects>
-            </a:ext>
-          </a:extLst>
-        </p:spPr>
-        <p:txBody>
-          <a:bodyPr/>
-          <a:lstStyle/>
-          <a:p>
-            <a:endParaRPr lang="ru-RU"/>
-          </a:p>
-        </p:txBody>
-      </p:sp>
-    </p:spTree>
-    <p:extLst>
-      <p:ext uri="{BB962C8B-B14F-4D97-AF65-F5344CB8AC3E}">
-        <p14:creationId xmlns:p14="http://schemas.microsoft.com/office/powerpoint/2010/main" val="2016404590"/>
-      </p:ext>
-    </p:extLst>
-  </p:cSld>
-  <p:clrMapOvr>
-    <a:masterClrMapping/>
-  </p:clrMapOvr>
-</p:sld>
-</file>
-
-<file path=ppt/slides/slide17.xml><?xml version="1.0" encoding="utf-8"?>
 <p:sld xmlns:a="http://schemas.openxmlformats.org/drawingml/2006/main" xmlns:r="http://schemas.openxmlformats.org/officeDocument/2006/relationships" xmlns:p="http://schemas.openxmlformats.org/presentationml/2006/main">
   <p:cSld>
     <p:spTree>
@@ -10673,1138 +9892,6 @@
           </a:p>
         </p:txBody>
       </p:sp>
-      <p:sp>
-        <p:nvSpPr>
-          <p:cNvPr id="87044" name="Rectangle 6"/>
-          <p:cNvSpPr>
-            <a:spLocks noChangeArrowheads="1"/>
-          </p:cNvSpPr>
-          <p:nvPr/>
-        </p:nvSpPr>
-        <p:spPr bwMode="auto">
-          <a:xfrm>
-            <a:off x="6951664" y="1473200"/>
-            <a:ext cx="2384425" cy="738188"/>
-          </a:xfrm>
-          <a:prstGeom prst="rect">
-            <a:avLst/>
-          </a:prstGeom>
-          <a:noFill/>
-          <a:ln>
-            <a:noFill/>
-          </a:ln>
-          <a:effectLst/>
-          <a:extLst>
-            <a:ext uri="{909E8E84-426E-40DD-AFC4-6F175D3DCCD1}">
-              <a14:hiddenFill xmlns:a14="http://schemas.microsoft.com/office/drawing/2010/main">
-                <a:solidFill>
-                  <a:schemeClr val="accent1"/>
-                </a:solidFill>
-              </a14:hiddenFill>
-            </a:ext>
-            <a:ext uri="{91240B29-F687-4F45-9708-019B960494DF}">
-              <a14:hiddenLine xmlns:a14="http://schemas.microsoft.com/office/drawing/2010/main" w="9525">
-                <a:solidFill>
-                  <a:schemeClr val="tx1"/>
-                </a:solidFill>
-                <a:miter lim="800000"/>
-                <a:headEnd/>
-                <a:tailEnd/>
-              </a14:hiddenLine>
-            </a:ext>
-            <a:ext uri="{AF507438-7753-43E0-B8FC-AC1667EBCBE1}">
-              <a14:hiddenEffects xmlns:a14="http://schemas.microsoft.com/office/drawing/2010/main">
-                <a:effectLst>
-                  <a:outerShdw dist="35921" dir="2700000" algn="ctr" rotWithShape="0">
-                    <a:schemeClr val="bg2"/>
-                  </a:outerShdw>
-                </a:effectLst>
-              </a14:hiddenEffects>
-            </a:ext>
-          </a:extLst>
-        </p:spPr>
-        <p:txBody>
-          <a:bodyPr>
-            <a:spAutoFit/>
-          </a:bodyPr>
-          <a:lstStyle>
-            <a:lvl1pPr eaLnBrk="0" hangingPunct="0">
-              <a:spcAft>
-                <a:spcPct val="40000"/>
-              </a:spcAft>
-              <a:buClr>
-                <a:srgbClr val="004587"/>
-              </a:buClr>
-              <a:buFont typeface="Wingdings" panose="05000000000000000000" pitchFamily="2" charset="2"/>
-              <a:buChar char="§"/>
-              <a:defRPr sz="2000">
-                <a:solidFill>
-                  <a:schemeClr val="tx1"/>
-                </a:solidFill>
-                <a:latin typeface="Arial" panose="020B0604020202020204" pitchFamily="34" charset="0"/>
-                <a:cs typeface="Arial" panose="020B0604020202020204" pitchFamily="34" charset="0"/>
-              </a:defRPr>
-            </a:lvl1pPr>
-            <a:lvl2pPr marL="742950" indent="-285750" eaLnBrk="0" hangingPunct="0">
-              <a:spcAft>
-                <a:spcPct val="40000"/>
-              </a:spcAft>
-              <a:buClr>
-                <a:srgbClr val="004587"/>
-              </a:buClr>
-              <a:buChar char="–"/>
-              <a:defRPr>
-                <a:solidFill>
-                  <a:schemeClr val="tx1"/>
-                </a:solidFill>
-                <a:latin typeface="Arial" panose="020B0604020202020204" pitchFamily="34" charset="0"/>
-                <a:cs typeface="Arial" panose="020B0604020202020204" pitchFamily="34" charset="0"/>
-              </a:defRPr>
-            </a:lvl2pPr>
-            <a:lvl3pPr marL="1143000" indent="-228600" eaLnBrk="0" hangingPunct="0">
-              <a:spcAft>
-                <a:spcPct val="40000"/>
-              </a:spcAft>
-              <a:buClr>
-                <a:srgbClr val="004587"/>
-              </a:buClr>
-              <a:buChar char="•"/>
-              <a:defRPr sz="1600">
-                <a:solidFill>
-                  <a:schemeClr val="tx1"/>
-                </a:solidFill>
-                <a:latin typeface="Arial" panose="020B0604020202020204" pitchFamily="34" charset="0"/>
-                <a:cs typeface="Arial" panose="020B0604020202020204" pitchFamily="34" charset="0"/>
-              </a:defRPr>
-            </a:lvl3pPr>
-            <a:lvl4pPr marL="1600200" indent="-228600" eaLnBrk="0" hangingPunct="0">
-              <a:spcAft>
-                <a:spcPct val="40000"/>
-              </a:spcAft>
-              <a:buChar char="–"/>
-              <a:defRPr sz="2000">
-                <a:solidFill>
-                  <a:schemeClr val="tx1"/>
-                </a:solidFill>
-                <a:latin typeface="Arial" panose="020B0604020202020204" pitchFamily="34" charset="0"/>
-                <a:cs typeface="Arial" panose="020B0604020202020204" pitchFamily="34" charset="0"/>
-              </a:defRPr>
-            </a:lvl4pPr>
-            <a:lvl5pPr marL="2057400" indent="-228600" eaLnBrk="0" hangingPunct="0">
-              <a:spcAft>
-                <a:spcPct val="40000"/>
-              </a:spcAft>
-              <a:buChar char="»"/>
-              <a:defRPr sz="2000">
-                <a:solidFill>
-                  <a:schemeClr val="tx1"/>
-                </a:solidFill>
-                <a:latin typeface="Arial" panose="020B0604020202020204" pitchFamily="34" charset="0"/>
-                <a:cs typeface="Arial" panose="020B0604020202020204" pitchFamily="34" charset="0"/>
-              </a:defRPr>
-            </a:lvl5pPr>
-            <a:lvl6pPr marL="2514600" indent="-228600" eaLnBrk="0" fontAlgn="base" hangingPunct="0">
-              <a:spcBef>
-                <a:spcPct val="0"/>
-              </a:spcBef>
-              <a:spcAft>
-                <a:spcPct val="40000"/>
-              </a:spcAft>
-              <a:buChar char="»"/>
-              <a:defRPr sz="2000">
-                <a:solidFill>
-                  <a:schemeClr val="tx1"/>
-                </a:solidFill>
-                <a:latin typeface="Arial" panose="020B0604020202020204" pitchFamily="34" charset="0"/>
-                <a:cs typeface="Arial" panose="020B0604020202020204" pitchFamily="34" charset="0"/>
-              </a:defRPr>
-            </a:lvl6pPr>
-            <a:lvl7pPr marL="2971800" indent="-228600" eaLnBrk="0" fontAlgn="base" hangingPunct="0">
-              <a:spcBef>
-                <a:spcPct val="0"/>
-              </a:spcBef>
-              <a:spcAft>
-                <a:spcPct val="40000"/>
-              </a:spcAft>
-              <a:buChar char="»"/>
-              <a:defRPr sz="2000">
-                <a:solidFill>
-                  <a:schemeClr val="tx1"/>
-                </a:solidFill>
-                <a:latin typeface="Arial" panose="020B0604020202020204" pitchFamily="34" charset="0"/>
-                <a:cs typeface="Arial" panose="020B0604020202020204" pitchFamily="34" charset="0"/>
-              </a:defRPr>
-            </a:lvl7pPr>
-            <a:lvl8pPr marL="3429000" indent="-228600" eaLnBrk="0" fontAlgn="base" hangingPunct="0">
-              <a:spcBef>
-                <a:spcPct val="0"/>
-              </a:spcBef>
-              <a:spcAft>
-                <a:spcPct val="40000"/>
-              </a:spcAft>
-              <a:buChar char="»"/>
-              <a:defRPr sz="2000">
-                <a:solidFill>
-                  <a:schemeClr val="tx1"/>
-                </a:solidFill>
-                <a:latin typeface="Arial" panose="020B0604020202020204" pitchFamily="34" charset="0"/>
-                <a:cs typeface="Arial" panose="020B0604020202020204" pitchFamily="34" charset="0"/>
-              </a:defRPr>
-            </a:lvl8pPr>
-            <a:lvl9pPr marL="3886200" indent="-228600" eaLnBrk="0" fontAlgn="base" hangingPunct="0">
-              <a:spcBef>
-                <a:spcPct val="0"/>
-              </a:spcBef>
-              <a:spcAft>
-                <a:spcPct val="40000"/>
-              </a:spcAft>
-              <a:buChar char="»"/>
-              <a:defRPr sz="2000">
-                <a:solidFill>
-                  <a:schemeClr val="tx1"/>
-                </a:solidFill>
-                <a:latin typeface="Arial" panose="020B0604020202020204" pitchFamily="34" charset="0"/>
-                <a:cs typeface="Arial" panose="020B0604020202020204" pitchFamily="34" charset="0"/>
-              </a:defRPr>
-            </a:lvl9pPr>
-          </a:lstStyle>
-          <a:p>
-            <a:pPr eaLnBrk="1" hangingPunct="1">
-              <a:spcAft>
-                <a:spcPct val="0"/>
-              </a:spcAft>
-              <a:buClrTx/>
-              <a:buFontTx/>
-              <a:buNone/>
-            </a:pPr>
-            <a:r>
-              <a:rPr lang="en-US" altLang="ru-RU" sz="1400" dirty="0">
-                <a:latin typeface="Courier New" panose="02070309020205020404" pitchFamily="49" charset="0"/>
-              </a:rPr>
-              <a:t>static int </a:t>
-            </a:r>
-            <a:r>
-              <a:rPr lang="en-US" altLang="ru-RU" sz="1400" b="1" dirty="0">
-                <a:latin typeface="Courier New" panose="02070309020205020404" pitchFamily="49" charset="0"/>
-              </a:rPr>
-              <a:t>MIN_VALUE</a:t>
-            </a:r>
-          </a:p>
-          <a:p>
-            <a:pPr eaLnBrk="1" hangingPunct="1">
-              <a:spcAft>
-                <a:spcPct val="0"/>
-              </a:spcAft>
-              <a:buClrTx/>
-              <a:buFontTx/>
-              <a:buNone/>
-            </a:pPr>
-            <a:r>
-              <a:rPr lang="en-US" altLang="ru-RU" sz="1400" dirty="0">
-                <a:latin typeface="Courier New" panose="02070309020205020404" pitchFamily="49" charset="0"/>
-              </a:rPr>
-              <a:t>static int </a:t>
-            </a:r>
-            <a:r>
-              <a:rPr lang="en-US" altLang="ru-RU" sz="1400" b="1" dirty="0">
-                <a:latin typeface="Courier New" panose="02070309020205020404" pitchFamily="49" charset="0"/>
-              </a:rPr>
-              <a:t>MAX_VALUE</a:t>
-            </a:r>
-          </a:p>
-          <a:p>
-            <a:pPr eaLnBrk="1" hangingPunct="1">
-              <a:spcAft>
-                <a:spcPct val="0"/>
-              </a:spcAft>
-              <a:buClrTx/>
-              <a:buFontTx/>
-              <a:buNone/>
-            </a:pPr>
-            <a:r>
-              <a:rPr lang="en-US" altLang="ru-RU" sz="1400" dirty="0">
-                <a:latin typeface="Courier New" panose="02070309020205020404" pitchFamily="49" charset="0"/>
-              </a:rPr>
-              <a:t>static int </a:t>
-            </a:r>
-            <a:r>
-              <a:rPr lang="en-US" altLang="ru-RU" sz="1400" b="1" dirty="0">
-                <a:latin typeface="Courier New" panose="02070309020205020404" pitchFamily="49" charset="0"/>
-              </a:rPr>
-              <a:t>SIZE</a:t>
-            </a:r>
-          </a:p>
-        </p:txBody>
-      </p:sp>
-      <p:sp>
-        <p:nvSpPr>
-          <p:cNvPr id="87045" name="Rectangle 7"/>
-          <p:cNvSpPr>
-            <a:spLocks noChangeArrowheads="1"/>
-          </p:cNvSpPr>
-          <p:nvPr/>
-        </p:nvSpPr>
-        <p:spPr bwMode="auto">
-          <a:xfrm>
-            <a:off x="2025650" y="1430338"/>
-            <a:ext cx="4902200" cy="2032000"/>
-          </a:xfrm>
-          <a:prstGeom prst="rect">
-            <a:avLst/>
-          </a:prstGeom>
-          <a:noFill/>
-          <a:ln>
-            <a:noFill/>
-          </a:ln>
-          <a:effectLst/>
-          <a:extLst>
-            <a:ext uri="{909E8E84-426E-40DD-AFC4-6F175D3DCCD1}">
-              <a14:hiddenFill xmlns:a14="http://schemas.microsoft.com/office/drawing/2010/main">
-                <a:solidFill>
-                  <a:schemeClr val="accent1"/>
-                </a:solidFill>
-              </a14:hiddenFill>
-            </a:ext>
-            <a:ext uri="{91240B29-F687-4F45-9708-019B960494DF}">
-              <a14:hiddenLine xmlns:a14="http://schemas.microsoft.com/office/drawing/2010/main" w="9525">
-                <a:solidFill>
-                  <a:schemeClr val="tx1"/>
-                </a:solidFill>
-                <a:miter lim="800000"/>
-                <a:headEnd/>
-                <a:tailEnd/>
-              </a14:hiddenLine>
-            </a:ext>
-            <a:ext uri="{AF507438-7753-43E0-B8FC-AC1667EBCBE1}">
-              <a14:hiddenEffects xmlns:a14="http://schemas.microsoft.com/office/drawing/2010/main">
-                <a:effectLst>
-                  <a:outerShdw dist="35921" dir="2700000" algn="ctr" rotWithShape="0">
-                    <a:schemeClr val="bg2"/>
-                  </a:outerShdw>
-                </a:effectLst>
-              </a14:hiddenEffects>
-            </a:ext>
-          </a:extLst>
-        </p:spPr>
-        <p:txBody>
-          <a:bodyPr>
-            <a:spAutoFit/>
-          </a:bodyPr>
-          <a:lstStyle>
-            <a:lvl1pPr eaLnBrk="0" hangingPunct="0">
-              <a:spcAft>
-                <a:spcPct val="40000"/>
-              </a:spcAft>
-              <a:buClr>
-                <a:srgbClr val="004587"/>
-              </a:buClr>
-              <a:buFont typeface="Wingdings" panose="05000000000000000000" pitchFamily="2" charset="2"/>
-              <a:buChar char="§"/>
-              <a:defRPr sz="2000">
-                <a:solidFill>
-                  <a:schemeClr val="tx1"/>
-                </a:solidFill>
-                <a:latin typeface="Arial" panose="020B0604020202020204" pitchFamily="34" charset="0"/>
-                <a:cs typeface="Arial" panose="020B0604020202020204" pitchFamily="34" charset="0"/>
-              </a:defRPr>
-            </a:lvl1pPr>
-            <a:lvl2pPr marL="742950" indent="-285750" eaLnBrk="0" hangingPunct="0">
-              <a:spcAft>
-                <a:spcPct val="40000"/>
-              </a:spcAft>
-              <a:buClr>
-                <a:srgbClr val="004587"/>
-              </a:buClr>
-              <a:buChar char="–"/>
-              <a:defRPr>
-                <a:solidFill>
-                  <a:schemeClr val="tx1"/>
-                </a:solidFill>
-                <a:latin typeface="Arial" panose="020B0604020202020204" pitchFamily="34" charset="0"/>
-                <a:cs typeface="Arial" panose="020B0604020202020204" pitchFamily="34" charset="0"/>
-              </a:defRPr>
-            </a:lvl2pPr>
-            <a:lvl3pPr marL="1143000" indent="-228600" eaLnBrk="0" hangingPunct="0">
-              <a:spcAft>
-                <a:spcPct val="40000"/>
-              </a:spcAft>
-              <a:buClr>
-                <a:srgbClr val="004587"/>
-              </a:buClr>
-              <a:buChar char="•"/>
-              <a:defRPr sz="1600">
-                <a:solidFill>
-                  <a:schemeClr val="tx1"/>
-                </a:solidFill>
-                <a:latin typeface="Arial" panose="020B0604020202020204" pitchFamily="34" charset="0"/>
-                <a:cs typeface="Arial" panose="020B0604020202020204" pitchFamily="34" charset="0"/>
-              </a:defRPr>
-            </a:lvl3pPr>
-            <a:lvl4pPr marL="1600200" indent="-228600" eaLnBrk="0" hangingPunct="0">
-              <a:spcAft>
-                <a:spcPct val="40000"/>
-              </a:spcAft>
-              <a:buChar char="–"/>
-              <a:defRPr sz="2000">
-                <a:solidFill>
-                  <a:schemeClr val="tx1"/>
-                </a:solidFill>
-                <a:latin typeface="Arial" panose="020B0604020202020204" pitchFamily="34" charset="0"/>
-                <a:cs typeface="Arial" panose="020B0604020202020204" pitchFamily="34" charset="0"/>
-              </a:defRPr>
-            </a:lvl4pPr>
-            <a:lvl5pPr marL="2057400" indent="-228600" eaLnBrk="0" hangingPunct="0">
-              <a:spcAft>
-                <a:spcPct val="40000"/>
-              </a:spcAft>
-              <a:buChar char="»"/>
-              <a:defRPr sz="2000">
-                <a:solidFill>
-                  <a:schemeClr val="tx1"/>
-                </a:solidFill>
-                <a:latin typeface="Arial" panose="020B0604020202020204" pitchFamily="34" charset="0"/>
-                <a:cs typeface="Arial" panose="020B0604020202020204" pitchFamily="34" charset="0"/>
-              </a:defRPr>
-            </a:lvl5pPr>
-            <a:lvl6pPr marL="2514600" indent="-228600" eaLnBrk="0" fontAlgn="base" hangingPunct="0">
-              <a:spcBef>
-                <a:spcPct val="0"/>
-              </a:spcBef>
-              <a:spcAft>
-                <a:spcPct val="40000"/>
-              </a:spcAft>
-              <a:buChar char="»"/>
-              <a:defRPr sz="2000">
-                <a:solidFill>
-                  <a:schemeClr val="tx1"/>
-                </a:solidFill>
-                <a:latin typeface="Arial" panose="020B0604020202020204" pitchFamily="34" charset="0"/>
-                <a:cs typeface="Arial" panose="020B0604020202020204" pitchFamily="34" charset="0"/>
-              </a:defRPr>
-            </a:lvl6pPr>
-            <a:lvl7pPr marL="2971800" indent="-228600" eaLnBrk="0" fontAlgn="base" hangingPunct="0">
-              <a:spcBef>
-                <a:spcPct val="0"/>
-              </a:spcBef>
-              <a:spcAft>
-                <a:spcPct val="40000"/>
-              </a:spcAft>
-              <a:buChar char="»"/>
-              <a:defRPr sz="2000">
-                <a:solidFill>
-                  <a:schemeClr val="tx1"/>
-                </a:solidFill>
-                <a:latin typeface="Arial" panose="020B0604020202020204" pitchFamily="34" charset="0"/>
-                <a:cs typeface="Arial" panose="020B0604020202020204" pitchFamily="34" charset="0"/>
-              </a:defRPr>
-            </a:lvl7pPr>
-            <a:lvl8pPr marL="3429000" indent="-228600" eaLnBrk="0" fontAlgn="base" hangingPunct="0">
-              <a:spcBef>
-                <a:spcPct val="0"/>
-              </a:spcBef>
-              <a:spcAft>
-                <a:spcPct val="40000"/>
-              </a:spcAft>
-              <a:buChar char="»"/>
-              <a:defRPr sz="2000">
-                <a:solidFill>
-                  <a:schemeClr val="tx1"/>
-                </a:solidFill>
-                <a:latin typeface="Arial" panose="020B0604020202020204" pitchFamily="34" charset="0"/>
-                <a:cs typeface="Arial" panose="020B0604020202020204" pitchFamily="34" charset="0"/>
-              </a:defRPr>
-            </a:lvl8pPr>
-            <a:lvl9pPr marL="3886200" indent="-228600" eaLnBrk="0" fontAlgn="base" hangingPunct="0">
-              <a:spcBef>
-                <a:spcPct val="0"/>
-              </a:spcBef>
-              <a:spcAft>
-                <a:spcPct val="40000"/>
-              </a:spcAft>
-              <a:buChar char="»"/>
-              <a:defRPr sz="2000">
-                <a:solidFill>
-                  <a:schemeClr val="tx1"/>
-                </a:solidFill>
-                <a:latin typeface="Arial" panose="020B0604020202020204" pitchFamily="34" charset="0"/>
-                <a:cs typeface="Arial" panose="020B0604020202020204" pitchFamily="34" charset="0"/>
-              </a:defRPr>
-            </a:lvl9pPr>
-          </a:lstStyle>
-          <a:p>
-            <a:pPr eaLnBrk="1" hangingPunct="1">
-              <a:spcAft>
-                <a:spcPct val="0"/>
-              </a:spcAft>
-              <a:buClrTx/>
-              <a:buFontTx/>
-              <a:buNone/>
-            </a:pPr>
-            <a:r>
-              <a:rPr lang="en-US" altLang="ru-RU" sz="1400" dirty="0">
-                <a:latin typeface="Courier New" panose="02070309020205020404" pitchFamily="49" charset="0"/>
-              </a:rPr>
-              <a:t>static </a:t>
-            </a:r>
-            <a:r>
-              <a:rPr lang="ru-RU" altLang="ru-RU" sz="1400" dirty="0" err="1">
-                <a:latin typeface="Courier New" panose="02070309020205020404" pitchFamily="49" charset="0"/>
-              </a:rPr>
-              <a:t>Integer</a:t>
-            </a:r>
-            <a:r>
-              <a:rPr lang="ru-RU" altLang="ru-RU" sz="1400" dirty="0">
-                <a:latin typeface="Courier New" panose="02070309020205020404" pitchFamily="49" charset="0"/>
-              </a:rPr>
-              <a:t> </a:t>
-            </a:r>
-            <a:r>
-              <a:rPr lang="ru-RU" altLang="ru-RU" sz="1400" b="1" dirty="0" err="1">
-                <a:latin typeface="Courier New" panose="02070309020205020404" pitchFamily="49" charset="0"/>
-              </a:rPr>
-              <a:t>decode</a:t>
-            </a:r>
-            <a:r>
-              <a:rPr lang="ru-RU" altLang="ru-RU" sz="1400" dirty="0">
-                <a:latin typeface="Courier New" panose="02070309020205020404" pitchFamily="49" charset="0"/>
-              </a:rPr>
-              <a:t>(</a:t>
-            </a:r>
-            <a:r>
-              <a:rPr lang="ru-RU" altLang="ru-RU" sz="1400" dirty="0" err="1">
-                <a:latin typeface="Courier New" panose="02070309020205020404" pitchFamily="49" charset="0"/>
-              </a:rPr>
-              <a:t>String</a:t>
-            </a:r>
-            <a:r>
-              <a:rPr lang="ru-RU" altLang="ru-RU" sz="1400" dirty="0">
-                <a:latin typeface="Courier New" panose="02070309020205020404" pitchFamily="49" charset="0"/>
-              </a:rPr>
-              <a:t> s) </a:t>
-            </a:r>
-            <a:endParaRPr lang="en-US" altLang="ru-RU" sz="1400" dirty="0">
-              <a:latin typeface="Courier New" panose="02070309020205020404" pitchFamily="49" charset="0"/>
-            </a:endParaRPr>
-          </a:p>
-          <a:p>
-            <a:pPr eaLnBrk="1" hangingPunct="1">
-              <a:spcAft>
-                <a:spcPct val="0"/>
-              </a:spcAft>
-              <a:buClrTx/>
-              <a:buFontTx/>
-              <a:buNone/>
-            </a:pPr>
-            <a:r>
-              <a:rPr lang="en-US" altLang="ru-RU" sz="1400" dirty="0">
-                <a:latin typeface="Courier New" panose="02070309020205020404" pitchFamily="49" charset="0"/>
-              </a:rPr>
-              <a:t>static </a:t>
-            </a:r>
-            <a:r>
-              <a:rPr lang="ru-RU" altLang="ru-RU" sz="1400" dirty="0" err="1">
-                <a:latin typeface="Courier New" panose="02070309020205020404" pitchFamily="49" charset="0"/>
-              </a:rPr>
-              <a:t>int</a:t>
-            </a:r>
-            <a:r>
-              <a:rPr lang="ru-RU" altLang="ru-RU" sz="1400" dirty="0">
-                <a:latin typeface="Courier New" panose="02070309020205020404" pitchFamily="49" charset="0"/>
-              </a:rPr>
-              <a:t> </a:t>
-            </a:r>
-            <a:r>
-              <a:rPr lang="ru-RU" altLang="ru-RU" sz="1400" b="1" dirty="0" err="1">
-                <a:latin typeface="Courier New" panose="02070309020205020404" pitchFamily="49" charset="0"/>
-              </a:rPr>
-              <a:t>parseInt</a:t>
-            </a:r>
-            <a:r>
-              <a:rPr lang="ru-RU" altLang="ru-RU" sz="1400" dirty="0">
-                <a:latin typeface="Courier New" panose="02070309020205020404" pitchFamily="49" charset="0"/>
-              </a:rPr>
-              <a:t>(</a:t>
-            </a:r>
-            <a:r>
-              <a:rPr lang="ru-RU" altLang="ru-RU" sz="1400" dirty="0" err="1">
-                <a:latin typeface="Courier New" panose="02070309020205020404" pitchFamily="49" charset="0"/>
-              </a:rPr>
-              <a:t>String</a:t>
-            </a:r>
-            <a:r>
-              <a:rPr lang="ru-RU" altLang="ru-RU" sz="1400" dirty="0">
-                <a:latin typeface="Courier New" panose="02070309020205020404" pitchFamily="49" charset="0"/>
-              </a:rPr>
-              <a:t> s) </a:t>
-            </a:r>
-            <a:endParaRPr lang="en-US" altLang="ru-RU" sz="1400" dirty="0">
-              <a:latin typeface="Courier New" panose="02070309020205020404" pitchFamily="49" charset="0"/>
-            </a:endParaRPr>
-          </a:p>
-          <a:p>
-            <a:pPr eaLnBrk="1" hangingPunct="1">
-              <a:spcAft>
-                <a:spcPct val="0"/>
-              </a:spcAft>
-              <a:buClrTx/>
-              <a:buFontTx/>
-              <a:buNone/>
-            </a:pPr>
-            <a:r>
-              <a:rPr lang="en-US" altLang="ru-RU" sz="1400" dirty="0">
-                <a:latin typeface="Courier New" panose="02070309020205020404" pitchFamily="49" charset="0"/>
-              </a:rPr>
-              <a:t>static </a:t>
-            </a:r>
-            <a:r>
-              <a:rPr lang="ru-RU" altLang="ru-RU" sz="1400" dirty="0" err="1">
-                <a:latin typeface="Courier New" panose="02070309020205020404" pitchFamily="49" charset="0"/>
-              </a:rPr>
-              <a:t>int</a:t>
-            </a:r>
-            <a:r>
-              <a:rPr lang="ru-RU" altLang="ru-RU" sz="1400" dirty="0">
-                <a:latin typeface="Courier New" panose="02070309020205020404" pitchFamily="49" charset="0"/>
-              </a:rPr>
-              <a:t> </a:t>
-            </a:r>
-            <a:r>
-              <a:rPr lang="ru-RU" altLang="ru-RU" sz="1400" b="1" dirty="0" err="1">
-                <a:latin typeface="Courier New" panose="02070309020205020404" pitchFamily="49" charset="0"/>
-              </a:rPr>
-              <a:t>parseInt</a:t>
-            </a:r>
-            <a:r>
-              <a:rPr lang="ru-RU" altLang="ru-RU" sz="1400" dirty="0">
-                <a:latin typeface="Courier New" panose="02070309020205020404" pitchFamily="49" charset="0"/>
-              </a:rPr>
-              <a:t>(</a:t>
-            </a:r>
-            <a:r>
-              <a:rPr lang="ru-RU" altLang="ru-RU" sz="1400" dirty="0" err="1">
-                <a:latin typeface="Courier New" panose="02070309020205020404" pitchFamily="49" charset="0"/>
-              </a:rPr>
-              <a:t>String</a:t>
-            </a:r>
-            <a:r>
-              <a:rPr lang="ru-RU" altLang="ru-RU" sz="1400" dirty="0">
-                <a:latin typeface="Courier New" panose="02070309020205020404" pitchFamily="49" charset="0"/>
-              </a:rPr>
-              <a:t> s,</a:t>
-            </a:r>
-            <a:r>
-              <a:rPr lang="en-US" altLang="ru-RU" sz="1400" dirty="0">
-                <a:latin typeface="Courier New" panose="02070309020205020404" pitchFamily="49" charset="0"/>
-              </a:rPr>
-              <a:t> </a:t>
-            </a:r>
-            <a:r>
-              <a:rPr lang="ru-RU" altLang="ru-RU" sz="1400" dirty="0" err="1">
-                <a:latin typeface="Courier New" panose="02070309020205020404" pitchFamily="49" charset="0"/>
-              </a:rPr>
-              <a:t>int</a:t>
-            </a:r>
-            <a:r>
-              <a:rPr lang="ru-RU" altLang="ru-RU" sz="1400" dirty="0">
-                <a:latin typeface="Courier New" panose="02070309020205020404" pitchFamily="49" charset="0"/>
-              </a:rPr>
-              <a:t> </a:t>
-            </a:r>
-            <a:r>
-              <a:rPr lang="ru-RU" altLang="ru-RU" sz="1400" dirty="0" err="1">
-                <a:latin typeface="Courier New" panose="02070309020205020404" pitchFamily="49" charset="0"/>
-              </a:rPr>
-              <a:t>radix</a:t>
-            </a:r>
-            <a:r>
-              <a:rPr lang="ru-RU" altLang="ru-RU" sz="1400" dirty="0">
-                <a:latin typeface="Courier New" panose="02070309020205020404" pitchFamily="49" charset="0"/>
-              </a:rPr>
-              <a:t>) </a:t>
-            </a:r>
-            <a:endParaRPr lang="en-US" altLang="ru-RU" sz="1400" dirty="0">
-              <a:latin typeface="Courier New" panose="02070309020205020404" pitchFamily="49" charset="0"/>
-            </a:endParaRPr>
-          </a:p>
-          <a:p>
-            <a:pPr eaLnBrk="1" hangingPunct="1">
-              <a:spcAft>
-                <a:spcPct val="0"/>
-              </a:spcAft>
-              <a:buClrTx/>
-              <a:buFontTx/>
-              <a:buNone/>
-            </a:pPr>
-            <a:r>
-              <a:rPr lang="en-US" altLang="ru-RU" sz="1400" dirty="0">
-                <a:latin typeface="Courier New" panose="02070309020205020404" pitchFamily="49" charset="0"/>
-              </a:rPr>
-              <a:t>static </a:t>
-            </a:r>
-            <a:r>
-              <a:rPr lang="ru-RU" altLang="ru-RU" sz="1400" dirty="0" err="1">
-                <a:latin typeface="Courier New" panose="02070309020205020404" pitchFamily="49" charset="0"/>
-              </a:rPr>
-              <a:t>String</a:t>
-            </a:r>
-            <a:r>
-              <a:rPr lang="ru-RU" altLang="ru-RU" sz="1400" dirty="0">
-                <a:latin typeface="Courier New" panose="02070309020205020404" pitchFamily="49" charset="0"/>
-              </a:rPr>
-              <a:t> </a:t>
-            </a:r>
-            <a:r>
-              <a:rPr lang="ru-RU" altLang="ru-RU" sz="1400" b="1" dirty="0" err="1">
-                <a:latin typeface="Courier New" panose="02070309020205020404" pitchFamily="49" charset="0"/>
-              </a:rPr>
-              <a:t>toString</a:t>
-            </a:r>
-            <a:r>
-              <a:rPr lang="ru-RU" altLang="ru-RU" sz="1400" dirty="0">
-                <a:latin typeface="Courier New" panose="02070309020205020404" pitchFamily="49" charset="0"/>
-              </a:rPr>
-              <a:t>(</a:t>
-            </a:r>
-            <a:r>
-              <a:rPr lang="ru-RU" altLang="ru-RU" sz="1400" dirty="0" err="1">
-                <a:latin typeface="Courier New" panose="02070309020205020404" pitchFamily="49" charset="0"/>
-              </a:rPr>
-              <a:t>int</a:t>
-            </a:r>
-            <a:r>
-              <a:rPr lang="ru-RU" altLang="ru-RU" sz="1400" dirty="0">
-                <a:latin typeface="Courier New" panose="02070309020205020404" pitchFamily="49" charset="0"/>
-              </a:rPr>
-              <a:t> i) </a:t>
-            </a:r>
-            <a:endParaRPr lang="en-US" altLang="ru-RU" sz="1400" dirty="0">
-              <a:latin typeface="Courier New" panose="02070309020205020404" pitchFamily="49" charset="0"/>
-            </a:endParaRPr>
-          </a:p>
-          <a:p>
-            <a:pPr eaLnBrk="1" hangingPunct="1">
-              <a:spcAft>
-                <a:spcPct val="0"/>
-              </a:spcAft>
-              <a:buClrTx/>
-              <a:buFontTx/>
-              <a:buNone/>
-            </a:pPr>
-            <a:r>
-              <a:rPr lang="en-US" altLang="ru-RU" sz="1400" dirty="0">
-                <a:latin typeface="Courier New" panose="02070309020205020404" pitchFamily="49" charset="0"/>
-              </a:rPr>
-              <a:t>static </a:t>
-            </a:r>
-            <a:r>
-              <a:rPr lang="ru-RU" altLang="ru-RU" sz="1400" dirty="0" err="1">
-                <a:latin typeface="Courier New" panose="02070309020205020404" pitchFamily="49" charset="0"/>
-              </a:rPr>
-              <a:t>String</a:t>
-            </a:r>
-            <a:r>
-              <a:rPr lang="ru-RU" altLang="ru-RU" sz="1400" dirty="0">
-                <a:latin typeface="Courier New" panose="02070309020205020404" pitchFamily="49" charset="0"/>
-              </a:rPr>
-              <a:t> </a:t>
-            </a:r>
-            <a:r>
-              <a:rPr lang="ru-RU" altLang="ru-RU" sz="1400" b="1" dirty="0" err="1">
-                <a:latin typeface="Courier New" panose="02070309020205020404" pitchFamily="49" charset="0"/>
-              </a:rPr>
-              <a:t>to</a:t>
-            </a:r>
-            <a:r>
-              <a:rPr lang="en-US" altLang="ru-RU" sz="1400" b="1" dirty="0">
-                <a:latin typeface="Courier New" panose="02070309020205020404" pitchFamily="49" charset="0"/>
-              </a:rPr>
-              <a:t>Hex</a:t>
-            </a:r>
-            <a:r>
-              <a:rPr lang="ru-RU" altLang="ru-RU" sz="1400" b="1" dirty="0" err="1">
-                <a:latin typeface="Courier New" panose="02070309020205020404" pitchFamily="49" charset="0"/>
-              </a:rPr>
-              <a:t>String</a:t>
-            </a:r>
-            <a:r>
-              <a:rPr lang="ru-RU" altLang="ru-RU" sz="1400" dirty="0">
-                <a:latin typeface="Courier New" panose="02070309020205020404" pitchFamily="49" charset="0"/>
-              </a:rPr>
-              <a:t>(</a:t>
-            </a:r>
-            <a:r>
-              <a:rPr lang="ru-RU" altLang="ru-RU" sz="1400" dirty="0" err="1">
-                <a:latin typeface="Courier New" panose="02070309020205020404" pitchFamily="49" charset="0"/>
-              </a:rPr>
-              <a:t>int</a:t>
-            </a:r>
-            <a:r>
-              <a:rPr lang="ru-RU" altLang="ru-RU" sz="1400" dirty="0">
-                <a:latin typeface="Courier New" panose="02070309020205020404" pitchFamily="49" charset="0"/>
-              </a:rPr>
-              <a:t> i) </a:t>
-            </a:r>
-            <a:endParaRPr lang="en-US" altLang="ru-RU" sz="1400" dirty="0">
-              <a:latin typeface="Courier New" panose="02070309020205020404" pitchFamily="49" charset="0"/>
-            </a:endParaRPr>
-          </a:p>
-          <a:p>
-            <a:pPr eaLnBrk="1" hangingPunct="1">
-              <a:spcAft>
-                <a:spcPct val="0"/>
-              </a:spcAft>
-              <a:buClrTx/>
-              <a:buFontTx/>
-              <a:buNone/>
-            </a:pPr>
-            <a:r>
-              <a:rPr lang="en-US" altLang="ru-RU" sz="1400" dirty="0">
-                <a:latin typeface="Courier New" panose="02070309020205020404" pitchFamily="49" charset="0"/>
-              </a:rPr>
-              <a:t>static </a:t>
-            </a:r>
-            <a:r>
-              <a:rPr lang="ru-RU" altLang="ru-RU" sz="1400" dirty="0" err="1">
-                <a:latin typeface="Courier New" panose="02070309020205020404" pitchFamily="49" charset="0"/>
-              </a:rPr>
-              <a:t>String</a:t>
-            </a:r>
-            <a:r>
-              <a:rPr lang="ru-RU" altLang="ru-RU" sz="1400" dirty="0">
-                <a:latin typeface="Courier New" panose="02070309020205020404" pitchFamily="49" charset="0"/>
-              </a:rPr>
-              <a:t> </a:t>
-            </a:r>
-            <a:r>
-              <a:rPr lang="ru-RU" altLang="ru-RU" sz="1400" b="1" dirty="0" err="1">
-                <a:latin typeface="Courier New" panose="02070309020205020404" pitchFamily="49" charset="0"/>
-              </a:rPr>
-              <a:t>to</a:t>
-            </a:r>
-            <a:r>
-              <a:rPr lang="en-US" altLang="ru-RU" sz="1400" b="1" dirty="0">
-                <a:latin typeface="Courier New" panose="02070309020205020404" pitchFamily="49" charset="0"/>
-              </a:rPr>
-              <a:t>Binary</a:t>
-            </a:r>
-            <a:r>
-              <a:rPr lang="ru-RU" altLang="ru-RU" sz="1400" b="1" dirty="0" err="1">
-                <a:latin typeface="Courier New" panose="02070309020205020404" pitchFamily="49" charset="0"/>
-              </a:rPr>
-              <a:t>String</a:t>
-            </a:r>
-            <a:r>
-              <a:rPr lang="ru-RU" altLang="ru-RU" sz="1400" dirty="0">
-                <a:latin typeface="Courier New" panose="02070309020205020404" pitchFamily="49" charset="0"/>
-              </a:rPr>
-              <a:t>(</a:t>
-            </a:r>
-            <a:r>
-              <a:rPr lang="ru-RU" altLang="ru-RU" sz="1400" dirty="0" err="1">
-                <a:latin typeface="Courier New" panose="02070309020205020404" pitchFamily="49" charset="0"/>
-              </a:rPr>
-              <a:t>int</a:t>
-            </a:r>
-            <a:r>
-              <a:rPr lang="ru-RU" altLang="ru-RU" sz="1400" dirty="0">
-                <a:latin typeface="Courier New" panose="02070309020205020404" pitchFamily="49" charset="0"/>
-              </a:rPr>
-              <a:t> i) </a:t>
-            </a:r>
-            <a:endParaRPr lang="en-US" altLang="ru-RU" sz="1400" dirty="0">
-              <a:latin typeface="Courier New" panose="02070309020205020404" pitchFamily="49" charset="0"/>
-            </a:endParaRPr>
-          </a:p>
-          <a:p>
-            <a:pPr eaLnBrk="1" hangingPunct="1">
-              <a:spcAft>
-                <a:spcPct val="0"/>
-              </a:spcAft>
-              <a:buClrTx/>
-              <a:buFontTx/>
-              <a:buNone/>
-            </a:pPr>
-            <a:r>
-              <a:rPr lang="en-US" altLang="ru-RU" sz="1400" dirty="0">
-                <a:latin typeface="Courier New" panose="02070309020205020404" pitchFamily="49" charset="0"/>
-              </a:rPr>
-              <a:t>static </a:t>
-            </a:r>
-            <a:r>
-              <a:rPr lang="ru-RU" altLang="ru-RU" sz="1400" dirty="0" err="1">
-                <a:latin typeface="Courier New" panose="02070309020205020404" pitchFamily="49" charset="0"/>
-              </a:rPr>
-              <a:t>Integer</a:t>
-            </a:r>
-            <a:r>
-              <a:rPr lang="ru-RU" altLang="ru-RU" sz="1400" dirty="0">
-                <a:latin typeface="Courier New" panose="02070309020205020404" pitchFamily="49" charset="0"/>
-              </a:rPr>
-              <a:t> </a:t>
-            </a:r>
-            <a:r>
-              <a:rPr lang="ru-RU" altLang="ru-RU" sz="1400" b="1" dirty="0" err="1">
-                <a:latin typeface="Courier New" panose="02070309020205020404" pitchFamily="49" charset="0"/>
-              </a:rPr>
-              <a:t>valueOf</a:t>
-            </a:r>
-            <a:r>
-              <a:rPr lang="ru-RU" altLang="ru-RU" sz="1400" dirty="0">
-                <a:latin typeface="Courier New" panose="02070309020205020404" pitchFamily="49" charset="0"/>
-              </a:rPr>
-              <a:t>(</a:t>
-            </a:r>
-            <a:r>
-              <a:rPr lang="ru-RU" altLang="ru-RU" sz="1400" dirty="0" err="1">
-                <a:latin typeface="Courier New" panose="02070309020205020404" pitchFamily="49" charset="0"/>
-              </a:rPr>
-              <a:t>int</a:t>
-            </a:r>
-            <a:r>
-              <a:rPr lang="ru-RU" altLang="ru-RU" sz="1400" dirty="0">
-                <a:latin typeface="Courier New" panose="02070309020205020404" pitchFamily="49" charset="0"/>
-              </a:rPr>
-              <a:t> i) </a:t>
-            </a:r>
-            <a:endParaRPr lang="en-US" altLang="ru-RU" sz="1400" dirty="0">
-              <a:latin typeface="Courier New" panose="02070309020205020404" pitchFamily="49" charset="0"/>
-            </a:endParaRPr>
-          </a:p>
-          <a:p>
-            <a:pPr eaLnBrk="1" hangingPunct="1">
-              <a:spcAft>
-                <a:spcPct val="0"/>
-              </a:spcAft>
-              <a:buClrTx/>
-              <a:buFontTx/>
-              <a:buNone/>
-            </a:pPr>
-            <a:r>
-              <a:rPr lang="en-US" altLang="ru-RU" sz="1400" dirty="0">
-                <a:latin typeface="Courier New" panose="02070309020205020404" pitchFamily="49" charset="0"/>
-              </a:rPr>
-              <a:t>static </a:t>
-            </a:r>
-            <a:r>
-              <a:rPr lang="ru-RU" altLang="ru-RU" sz="1400" dirty="0" err="1">
-                <a:latin typeface="Courier New" panose="02070309020205020404" pitchFamily="49" charset="0"/>
-              </a:rPr>
-              <a:t>Integer</a:t>
-            </a:r>
-            <a:r>
-              <a:rPr lang="ru-RU" altLang="ru-RU" sz="1400" dirty="0">
-                <a:latin typeface="Courier New" panose="02070309020205020404" pitchFamily="49" charset="0"/>
-              </a:rPr>
-              <a:t> </a:t>
-            </a:r>
-            <a:r>
-              <a:rPr lang="ru-RU" altLang="ru-RU" sz="1400" b="1" dirty="0" err="1">
-                <a:latin typeface="Courier New" panose="02070309020205020404" pitchFamily="49" charset="0"/>
-              </a:rPr>
-              <a:t>valueOf</a:t>
-            </a:r>
-            <a:r>
-              <a:rPr lang="ru-RU" altLang="ru-RU" sz="1400" dirty="0">
-                <a:latin typeface="Courier New" panose="02070309020205020404" pitchFamily="49" charset="0"/>
-              </a:rPr>
-              <a:t>(</a:t>
-            </a:r>
-            <a:r>
-              <a:rPr lang="ru-RU" altLang="ru-RU" sz="1400" dirty="0" err="1">
-                <a:latin typeface="Courier New" panose="02070309020205020404" pitchFamily="49" charset="0"/>
-              </a:rPr>
-              <a:t>String</a:t>
-            </a:r>
-            <a:r>
-              <a:rPr lang="ru-RU" altLang="ru-RU" sz="1400" dirty="0">
-                <a:latin typeface="Courier New" panose="02070309020205020404" pitchFamily="49" charset="0"/>
-              </a:rPr>
-              <a:t> s) </a:t>
-            </a:r>
-            <a:endParaRPr lang="en-US" altLang="ru-RU" sz="1400" dirty="0">
-              <a:latin typeface="Courier New" panose="02070309020205020404" pitchFamily="49" charset="0"/>
-            </a:endParaRPr>
-          </a:p>
-          <a:p>
-            <a:pPr eaLnBrk="1" hangingPunct="1">
-              <a:spcAft>
-                <a:spcPct val="0"/>
-              </a:spcAft>
-              <a:buClrTx/>
-              <a:buFontTx/>
-              <a:buNone/>
-            </a:pPr>
-            <a:r>
-              <a:rPr lang="en-US" altLang="ru-RU" sz="1400" dirty="0">
-                <a:latin typeface="Courier New" panose="02070309020205020404" pitchFamily="49" charset="0"/>
-              </a:rPr>
-              <a:t>static </a:t>
-            </a:r>
-            <a:r>
-              <a:rPr lang="ru-RU" altLang="ru-RU" sz="1400" dirty="0" err="1">
-                <a:latin typeface="Courier New" panose="02070309020205020404" pitchFamily="49" charset="0"/>
-              </a:rPr>
-              <a:t>Integer</a:t>
-            </a:r>
-            <a:r>
-              <a:rPr lang="ru-RU" altLang="ru-RU" sz="1400" dirty="0">
-                <a:latin typeface="Courier New" panose="02070309020205020404" pitchFamily="49" charset="0"/>
-              </a:rPr>
-              <a:t> </a:t>
-            </a:r>
-            <a:r>
-              <a:rPr lang="ru-RU" altLang="ru-RU" sz="1400" b="1" dirty="0" err="1">
-                <a:latin typeface="Courier New" panose="02070309020205020404" pitchFamily="49" charset="0"/>
-              </a:rPr>
-              <a:t>valueOf</a:t>
-            </a:r>
-            <a:r>
-              <a:rPr lang="ru-RU" altLang="ru-RU" sz="1400" dirty="0">
-                <a:latin typeface="Courier New" panose="02070309020205020404" pitchFamily="49" charset="0"/>
-              </a:rPr>
-              <a:t>(</a:t>
-            </a:r>
-            <a:r>
-              <a:rPr lang="ru-RU" altLang="ru-RU" sz="1400" dirty="0" err="1">
-                <a:latin typeface="Courier New" panose="02070309020205020404" pitchFamily="49" charset="0"/>
-              </a:rPr>
-              <a:t>String</a:t>
-            </a:r>
-            <a:r>
-              <a:rPr lang="ru-RU" altLang="ru-RU" sz="1400" dirty="0">
-                <a:latin typeface="Courier New" panose="02070309020205020404" pitchFamily="49" charset="0"/>
-              </a:rPr>
-              <a:t> s, </a:t>
-            </a:r>
-            <a:r>
-              <a:rPr lang="ru-RU" altLang="ru-RU" sz="1400" dirty="0" err="1">
-                <a:latin typeface="Courier New" panose="02070309020205020404" pitchFamily="49" charset="0"/>
-              </a:rPr>
-              <a:t>int</a:t>
-            </a:r>
-            <a:r>
-              <a:rPr lang="ru-RU" altLang="ru-RU" sz="1400" dirty="0">
-                <a:latin typeface="Courier New" panose="02070309020205020404" pitchFamily="49" charset="0"/>
-              </a:rPr>
-              <a:t> </a:t>
-            </a:r>
-            <a:r>
-              <a:rPr lang="ru-RU" altLang="ru-RU" sz="1400" dirty="0" err="1">
-                <a:latin typeface="Courier New" panose="02070309020205020404" pitchFamily="49" charset="0"/>
-              </a:rPr>
-              <a:t>radix</a:t>
-            </a:r>
-            <a:r>
-              <a:rPr lang="ru-RU" altLang="ru-RU" sz="1400" dirty="0">
-                <a:latin typeface="Courier New" panose="02070309020205020404" pitchFamily="49" charset="0"/>
-              </a:rPr>
-              <a:t>) </a:t>
-            </a:r>
-            <a:endParaRPr lang="en-US" altLang="ru-RU" sz="1400" dirty="0">
-              <a:latin typeface="Courier New" panose="02070309020205020404" pitchFamily="49" charset="0"/>
-            </a:endParaRPr>
-          </a:p>
-        </p:txBody>
-      </p:sp>
-      <p:graphicFrame>
-        <p:nvGraphicFramePr>
-          <p:cNvPr id="87046" name="Object 12"/>
-          <p:cNvGraphicFramePr>
-            <a:graphicFrameLocks noChangeAspect="1"/>
-          </p:cNvGraphicFramePr>
-          <p:nvPr>
-            <p:extLst>
-              <p:ext uri="{D42A27DB-BD31-4B8C-83A1-F6EECF244321}">
-                <p14:modId xmlns:p14="http://schemas.microsoft.com/office/powerpoint/2010/main" val="118531991"/>
-              </p:ext>
-            </p:extLst>
-          </p:nvPr>
-        </p:nvGraphicFramePr>
-        <p:xfrm>
-          <a:off x="2865438" y="3735389"/>
-          <a:ext cx="5854700" cy="2559050"/>
-        </p:xfrm>
-        <a:graphic>
-          <a:graphicData uri="http://schemas.openxmlformats.org/presentationml/2006/ole">
-            <mc:AlternateContent xmlns:mc="http://schemas.openxmlformats.org/markup-compatibility/2006">
-              <mc:Choice xmlns:v="urn:schemas-microsoft-com:vml" Requires="v">
-                <p:oleObj spid="_x0000_s3084" name="Visio" r:id="rId3" imgW="4875721" imgH="2130121" progId="Visio.Drawing.11">
-                  <p:embed/>
-                </p:oleObj>
-              </mc:Choice>
-              <mc:Fallback>
-                <p:oleObj name="Visio" r:id="rId3" imgW="4875721" imgH="2130121" progId="Visio.Drawing.11">
-                  <p:embed/>
-                  <p:pic>
-                    <p:nvPicPr>
-                      <p:cNvPr id="87046" name="Object 12"/>
-                      <p:cNvPicPr>
-                        <a:picLocks noChangeAspect="1" noChangeArrowheads="1"/>
-                      </p:cNvPicPr>
-                      <p:nvPr/>
-                    </p:nvPicPr>
-                    <p:blipFill>
-                      <a:blip r:embed="rId4">
-                        <a:extLst>
-                          <a:ext uri="{28A0092B-C50C-407E-A947-70E740481C1C}">
-                            <a14:useLocalDpi xmlns:a14="http://schemas.microsoft.com/office/drawing/2010/main" val="0"/>
-                          </a:ext>
-                        </a:extLst>
-                      </a:blip>
-                      <a:srcRect/>
-                      <a:stretch>
-                        <a:fillRect/>
-                      </a:stretch>
-                    </p:blipFill>
-                    <p:spPr bwMode="auto">
-                      <a:xfrm>
-                        <a:off x="2865438" y="3735389"/>
-                        <a:ext cx="5854700" cy="2559050"/>
-                      </a:xfrm>
-                      <a:prstGeom prst="rect">
-                        <a:avLst/>
-                      </a:prstGeom>
-                      <a:noFill/>
-                      <a:ln>
-                        <a:noFill/>
-                      </a:ln>
-                      <a:effectLst/>
-                      <a:extLst>
-                        <a:ext uri="{909E8E84-426E-40DD-AFC4-6F175D3DCCD1}">
-                          <a14:hiddenFill xmlns:a14="http://schemas.microsoft.com/office/drawing/2010/main">
-                            <a:solidFill>
-                              <a:schemeClr val="accent1"/>
-                            </a:solidFill>
-                          </a14:hiddenFill>
-                        </a:ext>
-                        <a:ext uri="{91240B29-F687-4F45-9708-019B960494DF}">
-                          <a14:hiddenLine xmlns:a14="http://schemas.microsoft.com/office/drawing/2010/main" w="9525">
-                            <a:solidFill>
-                              <a:schemeClr val="tx1"/>
-                            </a:solidFill>
-                            <a:miter lim="800000"/>
-                            <a:headEnd/>
-                            <a:tailEnd/>
-                          </a14:hiddenLine>
-                        </a:ext>
-                        <a:ext uri="{AF507438-7753-43E0-B8FC-AC1667EBCBE1}">
-                          <a14:hiddenEffects xmlns:a14="http://schemas.microsoft.com/office/drawing/2010/main">
-                            <a:effectLst>
-                              <a:outerShdw dist="35921" dir="2700000" algn="ctr" rotWithShape="0">
-                                <a:schemeClr val="bg2"/>
-                              </a:outerShdw>
-                            </a:effectLst>
-                          </a14:hiddenEffects>
-                        </a:ext>
-                      </a:extLst>
-                    </p:spPr>
-                  </p:pic>
-                </p:oleObj>
-              </mc:Fallback>
-            </mc:AlternateContent>
-          </a:graphicData>
-        </a:graphic>
-      </p:graphicFrame>
       <p:sp>
         <p:nvSpPr>
           <p:cNvPr id="87047" name="Line 13"/>
@@ -12047,6 +10134,2694 @@
               </a:rPr>
               <a:t>Статичні поля</a:t>
             </a:r>
+          </a:p>
+        </p:txBody>
+      </p:sp>
+      <p:sp>
+        <p:nvSpPr>
+          <p:cNvPr id="2" name="Rectangle 14">
+            <a:extLst>
+              <a:ext uri="{FF2B5EF4-FFF2-40B4-BE49-F238E27FC236}">
+                <a16:creationId xmlns:a16="http://schemas.microsoft.com/office/drawing/2014/main" id="{5BFF304D-D07D-47B9-8C1C-F5131F450ACA}"/>
+              </a:ext>
+            </a:extLst>
+          </p:cNvPr>
+          <p:cNvSpPr>
+            <a:spLocks noChangeArrowheads="1"/>
+          </p:cNvSpPr>
+          <p:nvPr/>
+        </p:nvSpPr>
+        <p:spPr bwMode="auto">
+          <a:xfrm>
+            <a:off x="2372257" y="3818825"/>
+            <a:ext cx="7447485" cy="2554545"/>
+          </a:xfrm>
+          <a:prstGeom prst="rect">
+            <a:avLst/>
+          </a:prstGeom>
+          <a:noFill/>
+          <a:ln>
+            <a:noFill/>
+          </a:ln>
+          <a:effectLst/>
+        </p:spPr>
+        <p:txBody>
+          <a:bodyPr vert="horz" wrap="square" lIns="91440" tIns="45720" rIns="91440" bIns="45720" numCol="1" anchor="ctr" anchorCtr="0" compatLnSpc="1">
+            <a:prstTxWarp prst="textNoShape">
+              <a:avLst/>
+            </a:prstTxWarp>
+            <a:spAutoFit/>
+          </a:bodyPr>
+          <a:lstStyle/>
+          <a:p>
+            <a:pPr marL="0" marR="0" lvl="0" indent="0" algn="l" defTabSz="914400" rtl="0" eaLnBrk="0" fontAlgn="base" latinLnBrk="0" hangingPunct="0">
+              <a:lnSpc>
+                <a:spcPct val="100000"/>
+              </a:lnSpc>
+              <a:spcBef>
+                <a:spcPct val="0"/>
+              </a:spcBef>
+              <a:spcAft>
+                <a:spcPct val="0"/>
+              </a:spcAft>
+              <a:buClrTx/>
+              <a:buSzTx/>
+              <a:buFontTx/>
+              <a:buNone/>
+              <a:tabLst/>
+            </a:pPr>
+            <a:r>
+              <a:rPr kumimoji="0" lang="uk-UA" altLang="uk-UA" sz="1600" b="0" i="0" u="none" strike="noStrike" cap="none" normalizeH="0" baseline="0" dirty="0" err="1">
+                <a:ln>
+                  <a:noFill/>
+                </a:ln>
+                <a:solidFill>
+                  <a:srgbClr val="A9B7C6"/>
+                </a:solidFill>
+                <a:effectLst/>
+                <a:latin typeface="Courier New" panose="02070309020205020404" pitchFamily="49" charset="0"/>
+                <a:cs typeface="Courier New" panose="02070309020205020404" pitchFamily="49" charset="0"/>
+              </a:rPr>
+              <a:t>Integer</a:t>
+            </a:r>
+            <a:r>
+              <a:rPr kumimoji="0" lang="uk-UA" altLang="uk-UA" sz="1600" b="0" i="0" u="none" strike="noStrike" cap="none" normalizeH="0" baseline="0" dirty="0">
+                <a:ln>
+                  <a:noFill/>
+                </a:ln>
+                <a:solidFill>
+                  <a:srgbClr val="A9B7C6"/>
+                </a:solidFill>
+                <a:effectLst/>
+                <a:latin typeface="Courier New" panose="02070309020205020404" pitchFamily="49" charset="0"/>
+                <a:cs typeface="Courier New" panose="02070309020205020404" pitchFamily="49" charset="0"/>
+              </a:rPr>
+              <a:t> a = </a:t>
+            </a:r>
+            <a:r>
+              <a:rPr kumimoji="0" lang="uk-UA" altLang="uk-UA" sz="1600" b="0" i="0" u="none" strike="noStrike" cap="none" normalizeH="0" baseline="0" dirty="0">
+                <a:ln>
+                  <a:noFill/>
+                </a:ln>
+                <a:solidFill>
+                  <a:srgbClr val="6897BB"/>
+                </a:solidFill>
+                <a:effectLst/>
+                <a:latin typeface="Courier New" panose="02070309020205020404" pitchFamily="49" charset="0"/>
+                <a:cs typeface="Courier New" panose="02070309020205020404" pitchFamily="49" charset="0"/>
+              </a:rPr>
+              <a:t>15</a:t>
+            </a:r>
+            <a:r>
+              <a:rPr kumimoji="0" lang="uk-UA" altLang="uk-UA" sz="1600" b="0" i="0" u="none" strike="noStrike" cap="none" normalizeH="0" baseline="0" dirty="0">
+                <a:ln>
+                  <a:noFill/>
+                </a:ln>
+                <a:solidFill>
+                  <a:srgbClr val="CC7832"/>
+                </a:solidFill>
+                <a:effectLst/>
+                <a:latin typeface="Courier New" panose="02070309020205020404" pitchFamily="49" charset="0"/>
+                <a:cs typeface="Courier New" panose="02070309020205020404" pitchFamily="49" charset="0"/>
+              </a:rPr>
+              <a:t>;</a:t>
+            </a:r>
+            <a:br>
+              <a:rPr kumimoji="0" lang="uk-UA" altLang="uk-UA" sz="1600" b="0" i="0" u="none" strike="noStrike" cap="none" normalizeH="0" baseline="0" dirty="0">
+                <a:ln>
+                  <a:noFill/>
+                </a:ln>
+                <a:solidFill>
+                  <a:srgbClr val="CC7832"/>
+                </a:solidFill>
+                <a:effectLst/>
+                <a:latin typeface="Courier New" panose="02070309020205020404" pitchFamily="49" charset="0"/>
+                <a:cs typeface="Courier New" panose="02070309020205020404" pitchFamily="49" charset="0"/>
+              </a:rPr>
+            </a:br>
+            <a:br>
+              <a:rPr kumimoji="0" lang="uk-UA" altLang="uk-UA" sz="1600" b="0" i="0" u="none" strike="noStrike" cap="none" normalizeH="0" baseline="0" dirty="0">
+                <a:ln>
+                  <a:noFill/>
+                </a:ln>
+                <a:solidFill>
+                  <a:srgbClr val="CC7832"/>
+                </a:solidFill>
+                <a:effectLst/>
+                <a:latin typeface="Courier New" panose="02070309020205020404" pitchFamily="49" charset="0"/>
+                <a:cs typeface="Courier New" panose="02070309020205020404" pitchFamily="49" charset="0"/>
+              </a:rPr>
+            </a:br>
+            <a:r>
+              <a:rPr kumimoji="0" lang="uk-UA" altLang="uk-UA" sz="1600" b="0" i="0" u="none" strike="noStrike" cap="none" normalizeH="0" baseline="0" dirty="0" err="1">
+                <a:ln>
+                  <a:noFill/>
+                </a:ln>
+                <a:solidFill>
+                  <a:srgbClr val="A9B7C6"/>
+                </a:solidFill>
+                <a:effectLst/>
+                <a:latin typeface="Courier New" panose="02070309020205020404" pitchFamily="49" charset="0"/>
+                <a:cs typeface="Courier New" panose="02070309020205020404" pitchFamily="49" charset="0"/>
+              </a:rPr>
+              <a:t>System.</a:t>
+            </a:r>
+            <a:r>
+              <a:rPr kumimoji="0" lang="uk-UA" altLang="uk-UA" sz="1600" b="0" i="1" u="none" strike="noStrike" cap="none" normalizeH="0" baseline="0" dirty="0" err="1">
+                <a:ln>
+                  <a:noFill/>
+                </a:ln>
+                <a:solidFill>
+                  <a:srgbClr val="9876AA"/>
+                </a:solidFill>
+                <a:effectLst/>
+                <a:latin typeface="Courier New" panose="02070309020205020404" pitchFamily="49" charset="0"/>
+                <a:cs typeface="Courier New" panose="02070309020205020404" pitchFamily="49" charset="0"/>
+              </a:rPr>
+              <a:t>out</a:t>
+            </a:r>
+            <a:r>
+              <a:rPr kumimoji="0" lang="uk-UA" altLang="uk-UA" sz="1600" b="0" i="0" u="none" strike="noStrike" cap="none" normalizeH="0" baseline="0" dirty="0" err="1">
+                <a:ln>
+                  <a:noFill/>
+                </a:ln>
+                <a:solidFill>
+                  <a:srgbClr val="A9B7C6"/>
+                </a:solidFill>
+                <a:effectLst/>
+                <a:latin typeface="Courier New" panose="02070309020205020404" pitchFamily="49" charset="0"/>
+                <a:cs typeface="Courier New" panose="02070309020205020404" pitchFamily="49" charset="0"/>
+              </a:rPr>
+              <a:t>.println</a:t>
+            </a:r>
+            <a:r>
+              <a:rPr kumimoji="0" lang="uk-UA" altLang="uk-UA" sz="1600" b="0" i="0" u="none" strike="noStrike" cap="none" normalizeH="0" baseline="0" dirty="0">
+                <a:ln>
+                  <a:noFill/>
+                </a:ln>
+                <a:solidFill>
+                  <a:srgbClr val="A9B7C6"/>
+                </a:solidFill>
+                <a:effectLst/>
+                <a:latin typeface="Courier New" panose="02070309020205020404" pitchFamily="49" charset="0"/>
+                <a:cs typeface="Courier New" panose="02070309020205020404" pitchFamily="49" charset="0"/>
+              </a:rPr>
+              <a:t>(</a:t>
+            </a:r>
+            <a:r>
+              <a:rPr kumimoji="0" lang="uk-UA" altLang="uk-UA" sz="1600" b="0" i="0" u="none" strike="noStrike" cap="none" normalizeH="0" baseline="0" dirty="0" err="1">
+                <a:ln>
+                  <a:noFill/>
+                </a:ln>
+                <a:solidFill>
+                  <a:srgbClr val="A9B7C6"/>
+                </a:solidFill>
+                <a:effectLst/>
+                <a:latin typeface="Courier New" panose="02070309020205020404" pitchFamily="49" charset="0"/>
+                <a:cs typeface="Courier New" panose="02070309020205020404" pitchFamily="49" charset="0"/>
+              </a:rPr>
+              <a:t>Integer.</a:t>
+            </a:r>
+            <a:r>
+              <a:rPr kumimoji="0" lang="uk-UA" altLang="uk-UA" sz="1600" b="0" i="1" u="none" strike="noStrike" cap="none" normalizeH="0" baseline="0" dirty="0" err="1">
+                <a:ln>
+                  <a:noFill/>
+                </a:ln>
+                <a:solidFill>
+                  <a:srgbClr val="9876AA"/>
+                </a:solidFill>
+                <a:effectLst/>
+                <a:latin typeface="Courier New" panose="02070309020205020404" pitchFamily="49" charset="0"/>
+                <a:cs typeface="Courier New" panose="02070309020205020404" pitchFamily="49" charset="0"/>
+              </a:rPr>
+              <a:t>SIZE</a:t>
+            </a:r>
+            <a:r>
+              <a:rPr kumimoji="0" lang="uk-UA" altLang="uk-UA" sz="1600" b="0" i="0" u="none" strike="noStrike" cap="none" normalizeH="0" baseline="0" dirty="0">
+                <a:ln>
+                  <a:noFill/>
+                </a:ln>
+                <a:solidFill>
+                  <a:srgbClr val="A9B7C6"/>
+                </a:solidFill>
+                <a:effectLst/>
+                <a:latin typeface="Courier New" panose="02070309020205020404" pitchFamily="49" charset="0"/>
+                <a:cs typeface="Courier New" panose="02070309020205020404" pitchFamily="49" charset="0"/>
+              </a:rPr>
+              <a:t>)</a:t>
+            </a:r>
+            <a:r>
+              <a:rPr kumimoji="0" lang="uk-UA" altLang="uk-UA" sz="1600" b="0" i="0" u="none" strike="noStrike" cap="none" normalizeH="0" baseline="0" dirty="0">
+                <a:ln>
+                  <a:noFill/>
+                </a:ln>
+                <a:solidFill>
+                  <a:srgbClr val="CC7832"/>
+                </a:solidFill>
+                <a:effectLst/>
+                <a:latin typeface="Courier New" panose="02070309020205020404" pitchFamily="49" charset="0"/>
+                <a:cs typeface="Courier New" panose="02070309020205020404" pitchFamily="49" charset="0"/>
+              </a:rPr>
+              <a:t>;</a:t>
+            </a:r>
+            <a:r>
+              <a:rPr kumimoji="0" lang="uk-UA" altLang="uk-UA" sz="1600" b="0" i="0" u="none" strike="noStrike" cap="none" normalizeH="0" baseline="0" dirty="0">
+                <a:ln>
+                  <a:noFill/>
+                </a:ln>
+                <a:solidFill>
+                  <a:srgbClr val="808080"/>
+                </a:solidFill>
+                <a:effectLst/>
+                <a:latin typeface="Courier New" panose="02070309020205020404" pitchFamily="49" charset="0"/>
+                <a:cs typeface="Courier New" panose="02070309020205020404" pitchFamily="49" charset="0"/>
+              </a:rPr>
+              <a:t>//32</a:t>
+            </a:r>
+            <a:br>
+              <a:rPr kumimoji="0" lang="uk-UA" altLang="uk-UA" sz="1600" b="0" i="0" u="none" strike="noStrike" cap="none" normalizeH="0" baseline="0" dirty="0">
+                <a:ln>
+                  <a:noFill/>
+                </a:ln>
+                <a:solidFill>
+                  <a:srgbClr val="808080"/>
+                </a:solidFill>
+                <a:effectLst/>
+                <a:latin typeface="Courier New" panose="02070309020205020404" pitchFamily="49" charset="0"/>
+                <a:cs typeface="Courier New" panose="02070309020205020404" pitchFamily="49" charset="0"/>
+              </a:rPr>
+            </a:br>
+            <a:r>
+              <a:rPr kumimoji="0" lang="uk-UA" altLang="uk-UA" sz="1600" b="0" i="0" u="none" strike="noStrike" cap="none" normalizeH="0" baseline="0" dirty="0" err="1">
+                <a:ln>
+                  <a:noFill/>
+                </a:ln>
+                <a:solidFill>
+                  <a:srgbClr val="A9B7C6"/>
+                </a:solidFill>
+                <a:effectLst/>
+                <a:latin typeface="Courier New" panose="02070309020205020404" pitchFamily="49" charset="0"/>
+                <a:cs typeface="Courier New" panose="02070309020205020404" pitchFamily="49" charset="0"/>
+              </a:rPr>
+              <a:t>System.</a:t>
+            </a:r>
+            <a:r>
+              <a:rPr kumimoji="0" lang="uk-UA" altLang="uk-UA" sz="1600" b="0" i="1" u="none" strike="noStrike" cap="none" normalizeH="0" baseline="0" dirty="0" err="1">
+                <a:ln>
+                  <a:noFill/>
+                </a:ln>
+                <a:solidFill>
+                  <a:srgbClr val="9876AA"/>
+                </a:solidFill>
+                <a:effectLst/>
+                <a:latin typeface="Courier New" panose="02070309020205020404" pitchFamily="49" charset="0"/>
+                <a:cs typeface="Courier New" panose="02070309020205020404" pitchFamily="49" charset="0"/>
+              </a:rPr>
+              <a:t>out</a:t>
+            </a:r>
+            <a:r>
+              <a:rPr kumimoji="0" lang="uk-UA" altLang="uk-UA" sz="1600" b="0" i="0" u="none" strike="noStrike" cap="none" normalizeH="0" baseline="0" dirty="0" err="1">
+                <a:ln>
+                  <a:noFill/>
+                </a:ln>
+                <a:solidFill>
+                  <a:srgbClr val="A9B7C6"/>
+                </a:solidFill>
+                <a:effectLst/>
+                <a:latin typeface="Courier New" panose="02070309020205020404" pitchFamily="49" charset="0"/>
+                <a:cs typeface="Courier New" panose="02070309020205020404" pitchFamily="49" charset="0"/>
+              </a:rPr>
+              <a:t>.println</a:t>
+            </a:r>
+            <a:r>
+              <a:rPr kumimoji="0" lang="uk-UA" altLang="uk-UA" sz="1600" b="0" i="0" u="none" strike="noStrike" cap="none" normalizeH="0" baseline="0" dirty="0">
+                <a:ln>
+                  <a:noFill/>
+                </a:ln>
+                <a:solidFill>
+                  <a:srgbClr val="A9B7C6"/>
+                </a:solidFill>
+                <a:effectLst/>
+                <a:latin typeface="Courier New" panose="02070309020205020404" pitchFamily="49" charset="0"/>
+                <a:cs typeface="Courier New" panose="02070309020205020404" pitchFamily="49" charset="0"/>
+              </a:rPr>
+              <a:t>(</a:t>
+            </a:r>
+            <a:r>
+              <a:rPr kumimoji="0" lang="uk-UA" altLang="uk-UA" sz="1600" b="0" i="0" u="none" strike="noStrike" cap="none" normalizeH="0" baseline="0" dirty="0" err="1">
+                <a:ln>
+                  <a:noFill/>
+                </a:ln>
+                <a:solidFill>
+                  <a:srgbClr val="A9B7C6"/>
+                </a:solidFill>
+                <a:effectLst/>
+                <a:latin typeface="Courier New" panose="02070309020205020404" pitchFamily="49" charset="0"/>
+                <a:cs typeface="Courier New" panose="02070309020205020404" pitchFamily="49" charset="0"/>
+              </a:rPr>
+              <a:t>Integer.</a:t>
+            </a:r>
+            <a:r>
+              <a:rPr kumimoji="0" lang="uk-UA" altLang="uk-UA" sz="1600" b="0" i="1" u="none" strike="noStrike" cap="none" normalizeH="0" baseline="0" dirty="0" err="1">
+                <a:ln>
+                  <a:noFill/>
+                </a:ln>
+                <a:solidFill>
+                  <a:srgbClr val="9876AA"/>
+                </a:solidFill>
+                <a:effectLst/>
+                <a:latin typeface="Courier New" panose="02070309020205020404" pitchFamily="49" charset="0"/>
+                <a:cs typeface="Courier New" panose="02070309020205020404" pitchFamily="49" charset="0"/>
+              </a:rPr>
+              <a:t>MIN_VALUE</a:t>
+            </a:r>
+            <a:r>
+              <a:rPr kumimoji="0" lang="uk-UA" altLang="uk-UA" sz="1600" b="0" i="0" u="none" strike="noStrike" cap="none" normalizeH="0" baseline="0" dirty="0">
+                <a:ln>
+                  <a:noFill/>
+                </a:ln>
+                <a:solidFill>
+                  <a:srgbClr val="A9B7C6"/>
+                </a:solidFill>
+                <a:effectLst/>
+                <a:latin typeface="Courier New" panose="02070309020205020404" pitchFamily="49" charset="0"/>
+                <a:cs typeface="Courier New" panose="02070309020205020404" pitchFamily="49" charset="0"/>
+              </a:rPr>
+              <a:t>)</a:t>
+            </a:r>
+            <a:r>
+              <a:rPr kumimoji="0" lang="uk-UA" altLang="uk-UA" sz="1600" b="0" i="0" u="none" strike="noStrike" cap="none" normalizeH="0" baseline="0" dirty="0">
+                <a:ln>
+                  <a:noFill/>
+                </a:ln>
+                <a:solidFill>
+                  <a:srgbClr val="CC7832"/>
+                </a:solidFill>
+                <a:effectLst/>
+                <a:latin typeface="Courier New" panose="02070309020205020404" pitchFamily="49" charset="0"/>
+                <a:cs typeface="Courier New" panose="02070309020205020404" pitchFamily="49" charset="0"/>
+              </a:rPr>
+              <a:t>;</a:t>
+            </a:r>
+            <a:r>
+              <a:rPr kumimoji="0" lang="uk-UA" altLang="uk-UA" sz="1600" b="0" i="0" u="none" strike="noStrike" cap="none" normalizeH="0" baseline="0" dirty="0">
+                <a:ln>
+                  <a:noFill/>
+                </a:ln>
+                <a:solidFill>
+                  <a:srgbClr val="808080"/>
+                </a:solidFill>
+                <a:effectLst/>
+                <a:latin typeface="Courier New" panose="02070309020205020404" pitchFamily="49" charset="0"/>
+                <a:cs typeface="Courier New" panose="02070309020205020404" pitchFamily="49" charset="0"/>
+              </a:rPr>
+              <a:t>//-2147483648</a:t>
+            </a:r>
+            <a:br>
+              <a:rPr kumimoji="0" lang="uk-UA" altLang="uk-UA" sz="1600" b="0" i="0" u="none" strike="noStrike" cap="none" normalizeH="0" baseline="0" dirty="0">
+                <a:ln>
+                  <a:noFill/>
+                </a:ln>
+                <a:solidFill>
+                  <a:srgbClr val="808080"/>
+                </a:solidFill>
+                <a:effectLst/>
+                <a:latin typeface="Courier New" panose="02070309020205020404" pitchFamily="49" charset="0"/>
+                <a:cs typeface="Courier New" panose="02070309020205020404" pitchFamily="49" charset="0"/>
+              </a:rPr>
+            </a:br>
+            <a:br>
+              <a:rPr kumimoji="0" lang="uk-UA" altLang="uk-UA" sz="1600" b="0" i="0" u="none" strike="noStrike" cap="none" normalizeH="0" baseline="0" dirty="0">
+                <a:ln>
+                  <a:noFill/>
+                </a:ln>
+                <a:solidFill>
+                  <a:srgbClr val="808080"/>
+                </a:solidFill>
+                <a:effectLst/>
+                <a:latin typeface="Courier New" panose="02070309020205020404" pitchFamily="49" charset="0"/>
+                <a:cs typeface="Courier New" panose="02070309020205020404" pitchFamily="49" charset="0"/>
+              </a:rPr>
+            </a:br>
+            <a:r>
+              <a:rPr kumimoji="0" lang="uk-UA" altLang="uk-UA" sz="1600" b="0" i="0" u="none" strike="noStrike" cap="none" normalizeH="0" baseline="0" dirty="0">
+                <a:ln>
+                  <a:noFill/>
+                </a:ln>
+                <a:solidFill>
+                  <a:srgbClr val="A9B7C6"/>
+                </a:solidFill>
+                <a:effectLst/>
+                <a:latin typeface="Courier New" panose="02070309020205020404" pitchFamily="49" charset="0"/>
+                <a:cs typeface="Courier New" panose="02070309020205020404" pitchFamily="49" charset="0"/>
+              </a:rPr>
+              <a:t>a = </a:t>
+            </a:r>
+            <a:r>
+              <a:rPr kumimoji="0" lang="uk-UA" altLang="uk-UA" sz="1600" b="0" i="0" u="none" strike="noStrike" cap="none" normalizeH="0" baseline="0" dirty="0" err="1">
+                <a:ln>
+                  <a:noFill/>
+                </a:ln>
+                <a:solidFill>
+                  <a:srgbClr val="A9B7C6"/>
+                </a:solidFill>
+                <a:effectLst/>
+                <a:latin typeface="Courier New" panose="02070309020205020404" pitchFamily="49" charset="0"/>
+                <a:cs typeface="Courier New" panose="02070309020205020404" pitchFamily="49" charset="0"/>
+              </a:rPr>
+              <a:t>Integer.</a:t>
+            </a:r>
+            <a:r>
+              <a:rPr kumimoji="0" lang="uk-UA" altLang="uk-UA" sz="1600" b="0" i="1" u="none" strike="noStrike" cap="none" normalizeH="0" baseline="0" dirty="0" err="1">
+                <a:ln>
+                  <a:noFill/>
+                </a:ln>
+                <a:solidFill>
+                  <a:srgbClr val="A9B7C6"/>
+                </a:solidFill>
+                <a:effectLst/>
+                <a:latin typeface="Courier New" panose="02070309020205020404" pitchFamily="49" charset="0"/>
+                <a:cs typeface="Courier New" panose="02070309020205020404" pitchFamily="49" charset="0"/>
+              </a:rPr>
+              <a:t>decode</a:t>
+            </a:r>
+            <a:r>
+              <a:rPr kumimoji="0" lang="uk-UA" altLang="uk-UA" sz="1600" b="0" i="0" u="none" strike="noStrike" cap="none" normalizeH="0" baseline="0" dirty="0">
+                <a:ln>
+                  <a:noFill/>
+                </a:ln>
+                <a:solidFill>
+                  <a:srgbClr val="A9B7C6"/>
+                </a:solidFill>
+                <a:effectLst/>
+                <a:latin typeface="Courier New" panose="02070309020205020404" pitchFamily="49" charset="0"/>
+                <a:cs typeface="Courier New" panose="02070309020205020404" pitchFamily="49" charset="0"/>
+              </a:rPr>
+              <a:t>(</a:t>
+            </a:r>
+            <a:r>
+              <a:rPr kumimoji="0" lang="uk-UA" altLang="uk-UA" sz="1600" b="0" i="0" u="none" strike="noStrike" cap="none" normalizeH="0" baseline="0" dirty="0">
+                <a:ln>
+                  <a:noFill/>
+                </a:ln>
+                <a:solidFill>
+                  <a:srgbClr val="6A8759"/>
+                </a:solidFill>
+                <a:effectLst/>
+                <a:latin typeface="Courier New" panose="02070309020205020404" pitchFamily="49" charset="0"/>
+                <a:cs typeface="Courier New" panose="02070309020205020404" pitchFamily="49" charset="0"/>
+              </a:rPr>
+              <a:t>"0xF"</a:t>
+            </a:r>
+            <a:r>
+              <a:rPr kumimoji="0" lang="uk-UA" altLang="uk-UA" sz="1600" b="0" i="0" u="none" strike="noStrike" cap="none" normalizeH="0" baseline="0" dirty="0">
+                <a:ln>
+                  <a:noFill/>
+                </a:ln>
+                <a:solidFill>
+                  <a:srgbClr val="A9B7C6"/>
+                </a:solidFill>
+                <a:effectLst/>
+                <a:latin typeface="Courier New" panose="02070309020205020404" pitchFamily="49" charset="0"/>
+                <a:cs typeface="Courier New" panose="02070309020205020404" pitchFamily="49" charset="0"/>
+              </a:rPr>
+              <a:t>)</a:t>
+            </a:r>
+            <a:r>
+              <a:rPr kumimoji="0" lang="uk-UA" altLang="uk-UA" sz="1600" b="0" i="0" u="none" strike="noStrike" cap="none" normalizeH="0" baseline="0" dirty="0">
+                <a:ln>
+                  <a:noFill/>
+                </a:ln>
+                <a:solidFill>
+                  <a:srgbClr val="CC7832"/>
+                </a:solidFill>
+                <a:effectLst/>
+                <a:latin typeface="Courier New" panose="02070309020205020404" pitchFamily="49" charset="0"/>
+                <a:cs typeface="Courier New" panose="02070309020205020404" pitchFamily="49" charset="0"/>
+              </a:rPr>
+              <a:t>;</a:t>
+            </a:r>
+            <a:r>
+              <a:rPr kumimoji="0" lang="uk-UA" altLang="uk-UA" sz="1600" b="0" i="0" u="none" strike="noStrike" cap="none" normalizeH="0" baseline="0" dirty="0">
+                <a:ln>
+                  <a:noFill/>
+                </a:ln>
+                <a:solidFill>
+                  <a:srgbClr val="808080"/>
+                </a:solidFill>
+                <a:effectLst/>
+                <a:latin typeface="Courier New" panose="02070309020205020404" pitchFamily="49" charset="0"/>
+                <a:cs typeface="Courier New" panose="02070309020205020404" pitchFamily="49" charset="0"/>
+              </a:rPr>
+              <a:t>//15</a:t>
+            </a:r>
+            <a:br>
+              <a:rPr kumimoji="0" lang="uk-UA" altLang="uk-UA" sz="1600" b="0" i="0" u="none" strike="noStrike" cap="none" normalizeH="0" baseline="0" dirty="0">
+                <a:ln>
+                  <a:noFill/>
+                </a:ln>
+                <a:solidFill>
+                  <a:srgbClr val="808080"/>
+                </a:solidFill>
+                <a:effectLst/>
+                <a:latin typeface="Courier New" panose="02070309020205020404" pitchFamily="49" charset="0"/>
+                <a:cs typeface="Courier New" panose="02070309020205020404" pitchFamily="49" charset="0"/>
+              </a:rPr>
+            </a:br>
+            <a:r>
+              <a:rPr kumimoji="0" lang="uk-UA" altLang="uk-UA" sz="1600" b="0" i="0" u="none" strike="noStrike" cap="none" normalizeH="0" baseline="0" dirty="0">
+                <a:ln>
+                  <a:noFill/>
+                </a:ln>
+                <a:solidFill>
+                  <a:srgbClr val="A9B7C6"/>
+                </a:solidFill>
+                <a:effectLst/>
+                <a:latin typeface="Courier New" panose="02070309020205020404" pitchFamily="49" charset="0"/>
+                <a:cs typeface="Courier New" panose="02070309020205020404" pitchFamily="49" charset="0"/>
+              </a:rPr>
+              <a:t>a = </a:t>
+            </a:r>
+            <a:r>
+              <a:rPr kumimoji="0" lang="uk-UA" altLang="uk-UA" sz="1600" b="0" i="0" u="none" strike="noStrike" cap="none" normalizeH="0" baseline="0" dirty="0" err="1">
+                <a:ln>
+                  <a:noFill/>
+                </a:ln>
+                <a:solidFill>
+                  <a:srgbClr val="A9B7C6"/>
+                </a:solidFill>
+                <a:effectLst/>
+                <a:latin typeface="Courier New" panose="02070309020205020404" pitchFamily="49" charset="0"/>
+                <a:cs typeface="Courier New" panose="02070309020205020404" pitchFamily="49" charset="0"/>
+              </a:rPr>
+              <a:t>Integer.</a:t>
+            </a:r>
+            <a:r>
+              <a:rPr kumimoji="0" lang="uk-UA" altLang="uk-UA" sz="1600" b="0" i="1" u="none" strike="noStrike" cap="none" normalizeH="0" baseline="0" dirty="0" err="1">
+                <a:ln>
+                  <a:noFill/>
+                </a:ln>
+                <a:solidFill>
+                  <a:srgbClr val="A9B7C6"/>
+                </a:solidFill>
+                <a:effectLst/>
+                <a:latin typeface="Courier New" panose="02070309020205020404" pitchFamily="49" charset="0"/>
+                <a:cs typeface="Courier New" panose="02070309020205020404" pitchFamily="49" charset="0"/>
+              </a:rPr>
+              <a:t>decode</a:t>
+            </a:r>
+            <a:r>
+              <a:rPr kumimoji="0" lang="uk-UA" altLang="uk-UA" sz="1600" b="0" i="0" u="none" strike="noStrike" cap="none" normalizeH="0" baseline="0" dirty="0">
+                <a:ln>
+                  <a:noFill/>
+                </a:ln>
+                <a:solidFill>
+                  <a:srgbClr val="A9B7C6"/>
+                </a:solidFill>
+                <a:effectLst/>
+                <a:latin typeface="Courier New" panose="02070309020205020404" pitchFamily="49" charset="0"/>
+                <a:cs typeface="Courier New" panose="02070309020205020404" pitchFamily="49" charset="0"/>
+              </a:rPr>
+              <a:t>(</a:t>
+            </a:r>
+            <a:r>
+              <a:rPr kumimoji="0" lang="uk-UA" altLang="uk-UA" sz="1600" b="0" i="0" u="none" strike="noStrike" cap="none" normalizeH="0" baseline="0" dirty="0">
+                <a:ln>
+                  <a:noFill/>
+                </a:ln>
+                <a:solidFill>
+                  <a:srgbClr val="6A8759"/>
+                </a:solidFill>
+                <a:effectLst/>
+                <a:latin typeface="Courier New" panose="02070309020205020404" pitchFamily="49" charset="0"/>
+                <a:cs typeface="Courier New" panose="02070309020205020404" pitchFamily="49" charset="0"/>
+              </a:rPr>
+              <a:t>"100"</a:t>
+            </a:r>
+            <a:r>
+              <a:rPr kumimoji="0" lang="uk-UA" altLang="uk-UA" sz="1600" b="0" i="0" u="none" strike="noStrike" cap="none" normalizeH="0" baseline="0" dirty="0">
+                <a:ln>
+                  <a:noFill/>
+                </a:ln>
+                <a:solidFill>
+                  <a:srgbClr val="A9B7C6"/>
+                </a:solidFill>
+                <a:effectLst/>
+                <a:latin typeface="Courier New" panose="02070309020205020404" pitchFamily="49" charset="0"/>
+                <a:cs typeface="Courier New" panose="02070309020205020404" pitchFamily="49" charset="0"/>
+              </a:rPr>
+              <a:t>)</a:t>
+            </a:r>
+            <a:r>
+              <a:rPr kumimoji="0" lang="uk-UA" altLang="uk-UA" sz="1600" b="0" i="0" u="none" strike="noStrike" cap="none" normalizeH="0" baseline="0" dirty="0">
+                <a:ln>
+                  <a:noFill/>
+                </a:ln>
+                <a:solidFill>
+                  <a:srgbClr val="CC7832"/>
+                </a:solidFill>
+                <a:effectLst/>
+                <a:latin typeface="Courier New" panose="02070309020205020404" pitchFamily="49" charset="0"/>
+                <a:cs typeface="Courier New" panose="02070309020205020404" pitchFamily="49" charset="0"/>
+              </a:rPr>
+              <a:t>;</a:t>
+            </a:r>
+            <a:r>
+              <a:rPr kumimoji="0" lang="uk-UA" altLang="uk-UA" sz="1600" b="0" i="0" u="none" strike="noStrike" cap="none" normalizeH="0" baseline="0" dirty="0">
+                <a:ln>
+                  <a:noFill/>
+                </a:ln>
+                <a:solidFill>
+                  <a:srgbClr val="808080"/>
+                </a:solidFill>
+                <a:effectLst/>
+                <a:latin typeface="Courier New" panose="02070309020205020404" pitchFamily="49" charset="0"/>
+                <a:cs typeface="Courier New" panose="02070309020205020404" pitchFamily="49" charset="0"/>
+              </a:rPr>
+              <a:t>//100</a:t>
+            </a:r>
+            <a:br>
+              <a:rPr kumimoji="0" lang="uk-UA" altLang="uk-UA" sz="1600" b="0" i="0" u="none" strike="noStrike" cap="none" normalizeH="0" baseline="0" dirty="0">
+                <a:ln>
+                  <a:noFill/>
+                </a:ln>
+                <a:solidFill>
+                  <a:srgbClr val="808080"/>
+                </a:solidFill>
+                <a:effectLst/>
+                <a:latin typeface="Courier New" panose="02070309020205020404" pitchFamily="49" charset="0"/>
+                <a:cs typeface="Courier New" panose="02070309020205020404" pitchFamily="49" charset="0"/>
+              </a:rPr>
+            </a:br>
+            <a:r>
+              <a:rPr kumimoji="0" lang="uk-UA" altLang="uk-UA" sz="1600" b="0" i="0" u="none" strike="noStrike" cap="none" normalizeH="0" baseline="0" dirty="0">
+                <a:ln>
+                  <a:noFill/>
+                </a:ln>
+                <a:solidFill>
+                  <a:srgbClr val="A9B7C6"/>
+                </a:solidFill>
+                <a:effectLst/>
+                <a:latin typeface="Courier New" panose="02070309020205020404" pitchFamily="49" charset="0"/>
+                <a:cs typeface="Courier New" panose="02070309020205020404" pitchFamily="49" charset="0"/>
+              </a:rPr>
+              <a:t>a = </a:t>
+            </a:r>
+            <a:r>
+              <a:rPr kumimoji="0" lang="uk-UA" altLang="uk-UA" sz="1600" b="0" i="0" u="none" strike="noStrike" cap="none" normalizeH="0" baseline="0" dirty="0" err="1">
+                <a:ln>
+                  <a:noFill/>
+                </a:ln>
+                <a:solidFill>
+                  <a:srgbClr val="A9B7C6"/>
+                </a:solidFill>
+                <a:effectLst/>
+                <a:latin typeface="Courier New" panose="02070309020205020404" pitchFamily="49" charset="0"/>
+                <a:cs typeface="Courier New" panose="02070309020205020404" pitchFamily="49" charset="0"/>
+              </a:rPr>
+              <a:t>Integer.</a:t>
+            </a:r>
+            <a:r>
+              <a:rPr kumimoji="0" lang="uk-UA" altLang="uk-UA" sz="1600" b="0" i="1" u="none" strike="noStrike" cap="none" normalizeH="0" baseline="0" dirty="0" err="1">
+                <a:ln>
+                  <a:noFill/>
+                </a:ln>
+                <a:solidFill>
+                  <a:srgbClr val="A9B7C6"/>
+                </a:solidFill>
+                <a:effectLst/>
+                <a:latin typeface="Courier New" panose="02070309020205020404" pitchFamily="49" charset="0"/>
+                <a:cs typeface="Courier New" panose="02070309020205020404" pitchFamily="49" charset="0"/>
+              </a:rPr>
+              <a:t>parseInt</a:t>
+            </a:r>
+            <a:r>
+              <a:rPr kumimoji="0" lang="uk-UA" altLang="uk-UA" sz="1600" b="0" i="0" u="none" strike="noStrike" cap="none" normalizeH="0" baseline="0" dirty="0">
+                <a:ln>
+                  <a:noFill/>
+                </a:ln>
+                <a:solidFill>
+                  <a:srgbClr val="A9B7C6"/>
+                </a:solidFill>
+                <a:effectLst/>
+                <a:latin typeface="Courier New" panose="02070309020205020404" pitchFamily="49" charset="0"/>
+                <a:cs typeface="Courier New" panose="02070309020205020404" pitchFamily="49" charset="0"/>
+              </a:rPr>
+              <a:t>(</a:t>
+            </a:r>
+            <a:r>
+              <a:rPr kumimoji="0" lang="uk-UA" altLang="uk-UA" sz="1600" b="0" i="0" u="none" strike="noStrike" cap="none" normalizeH="0" baseline="0" dirty="0">
+                <a:ln>
+                  <a:noFill/>
+                </a:ln>
+                <a:solidFill>
+                  <a:srgbClr val="6A8759"/>
+                </a:solidFill>
+                <a:effectLst/>
+                <a:latin typeface="Courier New" panose="02070309020205020404" pitchFamily="49" charset="0"/>
+                <a:cs typeface="Courier New" panose="02070309020205020404" pitchFamily="49" charset="0"/>
+              </a:rPr>
+              <a:t>"1100"</a:t>
+            </a:r>
+            <a:r>
+              <a:rPr kumimoji="0" lang="uk-UA" altLang="uk-UA" sz="1600" b="0" i="0" u="none" strike="noStrike" cap="none" normalizeH="0" baseline="0" dirty="0">
+                <a:ln>
+                  <a:noFill/>
+                </a:ln>
+                <a:solidFill>
+                  <a:srgbClr val="CC7832"/>
+                </a:solidFill>
+                <a:effectLst/>
+                <a:latin typeface="Courier New" panose="02070309020205020404" pitchFamily="49" charset="0"/>
+                <a:cs typeface="Courier New" panose="02070309020205020404" pitchFamily="49" charset="0"/>
+              </a:rPr>
+              <a:t>, </a:t>
+            </a:r>
+            <a:r>
+              <a:rPr kumimoji="0" lang="uk-UA" altLang="uk-UA" sz="1600" b="0" i="0" u="none" strike="noStrike" cap="none" normalizeH="0" baseline="0" dirty="0">
+                <a:ln>
+                  <a:noFill/>
+                </a:ln>
+                <a:solidFill>
+                  <a:srgbClr val="6897BB"/>
+                </a:solidFill>
+                <a:effectLst/>
+                <a:latin typeface="Courier New" panose="02070309020205020404" pitchFamily="49" charset="0"/>
+                <a:cs typeface="Courier New" panose="02070309020205020404" pitchFamily="49" charset="0"/>
+              </a:rPr>
+              <a:t>2</a:t>
+            </a:r>
+            <a:r>
+              <a:rPr kumimoji="0" lang="uk-UA" altLang="uk-UA" sz="1600" b="0" i="0" u="none" strike="noStrike" cap="none" normalizeH="0" baseline="0" dirty="0">
+                <a:ln>
+                  <a:noFill/>
+                </a:ln>
+                <a:solidFill>
+                  <a:srgbClr val="A9B7C6"/>
+                </a:solidFill>
+                <a:effectLst/>
+                <a:latin typeface="Courier New" panose="02070309020205020404" pitchFamily="49" charset="0"/>
+                <a:cs typeface="Courier New" panose="02070309020205020404" pitchFamily="49" charset="0"/>
+              </a:rPr>
+              <a:t>)</a:t>
+            </a:r>
+            <a:r>
+              <a:rPr kumimoji="0" lang="uk-UA" altLang="uk-UA" sz="1600" b="0" i="0" u="none" strike="noStrike" cap="none" normalizeH="0" baseline="0" dirty="0">
+                <a:ln>
+                  <a:noFill/>
+                </a:ln>
+                <a:solidFill>
+                  <a:srgbClr val="CC7832"/>
+                </a:solidFill>
+                <a:effectLst/>
+                <a:latin typeface="Courier New" panose="02070309020205020404" pitchFamily="49" charset="0"/>
+                <a:cs typeface="Courier New" panose="02070309020205020404" pitchFamily="49" charset="0"/>
+              </a:rPr>
+              <a:t>;</a:t>
+            </a:r>
+            <a:r>
+              <a:rPr kumimoji="0" lang="uk-UA" altLang="uk-UA" sz="1600" b="0" i="0" u="none" strike="noStrike" cap="none" normalizeH="0" baseline="0" dirty="0">
+                <a:ln>
+                  <a:noFill/>
+                </a:ln>
+                <a:solidFill>
+                  <a:srgbClr val="808080"/>
+                </a:solidFill>
+                <a:effectLst/>
+                <a:latin typeface="Courier New" panose="02070309020205020404" pitchFamily="49" charset="0"/>
+                <a:cs typeface="Courier New" panose="02070309020205020404" pitchFamily="49" charset="0"/>
+              </a:rPr>
+              <a:t>//12</a:t>
+            </a:r>
+            <a:br>
+              <a:rPr kumimoji="0" lang="uk-UA" altLang="uk-UA" sz="1600" b="0" i="0" u="none" strike="noStrike" cap="none" normalizeH="0" baseline="0" dirty="0">
+                <a:ln>
+                  <a:noFill/>
+                </a:ln>
+                <a:solidFill>
+                  <a:srgbClr val="808080"/>
+                </a:solidFill>
+                <a:effectLst/>
+                <a:latin typeface="Courier New" panose="02070309020205020404" pitchFamily="49" charset="0"/>
+                <a:cs typeface="Courier New" panose="02070309020205020404" pitchFamily="49" charset="0"/>
+              </a:rPr>
+            </a:br>
+            <a:br>
+              <a:rPr kumimoji="0" lang="uk-UA" altLang="uk-UA" sz="1600" b="0" i="0" u="none" strike="noStrike" cap="none" normalizeH="0" baseline="0" dirty="0">
+                <a:ln>
+                  <a:noFill/>
+                </a:ln>
+                <a:solidFill>
+                  <a:srgbClr val="808080"/>
+                </a:solidFill>
+                <a:effectLst/>
+                <a:latin typeface="Courier New" panose="02070309020205020404" pitchFamily="49" charset="0"/>
+                <a:cs typeface="Courier New" panose="02070309020205020404" pitchFamily="49" charset="0"/>
+              </a:rPr>
+            </a:br>
+            <a:r>
+              <a:rPr kumimoji="0" lang="uk-UA" altLang="uk-UA" sz="1600" b="0" i="0" u="none" strike="noStrike" cap="none" normalizeH="0" baseline="0" dirty="0" err="1">
+                <a:ln>
+                  <a:noFill/>
+                </a:ln>
+                <a:solidFill>
+                  <a:srgbClr val="A9B7C6"/>
+                </a:solidFill>
+                <a:effectLst/>
+                <a:latin typeface="Courier New" panose="02070309020205020404" pitchFamily="49" charset="0"/>
+                <a:cs typeface="Courier New" panose="02070309020205020404" pitchFamily="49" charset="0"/>
+              </a:rPr>
+              <a:t>String</a:t>
+            </a:r>
+            <a:r>
+              <a:rPr kumimoji="0" lang="uk-UA" altLang="uk-UA" sz="1600" b="0" i="0" u="none" strike="noStrike" cap="none" normalizeH="0" baseline="0" dirty="0">
+                <a:ln>
+                  <a:noFill/>
+                </a:ln>
+                <a:solidFill>
+                  <a:srgbClr val="A9B7C6"/>
+                </a:solidFill>
+                <a:effectLst/>
+                <a:latin typeface="Courier New" panose="02070309020205020404" pitchFamily="49" charset="0"/>
+                <a:cs typeface="Courier New" panose="02070309020205020404" pitchFamily="49" charset="0"/>
+              </a:rPr>
+              <a:t> </a:t>
+            </a:r>
+            <a:r>
+              <a:rPr kumimoji="0" lang="uk-UA" altLang="uk-UA" sz="1600" b="0" i="0" u="none" strike="noStrike" cap="none" normalizeH="0" baseline="0" dirty="0" err="1">
+                <a:ln>
+                  <a:noFill/>
+                </a:ln>
+                <a:solidFill>
+                  <a:srgbClr val="A9B7C6"/>
+                </a:solidFill>
+                <a:effectLst/>
+                <a:latin typeface="Courier New" panose="02070309020205020404" pitchFamily="49" charset="0"/>
+                <a:cs typeface="Courier New" panose="02070309020205020404" pitchFamily="49" charset="0"/>
+              </a:rPr>
+              <a:t>str</a:t>
+            </a:r>
+            <a:r>
+              <a:rPr kumimoji="0" lang="uk-UA" altLang="uk-UA" sz="1600" b="0" i="0" u="none" strike="noStrike" cap="none" normalizeH="0" baseline="0" dirty="0">
+                <a:ln>
+                  <a:noFill/>
+                </a:ln>
+                <a:solidFill>
+                  <a:srgbClr val="A9B7C6"/>
+                </a:solidFill>
+                <a:effectLst/>
+                <a:latin typeface="Courier New" panose="02070309020205020404" pitchFamily="49" charset="0"/>
+                <a:cs typeface="Courier New" panose="02070309020205020404" pitchFamily="49" charset="0"/>
+              </a:rPr>
+              <a:t> = </a:t>
+            </a:r>
+            <a:r>
+              <a:rPr kumimoji="0" lang="uk-UA" altLang="uk-UA" sz="1600" b="0" i="0" u="none" strike="noStrike" cap="none" normalizeH="0" baseline="0" dirty="0" err="1">
+                <a:ln>
+                  <a:noFill/>
+                </a:ln>
+                <a:solidFill>
+                  <a:srgbClr val="A9B7C6"/>
+                </a:solidFill>
+                <a:effectLst/>
+                <a:latin typeface="Courier New" panose="02070309020205020404" pitchFamily="49" charset="0"/>
+                <a:cs typeface="Courier New" panose="02070309020205020404" pitchFamily="49" charset="0"/>
+              </a:rPr>
+              <a:t>Integer.</a:t>
+            </a:r>
+            <a:r>
+              <a:rPr kumimoji="0" lang="uk-UA" altLang="uk-UA" sz="1600" b="0" i="1" u="none" strike="noStrike" cap="none" normalizeH="0" baseline="0" dirty="0" err="1">
+                <a:ln>
+                  <a:noFill/>
+                </a:ln>
+                <a:solidFill>
+                  <a:srgbClr val="A9B7C6"/>
+                </a:solidFill>
+                <a:effectLst/>
+                <a:latin typeface="Courier New" panose="02070309020205020404" pitchFamily="49" charset="0"/>
+                <a:cs typeface="Courier New" panose="02070309020205020404" pitchFamily="49" charset="0"/>
+              </a:rPr>
+              <a:t>toBinaryString</a:t>
+            </a:r>
+            <a:r>
+              <a:rPr kumimoji="0" lang="uk-UA" altLang="uk-UA" sz="1600" b="0" i="0" u="none" strike="noStrike" cap="none" normalizeH="0" baseline="0" dirty="0">
+                <a:ln>
+                  <a:noFill/>
+                </a:ln>
+                <a:solidFill>
+                  <a:srgbClr val="A9B7C6"/>
+                </a:solidFill>
+                <a:effectLst/>
+                <a:latin typeface="Courier New" panose="02070309020205020404" pitchFamily="49" charset="0"/>
+                <a:cs typeface="Courier New" panose="02070309020205020404" pitchFamily="49" charset="0"/>
+              </a:rPr>
+              <a:t>(</a:t>
+            </a:r>
+            <a:r>
+              <a:rPr kumimoji="0" lang="uk-UA" altLang="uk-UA" sz="1600" b="0" i="0" u="none" strike="noStrike" cap="none" normalizeH="0" baseline="0" dirty="0">
+                <a:ln>
+                  <a:noFill/>
+                </a:ln>
+                <a:solidFill>
+                  <a:srgbClr val="6897BB"/>
+                </a:solidFill>
+                <a:effectLst/>
+                <a:latin typeface="Courier New" panose="02070309020205020404" pitchFamily="49" charset="0"/>
+                <a:cs typeface="Courier New" panose="02070309020205020404" pitchFamily="49" charset="0"/>
+              </a:rPr>
+              <a:t>3</a:t>
+            </a:r>
+            <a:r>
+              <a:rPr kumimoji="0" lang="uk-UA" altLang="uk-UA" sz="1600" b="0" i="0" u="none" strike="noStrike" cap="none" normalizeH="0" baseline="0" dirty="0">
+                <a:ln>
+                  <a:noFill/>
+                </a:ln>
+                <a:solidFill>
+                  <a:srgbClr val="A9B7C6"/>
+                </a:solidFill>
+                <a:effectLst/>
+                <a:latin typeface="Courier New" panose="02070309020205020404" pitchFamily="49" charset="0"/>
+                <a:cs typeface="Courier New" panose="02070309020205020404" pitchFamily="49" charset="0"/>
+              </a:rPr>
+              <a:t>)</a:t>
+            </a:r>
+            <a:r>
+              <a:rPr kumimoji="0" lang="uk-UA" altLang="uk-UA" sz="1600" b="0" i="0" u="none" strike="noStrike" cap="none" normalizeH="0" baseline="0" dirty="0">
+                <a:ln>
+                  <a:noFill/>
+                </a:ln>
+                <a:solidFill>
+                  <a:srgbClr val="CC7832"/>
+                </a:solidFill>
+                <a:effectLst/>
+                <a:latin typeface="Courier New" panose="02070309020205020404" pitchFamily="49" charset="0"/>
+                <a:cs typeface="Courier New" panose="02070309020205020404" pitchFamily="49" charset="0"/>
+              </a:rPr>
+              <a:t>;</a:t>
+            </a:r>
+            <a:r>
+              <a:rPr kumimoji="0" lang="uk-UA" altLang="uk-UA" sz="1600" b="0" i="0" u="none" strike="noStrike" cap="none" normalizeH="0" baseline="0" dirty="0">
+                <a:ln>
+                  <a:noFill/>
+                </a:ln>
+                <a:solidFill>
+                  <a:srgbClr val="808080"/>
+                </a:solidFill>
+                <a:effectLst/>
+                <a:latin typeface="Courier New" panose="02070309020205020404" pitchFamily="49" charset="0"/>
+                <a:cs typeface="Courier New" panose="02070309020205020404" pitchFamily="49" charset="0"/>
+              </a:rPr>
+              <a:t>//11</a:t>
+            </a:r>
+            <a:endParaRPr kumimoji="0" lang="uk-UA" altLang="uk-UA" sz="3600" b="0" i="0" u="none" strike="noStrike" cap="none" normalizeH="0" baseline="0" dirty="0">
+              <a:ln>
+                <a:noFill/>
+              </a:ln>
+              <a:solidFill>
+                <a:schemeClr val="tx1"/>
+              </a:solidFill>
+              <a:effectLst/>
+              <a:latin typeface="Courier New" panose="02070309020205020404" pitchFamily="49" charset="0"/>
+              <a:cs typeface="Courier New" panose="02070309020205020404" pitchFamily="49" charset="0"/>
+            </a:endParaRPr>
+          </a:p>
+        </p:txBody>
+      </p:sp>
+      <p:sp>
+        <p:nvSpPr>
+          <p:cNvPr id="4" name="Rectangle 16">
+            <a:extLst>
+              <a:ext uri="{FF2B5EF4-FFF2-40B4-BE49-F238E27FC236}">
+                <a16:creationId xmlns:a16="http://schemas.microsoft.com/office/drawing/2014/main" id="{401859B5-6A64-413F-A36B-F03BC5D4389E}"/>
+              </a:ext>
+            </a:extLst>
+          </p:cNvPr>
+          <p:cNvSpPr>
+            <a:spLocks noChangeArrowheads="1"/>
+          </p:cNvSpPr>
+          <p:nvPr/>
+        </p:nvSpPr>
+        <p:spPr bwMode="auto">
+          <a:xfrm>
+            <a:off x="2098675" y="1325538"/>
+            <a:ext cx="5422900" cy="2031325"/>
+          </a:xfrm>
+          <a:prstGeom prst="rect">
+            <a:avLst/>
+          </a:prstGeom>
+          <a:noFill/>
+          <a:ln>
+            <a:noFill/>
+          </a:ln>
+          <a:effectLst/>
+        </p:spPr>
+        <p:txBody>
+          <a:bodyPr vert="horz" wrap="square" lIns="91440" tIns="45720" rIns="91440" bIns="45720" numCol="1" anchor="ctr" anchorCtr="0" compatLnSpc="1">
+            <a:prstTxWarp prst="textNoShape">
+              <a:avLst/>
+            </a:prstTxWarp>
+            <a:spAutoFit/>
+          </a:bodyPr>
+          <a:lstStyle/>
+          <a:p>
+            <a:pPr marL="0" marR="0" lvl="0" indent="0" algn="l" defTabSz="914400" rtl="0" eaLnBrk="0" fontAlgn="base" latinLnBrk="0" hangingPunct="0">
+              <a:lnSpc>
+                <a:spcPct val="100000"/>
+              </a:lnSpc>
+              <a:spcBef>
+                <a:spcPct val="0"/>
+              </a:spcBef>
+              <a:spcAft>
+                <a:spcPct val="0"/>
+              </a:spcAft>
+              <a:buClrTx/>
+              <a:buSzTx/>
+              <a:buFontTx/>
+              <a:buNone/>
+              <a:tabLst/>
+            </a:pPr>
+            <a:r>
+              <a:rPr kumimoji="0" lang="uk-UA" altLang="uk-UA" sz="1400" b="0" i="0" u="none" strike="noStrike" cap="none" normalizeH="0" baseline="0" dirty="0" err="1">
+                <a:ln>
+                  <a:noFill/>
+                </a:ln>
+                <a:solidFill>
+                  <a:srgbClr val="CC7832"/>
+                </a:solidFill>
+                <a:effectLst/>
+                <a:latin typeface="Courier New" panose="02070309020205020404" pitchFamily="49" charset="0"/>
+                <a:cs typeface="Courier New" panose="02070309020205020404" pitchFamily="49" charset="0"/>
+              </a:rPr>
+              <a:t>static</a:t>
+            </a:r>
+            <a:r>
+              <a:rPr kumimoji="0" lang="uk-UA" altLang="uk-UA" sz="1400" b="0" i="0" u="none" strike="noStrike" cap="none" normalizeH="0" baseline="0" dirty="0">
+                <a:ln>
+                  <a:noFill/>
+                </a:ln>
+                <a:solidFill>
+                  <a:srgbClr val="CC7832"/>
+                </a:solidFill>
+                <a:effectLst/>
+                <a:latin typeface="Courier New" panose="02070309020205020404" pitchFamily="49" charset="0"/>
+                <a:cs typeface="Courier New" panose="02070309020205020404" pitchFamily="49" charset="0"/>
+              </a:rPr>
+              <a:t> </a:t>
+            </a:r>
+            <a:r>
+              <a:rPr kumimoji="0" lang="uk-UA" altLang="uk-UA" sz="1400" b="0" i="0" u="none" strike="noStrike" cap="none" normalizeH="0" baseline="0" dirty="0" err="1">
+                <a:ln>
+                  <a:noFill/>
+                </a:ln>
+                <a:solidFill>
+                  <a:srgbClr val="A9B7C6"/>
+                </a:solidFill>
+                <a:effectLst/>
+                <a:latin typeface="Courier New" panose="02070309020205020404" pitchFamily="49" charset="0"/>
+                <a:cs typeface="Courier New" panose="02070309020205020404" pitchFamily="49" charset="0"/>
+              </a:rPr>
+              <a:t>Integer</a:t>
+            </a:r>
+            <a:r>
+              <a:rPr kumimoji="0" lang="uk-UA" altLang="uk-UA" sz="1400" b="0" i="0" u="none" strike="noStrike" cap="none" normalizeH="0" baseline="0" dirty="0">
+                <a:ln>
+                  <a:noFill/>
+                </a:ln>
+                <a:solidFill>
+                  <a:srgbClr val="A9B7C6"/>
+                </a:solidFill>
+                <a:effectLst/>
+                <a:latin typeface="Courier New" panose="02070309020205020404" pitchFamily="49" charset="0"/>
+                <a:cs typeface="Courier New" panose="02070309020205020404" pitchFamily="49" charset="0"/>
+              </a:rPr>
+              <a:t> </a:t>
+            </a:r>
+            <a:r>
+              <a:rPr kumimoji="0" lang="uk-UA" altLang="uk-UA" sz="1400" b="0" i="0" u="none" strike="noStrike" cap="none" normalizeH="0" baseline="0" dirty="0" err="1">
+                <a:ln>
+                  <a:noFill/>
+                </a:ln>
+                <a:solidFill>
+                  <a:srgbClr val="A9B7C6"/>
+                </a:solidFill>
+                <a:effectLst/>
+                <a:latin typeface="Courier New" panose="02070309020205020404" pitchFamily="49" charset="0"/>
+                <a:cs typeface="Courier New" panose="02070309020205020404" pitchFamily="49" charset="0"/>
+              </a:rPr>
+              <a:t>decode</a:t>
+            </a:r>
+            <a:r>
+              <a:rPr kumimoji="0" lang="uk-UA" altLang="uk-UA" sz="1400" b="0" i="0" u="none" strike="noStrike" cap="none" normalizeH="0" baseline="0" dirty="0">
+                <a:ln>
+                  <a:noFill/>
+                </a:ln>
+                <a:solidFill>
+                  <a:srgbClr val="A9B7C6"/>
+                </a:solidFill>
+                <a:effectLst/>
+                <a:latin typeface="Courier New" panose="02070309020205020404" pitchFamily="49" charset="0"/>
+                <a:cs typeface="Courier New" panose="02070309020205020404" pitchFamily="49" charset="0"/>
+              </a:rPr>
+              <a:t>(</a:t>
+            </a:r>
+            <a:r>
+              <a:rPr kumimoji="0" lang="uk-UA" altLang="uk-UA" sz="1400" b="0" i="0" u="none" strike="noStrike" cap="none" normalizeH="0" baseline="0" dirty="0" err="1">
+                <a:ln>
+                  <a:noFill/>
+                </a:ln>
+                <a:solidFill>
+                  <a:srgbClr val="A9B7C6"/>
+                </a:solidFill>
+                <a:effectLst/>
+                <a:latin typeface="Courier New" panose="02070309020205020404" pitchFamily="49" charset="0"/>
+                <a:cs typeface="Courier New" panose="02070309020205020404" pitchFamily="49" charset="0"/>
+              </a:rPr>
+              <a:t>String</a:t>
+            </a:r>
+            <a:r>
+              <a:rPr kumimoji="0" lang="uk-UA" altLang="uk-UA" sz="1400" b="0" i="0" u="none" strike="noStrike" cap="none" normalizeH="0" baseline="0" dirty="0">
+                <a:ln>
+                  <a:noFill/>
+                </a:ln>
+                <a:solidFill>
+                  <a:srgbClr val="A9B7C6"/>
+                </a:solidFill>
+                <a:effectLst/>
+                <a:latin typeface="Courier New" panose="02070309020205020404" pitchFamily="49" charset="0"/>
+                <a:cs typeface="Courier New" panose="02070309020205020404" pitchFamily="49" charset="0"/>
+              </a:rPr>
+              <a:t> s)</a:t>
+            </a:r>
+            <a:br>
+              <a:rPr kumimoji="0" lang="uk-UA" altLang="uk-UA" sz="1400" b="0" i="0" u="none" strike="noStrike" cap="none" normalizeH="0" baseline="0" dirty="0">
+                <a:ln>
+                  <a:noFill/>
+                </a:ln>
+                <a:solidFill>
+                  <a:srgbClr val="A9B7C6"/>
+                </a:solidFill>
+                <a:effectLst/>
+                <a:latin typeface="Courier New" panose="02070309020205020404" pitchFamily="49" charset="0"/>
+                <a:cs typeface="Courier New" panose="02070309020205020404" pitchFamily="49" charset="0"/>
+              </a:rPr>
+            </a:br>
+            <a:r>
+              <a:rPr kumimoji="0" lang="uk-UA" altLang="uk-UA" sz="1400" b="0" i="0" u="none" strike="noStrike" cap="none" normalizeH="0" baseline="0" dirty="0" err="1">
+                <a:ln>
+                  <a:noFill/>
+                </a:ln>
+                <a:solidFill>
+                  <a:srgbClr val="CC7832"/>
+                </a:solidFill>
+                <a:effectLst/>
+                <a:latin typeface="Courier New" panose="02070309020205020404" pitchFamily="49" charset="0"/>
+                <a:cs typeface="Courier New" panose="02070309020205020404" pitchFamily="49" charset="0"/>
+              </a:rPr>
+              <a:t>static</a:t>
+            </a:r>
+            <a:r>
+              <a:rPr kumimoji="0" lang="uk-UA" altLang="uk-UA" sz="1400" b="0" i="0" u="none" strike="noStrike" cap="none" normalizeH="0" baseline="0" dirty="0">
+                <a:ln>
+                  <a:noFill/>
+                </a:ln>
+                <a:solidFill>
+                  <a:srgbClr val="CC7832"/>
+                </a:solidFill>
+                <a:effectLst/>
+                <a:latin typeface="Courier New" panose="02070309020205020404" pitchFamily="49" charset="0"/>
+                <a:cs typeface="Courier New" panose="02070309020205020404" pitchFamily="49" charset="0"/>
+              </a:rPr>
+              <a:t> </a:t>
+            </a:r>
+            <a:r>
+              <a:rPr kumimoji="0" lang="uk-UA" altLang="uk-UA" sz="1400" b="0" i="0" u="none" strike="noStrike" cap="none" normalizeH="0" baseline="0" dirty="0" err="1">
+                <a:ln>
+                  <a:noFill/>
+                </a:ln>
+                <a:solidFill>
+                  <a:srgbClr val="CC7832"/>
+                </a:solidFill>
+                <a:effectLst/>
+                <a:latin typeface="Courier New" panose="02070309020205020404" pitchFamily="49" charset="0"/>
+                <a:cs typeface="Courier New" panose="02070309020205020404" pitchFamily="49" charset="0"/>
+              </a:rPr>
+              <a:t>int</a:t>
+            </a:r>
+            <a:r>
+              <a:rPr kumimoji="0" lang="uk-UA" altLang="uk-UA" sz="1400" b="0" i="0" u="none" strike="noStrike" cap="none" normalizeH="0" baseline="0" dirty="0">
+                <a:ln>
+                  <a:noFill/>
+                </a:ln>
+                <a:solidFill>
+                  <a:srgbClr val="CC7832"/>
+                </a:solidFill>
+                <a:effectLst/>
+                <a:latin typeface="Courier New" panose="02070309020205020404" pitchFamily="49" charset="0"/>
+                <a:cs typeface="Courier New" panose="02070309020205020404" pitchFamily="49" charset="0"/>
+              </a:rPr>
+              <a:t> </a:t>
+            </a:r>
+            <a:r>
+              <a:rPr kumimoji="0" lang="uk-UA" altLang="uk-UA" sz="1400" b="0" i="0" u="none" strike="noStrike" cap="none" normalizeH="0" baseline="0" dirty="0" err="1">
+                <a:ln>
+                  <a:noFill/>
+                </a:ln>
+                <a:solidFill>
+                  <a:srgbClr val="A9B7C6"/>
+                </a:solidFill>
+                <a:effectLst/>
+                <a:latin typeface="Courier New" panose="02070309020205020404" pitchFamily="49" charset="0"/>
+                <a:cs typeface="Courier New" panose="02070309020205020404" pitchFamily="49" charset="0"/>
+              </a:rPr>
+              <a:t>parseInt</a:t>
+            </a:r>
+            <a:r>
+              <a:rPr kumimoji="0" lang="uk-UA" altLang="uk-UA" sz="1400" b="0" i="0" u="none" strike="noStrike" cap="none" normalizeH="0" baseline="0" dirty="0">
+                <a:ln>
+                  <a:noFill/>
+                </a:ln>
+                <a:solidFill>
+                  <a:srgbClr val="A9B7C6"/>
+                </a:solidFill>
+                <a:effectLst/>
+                <a:latin typeface="Courier New" panose="02070309020205020404" pitchFamily="49" charset="0"/>
+                <a:cs typeface="Courier New" panose="02070309020205020404" pitchFamily="49" charset="0"/>
+              </a:rPr>
+              <a:t>(</a:t>
+            </a:r>
+            <a:r>
+              <a:rPr kumimoji="0" lang="uk-UA" altLang="uk-UA" sz="1400" b="0" i="0" u="none" strike="noStrike" cap="none" normalizeH="0" baseline="0" dirty="0" err="1">
+                <a:ln>
+                  <a:noFill/>
+                </a:ln>
+                <a:solidFill>
+                  <a:srgbClr val="A9B7C6"/>
+                </a:solidFill>
+                <a:effectLst/>
+                <a:latin typeface="Courier New" panose="02070309020205020404" pitchFamily="49" charset="0"/>
+                <a:cs typeface="Courier New" panose="02070309020205020404" pitchFamily="49" charset="0"/>
+              </a:rPr>
+              <a:t>String</a:t>
+            </a:r>
+            <a:r>
+              <a:rPr kumimoji="0" lang="uk-UA" altLang="uk-UA" sz="1400" b="0" i="0" u="none" strike="noStrike" cap="none" normalizeH="0" baseline="0" dirty="0">
+                <a:ln>
+                  <a:noFill/>
+                </a:ln>
+                <a:solidFill>
+                  <a:srgbClr val="A9B7C6"/>
+                </a:solidFill>
+                <a:effectLst/>
+                <a:latin typeface="Courier New" panose="02070309020205020404" pitchFamily="49" charset="0"/>
+                <a:cs typeface="Courier New" panose="02070309020205020404" pitchFamily="49" charset="0"/>
+              </a:rPr>
+              <a:t> s)</a:t>
+            </a:r>
+            <a:br>
+              <a:rPr kumimoji="0" lang="uk-UA" altLang="uk-UA" sz="1400" b="0" i="0" u="none" strike="noStrike" cap="none" normalizeH="0" baseline="0" dirty="0">
+                <a:ln>
+                  <a:noFill/>
+                </a:ln>
+                <a:solidFill>
+                  <a:srgbClr val="A9B7C6"/>
+                </a:solidFill>
+                <a:effectLst/>
+                <a:latin typeface="Courier New" panose="02070309020205020404" pitchFamily="49" charset="0"/>
+                <a:cs typeface="Courier New" panose="02070309020205020404" pitchFamily="49" charset="0"/>
+              </a:rPr>
+            </a:br>
+            <a:r>
+              <a:rPr kumimoji="0" lang="uk-UA" altLang="uk-UA" sz="1400" b="0" i="0" u="none" strike="noStrike" cap="none" normalizeH="0" baseline="0" dirty="0" err="1">
+                <a:ln>
+                  <a:noFill/>
+                </a:ln>
+                <a:solidFill>
+                  <a:srgbClr val="CC7832"/>
+                </a:solidFill>
+                <a:effectLst/>
+                <a:latin typeface="Courier New" panose="02070309020205020404" pitchFamily="49" charset="0"/>
+                <a:cs typeface="Courier New" panose="02070309020205020404" pitchFamily="49" charset="0"/>
+              </a:rPr>
+              <a:t>static</a:t>
+            </a:r>
+            <a:r>
+              <a:rPr kumimoji="0" lang="uk-UA" altLang="uk-UA" sz="1400" b="0" i="0" u="none" strike="noStrike" cap="none" normalizeH="0" baseline="0" dirty="0">
+                <a:ln>
+                  <a:noFill/>
+                </a:ln>
+                <a:solidFill>
+                  <a:srgbClr val="CC7832"/>
+                </a:solidFill>
+                <a:effectLst/>
+                <a:latin typeface="Courier New" panose="02070309020205020404" pitchFamily="49" charset="0"/>
+                <a:cs typeface="Courier New" panose="02070309020205020404" pitchFamily="49" charset="0"/>
+              </a:rPr>
+              <a:t> </a:t>
+            </a:r>
+            <a:r>
+              <a:rPr kumimoji="0" lang="uk-UA" altLang="uk-UA" sz="1400" b="0" i="0" u="none" strike="noStrike" cap="none" normalizeH="0" baseline="0" dirty="0" err="1">
+                <a:ln>
+                  <a:noFill/>
+                </a:ln>
+                <a:solidFill>
+                  <a:srgbClr val="CC7832"/>
+                </a:solidFill>
+                <a:effectLst/>
+                <a:latin typeface="Courier New" panose="02070309020205020404" pitchFamily="49" charset="0"/>
+                <a:cs typeface="Courier New" panose="02070309020205020404" pitchFamily="49" charset="0"/>
+              </a:rPr>
+              <a:t>int</a:t>
+            </a:r>
+            <a:r>
+              <a:rPr kumimoji="0" lang="uk-UA" altLang="uk-UA" sz="1400" b="0" i="0" u="none" strike="noStrike" cap="none" normalizeH="0" baseline="0" dirty="0">
+                <a:ln>
+                  <a:noFill/>
+                </a:ln>
+                <a:solidFill>
+                  <a:srgbClr val="CC7832"/>
+                </a:solidFill>
+                <a:effectLst/>
+                <a:latin typeface="Courier New" panose="02070309020205020404" pitchFamily="49" charset="0"/>
+                <a:cs typeface="Courier New" panose="02070309020205020404" pitchFamily="49" charset="0"/>
+              </a:rPr>
+              <a:t> </a:t>
+            </a:r>
+            <a:r>
+              <a:rPr kumimoji="0" lang="uk-UA" altLang="uk-UA" sz="1400" b="0" i="0" u="none" strike="noStrike" cap="none" normalizeH="0" baseline="0" dirty="0" err="1">
+                <a:ln>
+                  <a:noFill/>
+                </a:ln>
+                <a:solidFill>
+                  <a:srgbClr val="A9B7C6"/>
+                </a:solidFill>
+                <a:effectLst/>
+                <a:latin typeface="Courier New" panose="02070309020205020404" pitchFamily="49" charset="0"/>
+                <a:cs typeface="Courier New" panose="02070309020205020404" pitchFamily="49" charset="0"/>
+              </a:rPr>
+              <a:t>parseInt</a:t>
+            </a:r>
+            <a:r>
+              <a:rPr kumimoji="0" lang="uk-UA" altLang="uk-UA" sz="1400" b="0" i="0" u="none" strike="noStrike" cap="none" normalizeH="0" baseline="0" dirty="0">
+                <a:ln>
+                  <a:noFill/>
+                </a:ln>
+                <a:solidFill>
+                  <a:srgbClr val="A9B7C6"/>
+                </a:solidFill>
+                <a:effectLst/>
+                <a:latin typeface="Courier New" panose="02070309020205020404" pitchFamily="49" charset="0"/>
+                <a:cs typeface="Courier New" panose="02070309020205020404" pitchFamily="49" charset="0"/>
+              </a:rPr>
+              <a:t>(</a:t>
+            </a:r>
+            <a:r>
+              <a:rPr kumimoji="0" lang="uk-UA" altLang="uk-UA" sz="1400" b="0" i="0" u="none" strike="noStrike" cap="none" normalizeH="0" baseline="0" dirty="0" err="1">
+                <a:ln>
+                  <a:noFill/>
+                </a:ln>
+                <a:solidFill>
+                  <a:srgbClr val="A9B7C6"/>
+                </a:solidFill>
+                <a:effectLst/>
+                <a:latin typeface="Courier New" panose="02070309020205020404" pitchFamily="49" charset="0"/>
+                <a:cs typeface="Courier New" panose="02070309020205020404" pitchFamily="49" charset="0"/>
+              </a:rPr>
+              <a:t>String</a:t>
+            </a:r>
+            <a:r>
+              <a:rPr kumimoji="0" lang="uk-UA" altLang="uk-UA" sz="1400" b="0" i="0" u="none" strike="noStrike" cap="none" normalizeH="0" baseline="0" dirty="0">
+                <a:ln>
+                  <a:noFill/>
+                </a:ln>
+                <a:solidFill>
+                  <a:srgbClr val="A9B7C6"/>
+                </a:solidFill>
+                <a:effectLst/>
+                <a:latin typeface="Courier New" panose="02070309020205020404" pitchFamily="49" charset="0"/>
+                <a:cs typeface="Courier New" panose="02070309020205020404" pitchFamily="49" charset="0"/>
+              </a:rPr>
+              <a:t> s</a:t>
+            </a:r>
+            <a:r>
+              <a:rPr kumimoji="0" lang="uk-UA" altLang="uk-UA" sz="1400" b="0" i="0" u="none" strike="noStrike" cap="none" normalizeH="0" baseline="0" dirty="0">
+                <a:ln>
+                  <a:noFill/>
+                </a:ln>
+                <a:solidFill>
+                  <a:srgbClr val="CC7832"/>
+                </a:solidFill>
+                <a:effectLst/>
+                <a:latin typeface="Courier New" panose="02070309020205020404" pitchFamily="49" charset="0"/>
+                <a:cs typeface="Courier New" panose="02070309020205020404" pitchFamily="49" charset="0"/>
+              </a:rPr>
+              <a:t>, </a:t>
+            </a:r>
+            <a:r>
+              <a:rPr kumimoji="0" lang="uk-UA" altLang="uk-UA" sz="1400" b="0" i="0" u="none" strike="noStrike" cap="none" normalizeH="0" baseline="0" dirty="0" err="1">
+                <a:ln>
+                  <a:noFill/>
+                </a:ln>
+                <a:solidFill>
+                  <a:srgbClr val="CC7832"/>
+                </a:solidFill>
+                <a:effectLst/>
+                <a:latin typeface="Courier New" panose="02070309020205020404" pitchFamily="49" charset="0"/>
+                <a:cs typeface="Courier New" panose="02070309020205020404" pitchFamily="49" charset="0"/>
+              </a:rPr>
+              <a:t>int</a:t>
+            </a:r>
+            <a:r>
+              <a:rPr kumimoji="0" lang="uk-UA" altLang="uk-UA" sz="1400" b="0" i="0" u="none" strike="noStrike" cap="none" normalizeH="0" baseline="0" dirty="0">
+                <a:ln>
+                  <a:noFill/>
+                </a:ln>
+                <a:solidFill>
+                  <a:srgbClr val="CC7832"/>
+                </a:solidFill>
+                <a:effectLst/>
+                <a:latin typeface="Courier New" panose="02070309020205020404" pitchFamily="49" charset="0"/>
+                <a:cs typeface="Courier New" panose="02070309020205020404" pitchFamily="49" charset="0"/>
+              </a:rPr>
+              <a:t> </a:t>
+            </a:r>
+            <a:r>
+              <a:rPr kumimoji="0" lang="uk-UA" altLang="uk-UA" sz="1400" b="0" i="0" u="none" strike="noStrike" cap="none" normalizeH="0" baseline="0" dirty="0" err="1">
+                <a:ln>
+                  <a:noFill/>
+                </a:ln>
+                <a:solidFill>
+                  <a:srgbClr val="A9B7C6"/>
+                </a:solidFill>
+                <a:effectLst/>
+                <a:latin typeface="Courier New" panose="02070309020205020404" pitchFamily="49" charset="0"/>
+                <a:cs typeface="Courier New" panose="02070309020205020404" pitchFamily="49" charset="0"/>
+              </a:rPr>
+              <a:t>radix</a:t>
+            </a:r>
+            <a:r>
+              <a:rPr kumimoji="0" lang="uk-UA" altLang="uk-UA" sz="1400" b="0" i="0" u="none" strike="noStrike" cap="none" normalizeH="0" baseline="0" dirty="0">
+                <a:ln>
+                  <a:noFill/>
+                </a:ln>
+                <a:solidFill>
+                  <a:srgbClr val="A9B7C6"/>
+                </a:solidFill>
+                <a:effectLst/>
+                <a:latin typeface="Courier New" panose="02070309020205020404" pitchFamily="49" charset="0"/>
+                <a:cs typeface="Courier New" panose="02070309020205020404" pitchFamily="49" charset="0"/>
+              </a:rPr>
+              <a:t>)</a:t>
+            </a:r>
+            <a:br>
+              <a:rPr kumimoji="0" lang="uk-UA" altLang="uk-UA" sz="1400" b="0" i="0" u="none" strike="noStrike" cap="none" normalizeH="0" baseline="0" dirty="0">
+                <a:ln>
+                  <a:noFill/>
+                </a:ln>
+                <a:solidFill>
+                  <a:srgbClr val="A9B7C6"/>
+                </a:solidFill>
+                <a:effectLst/>
+                <a:latin typeface="Courier New" panose="02070309020205020404" pitchFamily="49" charset="0"/>
+                <a:cs typeface="Courier New" panose="02070309020205020404" pitchFamily="49" charset="0"/>
+              </a:rPr>
+            </a:br>
+            <a:r>
+              <a:rPr kumimoji="0" lang="uk-UA" altLang="uk-UA" sz="1400" b="0" i="0" u="none" strike="noStrike" cap="none" normalizeH="0" baseline="0" dirty="0" err="1">
+                <a:ln>
+                  <a:noFill/>
+                </a:ln>
+                <a:solidFill>
+                  <a:srgbClr val="CC7832"/>
+                </a:solidFill>
+                <a:effectLst/>
+                <a:latin typeface="Courier New" panose="02070309020205020404" pitchFamily="49" charset="0"/>
+                <a:cs typeface="Courier New" panose="02070309020205020404" pitchFamily="49" charset="0"/>
+              </a:rPr>
+              <a:t>static</a:t>
+            </a:r>
+            <a:r>
+              <a:rPr kumimoji="0" lang="uk-UA" altLang="uk-UA" sz="1400" b="0" i="0" u="none" strike="noStrike" cap="none" normalizeH="0" baseline="0" dirty="0">
+                <a:ln>
+                  <a:noFill/>
+                </a:ln>
+                <a:solidFill>
+                  <a:srgbClr val="CC7832"/>
+                </a:solidFill>
+                <a:effectLst/>
+                <a:latin typeface="Courier New" panose="02070309020205020404" pitchFamily="49" charset="0"/>
+                <a:cs typeface="Courier New" panose="02070309020205020404" pitchFamily="49" charset="0"/>
+              </a:rPr>
+              <a:t> </a:t>
+            </a:r>
+            <a:r>
+              <a:rPr kumimoji="0" lang="uk-UA" altLang="uk-UA" sz="1400" b="0" i="0" u="none" strike="noStrike" cap="none" normalizeH="0" baseline="0" dirty="0" err="1">
+                <a:ln>
+                  <a:noFill/>
+                </a:ln>
+                <a:solidFill>
+                  <a:srgbClr val="A9B7C6"/>
+                </a:solidFill>
+                <a:effectLst/>
+                <a:latin typeface="Courier New" panose="02070309020205020404" pitchFamily="49" charset="0"/>
+                <a:cs typeface="Courier New" panose="02070309020205020404" pitchFamily="49" charset="0"/>
+              </a:rPr>
+              <a:t>String</a:t>
+            </a:r>
+            <a:r>
+              <a:rPr kumimoji="0" lang="uk-UA" altLang="uk-UA" sz="1400" b="0" i="0" u="none" strike="noStrike" cap="none" normalizeH="0" baseline="0" dirty="0">
+                <a:ln>
+                  <a:noFill/>
+                </a:ln>
+                <a:solidFill>
+                  <a:srgbClr val="A9B7C6"/>
+                </a:solidFill>
+                <a:effectLst/>
+                <a:latin typeface="Courier New" panose="02070309020205020404" pitchFamily="49" charset="0"/>
+                <a:cs typeface="Courier New" panose="02070309020205020404" pitchFamily="49" charset="0"/>
+              </a:rPr>
+              <a:t> </a:t>
+            </a:r>
+            <a:r>
+              <a:rPr kumimoji="0" lang="uk-UA" altLang="uk-UA" sz="1400" b="0" i="0" u="none" strike="noStrike" cap="none" normalizeH="0" baseline="0" dirty="0" err="1">
+                <a:ln>
+                  <a:noFill/>
+                </a:ln>
+                <a:solidFill>
+                  <a:srgbClr val="A9B7C6"/>
+                </a:solidFill>
+                <a:effectLst/>
+                <a:latin typeface="Courier New" panose="02070309020205020404" pitchFamily="49" charset="0"/>
+                <a:cs typeface="Courier New" panose="02070309020205020404" pitchFamily="49" charset="0"/>
+              </a:rPr>
+              <a:t>toString</a:t>
+            </a:r>
+            <a:r>
+              <a:rPr kumimoji="0" lang="uk-UA" altLang="uk-UA" sz="1400" b="0" i="0" u="none" strike="noStrike" cap="none" normalizeH="0" baseline="0" dirty="0">
+                <a:ln>
+                  <a:noFill/>
+                </a:ln>
+                <a:solidFill>
+                  <a:srgbClr val="A9B7C6"/>
+                </a:solidFill>
+                <a:effectLst/>
+                <a:latin typeface="Courier New" panose="02070309020205020404" pitchFamily="49" charset="0"/>
+                <a:cs typeface="Courier New" panose="02070309020205020404" pitchFamily="49" charset="0"/>
+              </a:rPr>
+              <a:t>(</a:t>
+            </a:r>
+            <a:r>
+              <a:rPr kumimoji="0" lang="uk-UA" altLang="uk-UA" sz="1400" b="0" i="0" u="none" strike="noStrike" cap="none" normalizeH="0" baseline="0" dirty="0" err="1">
+                <a:ln>
+                  <a:noFill/>
+                </a:ln>
+                <a:solidFill>
+                  <a:srgbClr val="CC7832"/>
+                </a:solidFill>
+                <a:effectLst/>
+                <a:latin typeface="Courier New" panose="02070309020205020404" pitchFamily="49" charset="0"/>
+                <a:cs typeface="Courier New" panose="02070309020205020404" pitchFamily="49" charset="0"/>
+              </a:rPr>
+              <a:t>int</a:t>
+            </a:r>
+            <a:r>
+              <a:rPr kumimoji="0" lang="uk-UA" altLang="uk-UA" sz="1400" b="0" i="0" u="none" strike="noStrike" cap="none" normalizeH="0" baseline="0" dirty="0">
+                <a:ln>
+                  <a:noFill/>
+                </a:ln>
+                <a:solidFill>
+                  <a:srgbClr val="CC7832"/>
+                </a:solidFill>
+                <a:effectLst/>
+                <a:latin typeface="Courier New" panose="02070309020205020404" pitchFamily="49" charset="0"/>
+                <a:cs typeface="Courier New" panose="02070309020205020404" pitchFamily="49" charset="0"/>
+              </a:rPr>
+              <a:t> </a:t>
+            </a:r>
+            <a:r>
+              <a:rPr kumimoji="0" lang="uk-UA" altLang="uk-UA" sz="1400" b="0" i="0" u="none" strike="noStrike" cap="none" normalizeH="0" baseline="0" dirty="0">
+                <a:ln>
+                  <a:noFill/>
+                </a:ln>
+                <a:solidFill>
+                  <a:srgbClr val="A9B7C6"/>
+                </a:solidFill>
+                <a:effectLst/>
+                <a:latin typeface="Courier New" panose="02070309020205020404" pitchFamily="49" charset="0"/>
+                <a:cs typeface="Courier New" panose="02070309020205020404" pitchFamily="49" charset="0"/>
+              </a:rPr>
+              <a:t>i)</a:t>
+            </a:r>
+            <a:br>
+              <a:rPr kumimoji="0" lang="uk-UA" altLang="uk-UA" sz="1400" b="0" i="0" u="none" strike="noStrike" cap="none" normalizeH="0" baseline="0" dirty="0">
+                <a:ln>
+                  <a:noFill/>
+                </a:ln>
+                <a:solidFill>
+                  <a:srgbClr val="A9B7C6"/>
+                </a:solidFill>
+                <a:effectLst/>
+                <a:latin typeface="Courier New" panose="02070309020205020404" pitchFamily="49" charset="0"/>
+                <a:cs typeface="Courier New" panose="02070309020205020404" pitchFamily="49" charset="0"/>
+              </a:rPr>
+            </a:br>
+            <a:r>
+              <a:rPr kumimoji="0" lang="uk-UA" altLang="uk-UA" sz="1400" b="0" i="0" u="none" strike="noStrike" cap="none" normalizeH="0" baseline="0" dirty="0" err="1">
+                <a:ln>
+                  <a:noFill/>
+                </a:ln>
+                <a:solidFill>
+                  <a:srgbClr val="CC7832"/>
+                </a:solidFill>
+                <a:effectLst/>
+                <a:latin typeface="Courier New" panose="02070309020205020404" pitchFamily="49" charset="0"/>
+                <a:cs typeface="Courier New" panose="02070309020205020404" pitchFamily="49" charset="0"/>
+              </a:rPr>
+              <a:t>static</a:t>
+            </a:r>
+            <a:r>
+              <a:rPr kumimoji="0" lang="uk-UA" altLang="uk-UA" sz="1400" b="0" i="0" u="none" strike="noStrike" cap="none" normalizeH="0" baseline="0" dirty="0">
+                <a:ln>
+                  <a:noFill/>
+                </a:ln>
+                <a:solidFill>
+                  <a:srgbClr val="CC7832"/>
+                </a:solidFill>
+                <a:effectLst/>
+                <a:latin typeface="Courier New" panose="02070309020205020404" pitchFamily="49" charset="0"/>
+                <a:cs typeface="Courier New" panose="02070309020205020404" pitchFamily="49" charset="0"/>
+              </a:rPr>
+              <a:t> </a:t>
+            </a:r>
+            <a:r>
+              <a:rPr kumimoji="0" lang="uk-UA" altLang="uk-UA" sz="1400" b="0" i="0" u="none" strike="noStrike" cap="none" normalizeH="0" baseline="0" dirty="0" err="1">
+                <a:ln>
+                  <a:noFill/>
+                </a:ln>
+                <a:solidFill>
+                  <a:srgbClr val="A9B7C6"/>
+                </a:solidFill>
+                <a:effectLst/>
+                <a:latin typeface="Courier New" panose="02070309020205020404" pitchFamily="49" charset="0"/>
+                <a:cs typeface="Courier New" panose="02070309020205020404" pitchFamily="49" charset="0"/>
+              </a:rPr>
+              <a:t>String</a:t>
+            </a:r>
+            <a:r>
+              <a:rPr kumimoji="0" lang="uk-UA" altLang="uk-UA" sz="1400" b="0" i="0" u="none" strike="noStrike" cap="none" normalizeH="0" baseline="0" dirty="0">
+                <a:ln>
+                  <a:noFill/>
+                </a:ln>
+                <a:solidFill>
+                  <a:srgbClr val="A9B7C6"/>
+                </a:solidFill>
+                <a:effectLst/>
+                <a:latin typeface="Courier New" panose="02070309020205020404" pitchFamily="49" charset="0"/>
+                <a:cs typeface="Courier New" panose="02070309020205020404" pitchFamily="49" charset="0"/>
+              </a:rPr>
+              <a:t> </a:t>
+            </a:r>
+            <a:r>
+              <a:rPr kumimoji="0" lang="uk-UA" altLang="uk-UA" sz="1400" b="0" i="0" u="none" strike="noStrike" cap="none" normalizeH="0" baseline="0" dirty="0" err="1">
+                <a:ln>
+                  <a:noFill/>
+                </a:ln>
+                <a:solidFill>
+                  <a:srgbClr val="A9B7C6"/>
+                </a:solidFill>
+                <a:effectLst/>
+                <a:latin typeface="Courier New" panose="02070309020205020404" pitchFamily="49" charset="0"/>
+                <a:cs typeface="Courier New" panose="02070309020205020404" pitchFamily="49" charset="0"/>
+              </a:rPr>
+              <a:t>toHexString</a:t>
+            </a:r>
+            <a:r>
+              <a:rPr kumimoji="0" lang="uk-UA" altLang="uk-UA" sz="1400" b="0" i="0" u="none" strike="noStrike" cap="none" normalizeH="0" baseline="0" dirty="0">
+                <a:ln>
+                  <a:noFill/>
+                </a:ln>
+                <a:solidFill>
+                  <a:srgbClr val="A9B7C6"/>
+                </a:solidFill>
+                <a:effectLst/>
+                <a:latin typeface="Courier New" panose="02070309020205020404" pitchFamily="49" charset="0"/>
+                <a:cs typeface="Courier New" panose="02070309020205020404" pitchFamily="49" charset="0"/>
+              </a:rPr>
+              <a:t>(</a:t>
+            </a:r>
+            <a:r>
+              <a:rPr kumimoji="0" lang="uk-UA" altLang="uk-UA" sz="1400" b="0" i="0" u="none" strike="noStrike" cap="none" normalizeH="0" baseline="0" dirty="0" err="1">
+                <a:ln>
+                  <a:noFill/>
+                </a:ln>
+                <a:solidFill>
+                  <a:srgbClr val="CC7832"/>
+                </a:solidFill>
+                <a:effectLst/>
+                <a:latin typeface="Courier New" panose="02070309020205020404" pitchFamily="49" charset="0"/>
+                <a:cs typeface="Courier New" panose="02070309020205020404" pitchFamily="49" charset="0"/>
+              </a:rPr>
+              <a:t>int</a:t>
+            </a:r>
+            <a:r>
+              <a:rPr kumimoji="0" lang="uk-UA" altLang="uk-UA" sz="1400" b="0" i="0" u="none" strike="noStrike" cap="none" normalizeH="0" baseline="0" dirty="0">
+                <a:ln>
+                  <a:noFill/>
+                </a:ln>
+                <a:solidFill>
+                  <a:srgbClr val="CC7832"/>
+                </a:solidFill>
+                <a:effectLst/>
+                <a:latin typeface="Courier New" panose="02070309020205020404" pitchFamily="49" charset="0"/>
+                <a:cs typeface="Courier New" panose="02070309020205020404" pitchFamily="49" charset="0"/>
+              </a:rPr>
+              <a:t> </a:t>
+            </a:r>
+            <a:r>
+              <a:rPr kumimoji="0" lang="uk-UA" altLang="uk-UA" sz="1400" b="0" i="0" u="none" strike="noStrike" cap="none" normalizeH="0" baseline="0" dirty="0">
+                <a:ln>
+                  <a:noFill/>
+                </a:ln>
+                <a:solidFill>
+                  <a:srgbClr val="A9B7C6"/>
+                </a:solidFill>
+                <a:effectLst/>
+                <a:latin typeface="Courier New" panose="02070309020205020404" pitchFamily="49" charset="0"/>
+                <a:cs typeface="Courier New" panose="02070309020205020404" pitchFamily="49" charset="0"/>
+              </a:rPr>
+              <a:t>i)</a:t>
+            </a:r>
+            <a:br>
+              <a:rPr kumimoji="0" lang="uk-UA" altLang="uk-UA" sz="1400" b="0" i="0" u="none" strike="noStrike" cap="none" normalizeH="0" baseline="0" dirty="0">
+                <a:ln>
+                  <a:noFill/>
+                </a:ln>
+                <a:solidFill>
+                  <a:srgbClr val="A9B7C6"/>
+                </a:solidFill>
+                <a:effectLst/>
+                <a:latin typeface="Courier New" panose="02070309020205020404" pitchFamily="49" charset="0"/>
+                <a:cs typeface="Courier New" panose="02070309020205020404" pitchFamily="49" charset="0"/>
+              </a:rPr>
+            </a:br>
+            <a:r>
+              <a:rPr kumimoji="0" lang="uk-UA" altLang="uk-UA" sz="1400" b="0" i="0" u="none" strike="noStrike" cap="none" normalizeH="0" baseline="0" dirty="0" err="1">
+                <a:ln>
+                  <a:noFill/>
+                </a:ln>
+                <a:solidFill>
+                  <a:srgbClr val="CC7832"/>
+                </a:solidFill>
+                <a:effectLst/>
+                <a:latin typeface="Courier New" panose="02070309020205020404" pitchFamily="49" charset="0"/>
+                <a:cs typeface="Courier New" panose="02070309020205020404" pitchFamily="49" charset="0"/>
+              </a:rPr>
+              <a:t>static</a:t>
+            </a:r>
+            <a:r>
+              <a:rPr kumimoji="0" lang="uk-UA" altLang="uk-UA" sz="1400" b="0" i="0" u="none" strike="noStrike" cap="none" normalizeH="0" baseline="0" dirty="0">
+                <a:ln>
+                  <a:noFill/>
+                </a:ln>
+                <a:solidFill>
+                  <a:srgbClr val="CC7832"/>
+                </a:solidFill>
+                <a:effectLst/>
+                <a:latin typeface="Courier New" panose="02070309020205020404" pitchFamily="49" charset="0"/>
+                <a:cs typeface="Courier New" panose="02070309020205020404" pitchFamily="49" charset="0"/>
+              </a:rPr>
+              <a:t> </a:t>
+            </a:r>
+            <a:r>
+              <a:rPr kumimoji="0" lang="uk-UA" altLang="uk-UA" sz="1400" b="0" i="0" u="none" strike="noStrike" cap="none" normalizeH="0" baseline="0" dirty="0" err="1">
+                <a:ln>
+                  <a:noFill/>
+                </a:ln>
+                <a:solidFill>
+                  <a:srgbClr val="A9B7C6"/>
+                </a:solidFill>
+                <a:effectLst/>
+                <a:latin typeface="Courier New" panose="02070309020205020404" pitchFamily="49" charset="0"/>
+                <a:cs typeface="Courier New" panose="02070309020205020404" pitchFamily="49" charset="0"/>
+              </a:rPr>
+              <a:t>String</a:t>
+            </a:r>
+            <a:r>
+              <a:rPr kumimoji="0" lang="uk-UA" altLang="uk-UA" sz="1400" b="0" i="0" u="none" strike="noStrike" cap="none" normalizeH="0" baseline="0" dirty="0">
+                <a:ln>
+                  <a:noFill/>
+                </a:ln>
+                <a:solidFill>
+                  <a:srgbClr val="A9B7C6"/>
+                </a:solidFill>
+                <a:effectLst/>
+                <a:latin typeface="Courier New" panose="02070309020205020404" pitchFamily="49" charset="0"/>
+                <a:cs typeface="Courier New" panose="02070309020205020404" pitchFamily="49" charset="0"/>
+              </a:rPr>
+              <a:t> </a:t>
+            </a:r>
+            <a:r>
+              <a:rPr kumimoji="0" lang="uk-UA" altLang="uk-UA" sz="1400" b="0" i="0" u="none" strike="noStrike" cap="none" normalizeH="0" baseline="0" dirty="0" err="1">
+                <a:ln>
+                  <a:noFill/>
+                </a:ln>
+                <a:solidFill>
+                  <a:srgbClr val="A9B7C6"/>
+                </a:solidFill>
+                <a:effectLst/>
+                <a:latin typeface="Courier New" panose="02070309020205020404" pitchFamily="49" charset="0"/>
+                <a:cs typeface="Courier New" panose="02070309020205020404" pitchFamily="49" charset="0"/>
+              </a:rPr>
+              <a:t>toBinaryString</a:t>
+            </a:r>
+            <a:r>
+              <a:rPr kumimoji="0" lang="uk-UA" altLang="uk-UA" sz="1400" b="0" i="0" u="none" strike="noStrike" cap="none" normalizeH="0" baseline="0" dirty="0">
+                <a:ln>
+                  <a:noFill/>
+                </a:ln>
+                <a:solidFill>
+                  <a:srgbClr val="A9B7C6"/>
+                </a:solidFill>
+                <a:effectLst/>
+                <a:latin typeface="Courier New" panose="02070309020205020404" pitchFamily="49" charset="0"/>
+                <a:cs typeface="Courier New" panose="02070309020205020404" pitchFamily="49" charset="0"/>
+              </a:rPr>
+              <a:t>(</a:t>
+            </a:r>
+            <a:r>
+              <a:rPr kumimoji="0" lang="uk-UA" altLang="uk-UA" sz="1400" b="0" i="0" u="none" strike="noStrike" cap="none" normalizeH="0" baseline="0" dirty="0" err="1">
+                <a:ln>
+                  <a:noFill/>
+                </a:ln>
+                <a:solidFill>
+                  <a:srgbClr val="CC7832"/>
+                </a:solidFill>
+                <a:effectLst/>
+                <a:latin typeface="Courier New" panose="02070309020205020404" pitchFamily="49" charset="0"/>
+                <a:cs typeface="Courier New" panose="02070309020205020404" pitchFamily="49" charset="0"/>
+              </a:rPr>
+              <a:t>int</a:t>
+            </a:r>
+            <a:r>
+              <a:rPr kumimoji="0" lang="uk-UA" altLang="uk-UA" sz="1400" b="0" i="0" u="none" strike="noStrike" cap="none" normalizeH="0" baseline="0" dirty="0">
+                <a:ln>
+                  <a:noFill/>
+                </a:ln>
+                <a:solidFill>
+                  <a:srgbClr val="CC7832"/>
+                </a:solidFill>
+                <a:effectLst/>
+                <a:latin typeface="Courier New" panose="02070309020205020404" pitchFamily="49" charset="0"/>
+                <a:cs typeface="Courier New" panose="02070309020205020404" pitchFamily="49" charset="0"/>
+              </a:rPr>
+              <a:t> </a:t>
+            </a:r>
+            <a:r>
+              <a:rPr kumimoji="0" lang="uk-UA" altLang="uk-UA" sz="1400" b="0" i="0" u="none" strike="noStrike" cap="none" normalizeH="0" baseline="0" dirty="0">
+                <a:ln>
+                  <a:noFill/>
+                </a:ln>
+                <a:solidFill>
+                  <a:srgbClr val="A9B7C6"/>
+                </a:solidFill>
+                <a:effectLst/>
+                <a:latin typeface="Courier New" panose="02070309020205020404" pitchFamily="49" charset="0"/>
+                <a:cs typeface="Courier New" panose="02070309020205020404" pitchFamily="49" charset="0"/>
+              </a:rPr>
+              <a:t>i)</a:t>
+            </a:r>
+            <a:br>
+              <a:rPr kumimoji="0" lang="uk-UA" altLang="uk-UA" sz="1400" b="0" i="0" u="none" strike="noStrike" cap="none" normalizeH="0" baseline="0" dirty="0">
+                <a:ln>
+                  <a:noFill/>
+                </a:ln>
+                <a:solidFill>
+                  <a:srgbClr val="A9B7C6"/>
+                </a:solidFill>
+                <a:effectLst/>
+                <a:latin typeface="Courier New" panose="02070309020205020404" pitchFamily="49" charset="0"/>
+                <a:cs typeface="Courier New" panose="02070309020205020404" pitchFamily="49" charset="0"/>
+              </a:rPr>
+            </a:br>
+            <a:r>
+              <a:rPr kumimoji="0" lang="uk-UA" altLang="uk-UA" sz="1400" b="0" i="0" u="none" strike="noStrike" cap="none" normalizeH="0" baseline="0" dirty="0" err="1">
+                <a:ln>
+                  <a:noFill/>
+                </a:ln>
+                <a:solidFill>
+                  <a:srgbClr val="CC7832"/>
+                </a:solidFill>
+                <a:effectLst/>
+                <a:latin typeface="Courier New" panose="02070309020205020404" pitchFamily="49" charset="0"/>
+                <a:cs typeface="Courier New" panose="02070309020205020404" pitchFamily="49" charset="0"/>
+              </a:rPr>
+              <a:t>static</a:t>
+            </a:r>
+            <a:r>
+              <a:rPr kumimoji="0" lang="uk-UA" altLang="uk-UA" sz="1400" b="0" i="0" u="none" strike="noStrike" cap="none" normalizeH="0" baseline="0" dirty="0">
+                <a:ln>
+                  <a:noFill/>
+                </a:ln>
+                <a:solidFill>
+                  <a:srgbClr val="CC7832"/>
+                </a:solidFill>
+                <a:effectLst/>
+                <a:latin typeface="Courier New" panose="02070309020205020404" pitchFamily="49" charset="0"/>
+                <a:cs typeface="Courier New" panose="02070309020205020404" pitchFamily="49" charset="0"/>
+              </a:rPr>
+              <a:t> </a:t>
+            </a:r>
+            <a:r>
+              <a:rPr kumimoji="0" lang="uk-UA" altLang="uk-UA" sz="1400" b="0" i="0" u="none" strike="noStrike" cap="none" normalizeH="0" baseline="0" dirty="0" err="1">
+                <a:ln>
+                  <a:noFill/>
+                </a:ln>
+                <a:solidFill>
+                  <a:srgbClr val="A9B7C6"/>
+                </a:solidFill>
+                <a:effectLst/>
+                <a:latin typeface="Courier New" panose="02070309020205020404" pitchFamily="49" charset="0"/>
+                <a:cs typeface="Courier New" panose="02070309020205020404" pitchFamily="49" charset="0"/>
+              </a:rPr>
+              <a:t>Integer</a:t>
+            </a:r>
+            <a:r>
+              <a:rPr kumimoji="0" lang="uk-UA" altLang="uk-UA" sz="1400" b="0" i="0" u="none" strike="noStrike" cap="none" normalizeH="0" baseline="0" dirty="0">
+                <a:ln>
+                  <a:noFill/>
+                </a:ln>
+                <a:solidFill>
+                  <a:srgbClr val="A9B7C6"/>
+                </a:solidFill>
+                <a:effectLst/>
+                <a:latin typeface="Courier New" panose="02070309020205020404" pitchFamily="49" charset="0"/>
+                <a:cs typeface="Courier New" panose="02070309020205020404" pitchFamily="49" charset="0"/>
+              </a:rPr>
+              <a:t> </a:t>
+            </a:r>
+            <a:r>
+              <a:rPr kumimoji="0" lang="uk-UA" altLang="uk-UA" sz="1400" b="0" i="0" u="none" strike="noStrike" cap="none" normalizeH="0" baseline="0" dirty="0" err="1">
+                <a:ln>
+                  <a:noFill/>
+                </a:ln>
+                <a:solidFill>
+                  <a:srgbClr val="A9B7C6"/>
+                </a:solidFill>
+                <a:effectLst/>
+                <a:latin typeface="Courier New" panose="02070309020205020404" pitchFamily="49" charset="0"/>
+                <a:cs typeface="Courier New" panose="02070309020205020404" pitchFamily="49" charset="0"/>
+              </a:rPr>
+              <a:t>valueOf</a:t>
+            </a:r>
+            <a:r>
+              <a:rPr kumimoji="0" lang="uk-UA" altLang="uk-UA" sz="1400" b="0" i="0" u="none" strike="noStrike" cap="none" normalizeH="0" baseline="0" dirty="0">
+                <a:ln>
+                  <a:noFill/>
+                </a:ln>
+                <a:solidFill>
+                  <a:srgbClr val="A9B7C6"/>
+                </a:solidFill>
+                <a:effectLst/>
+                <a:latin typeface="Courier New" panose="02070309020205020404" pitchFamily="49" charset="0"/>
+                <a:cs typeface="Courier New" panose="02070309020205020404" pitchFamily="49" charset="0"/>
+              </a:rPr>
+              <a:t>(</a:t>
+            </a:r>
+            <a:r>
+              <a:rPr kumimoji="0" lang="uk-UA" altLang="uk-UA" sz="1400" b="0" i="0" u="none" strike="noStrike" cap="none" normalizeH="0" baseline="0" dirty="0" err="1">
+                <a:ln>
+                  <a:noFill/>
+                </a:ln>
+                <a:solidFill>
+                  <a:srgbClr val="CC7832"/>
+                </a:solidFill>
+                <a:effectLst/>
+                <a:latin typeface="Courier New" panose="02070309020205020404" pitchFamily="49" charset="0"/>
+                <a:cs typeface="Courier New" panose="02070309020205020404" pitchFamily="49" charset="0"/>
+              </a:rPr>
+              <a:t>int</a:t>
+            </a:r>
+            <a:r>
+              <a:rPr kumimoji="0" lang="uk-UA" altLang="uk-UA" sz="1400" b="0" i="0" u="none" strike="noStrike" cap="none" normalizeH="0" baseline="0" dirty="0">
+                <a:ln>
+                  <a:noFill/>
+                </a:ln>
+                <a:solidFill>
+                  <a:srgbClr val="CC7832"/>
+                </a:solidFill>
+                <a:effectLst/>
+                <a:latin typeface="Courier New" panose="02070309020205020404" pitchFamily="49" charset="0"/>
+                <a:cs typeface="Courier New" panose="02070309020205020404" pitchFamily="49" charset="0"/>
+              </a:rPr>
+              <a:t> </a:t>
+            </a:r>
+            <a:r>
+              <a:rPr kumimoji="0" lang="uk-UA" altLang="uk-UA" sz="1400" b="0" i="0" u="none" strike="noStrike" cap="none" normalizeH="0" baseline="0" dirty="0">
+                <a:ln>
+                  <a:noFill/>
+                </a:ln>
+                <a:solidFill>
+                  <a:srgbClr val="A9B7C6"/>
+                </a:solidFill>
+                <a:effectLst/>
+                <a:latin typeface="Courier New" panose="02070309020205020404" pitchFamily="49" charset="0"/>
+                <a:cs typeface="Courier New" panose="02070309020205020404" pitchFamily="49" charset="0"/>
+              </a:rPr>
+              <a:t>i)</a:t>
+            </a:r>
+            <a:br>
+              <a:rPr kumimoji="0" lang="uk-UA" altLang="uk-UA" sz="1400" b="0" i="0" u="none" strike="noStrike" cap="none" normalizeH="0" baseline="0" dirty="0">
+                <a:ln>
+                  <a:noFill/>
+                </a:ln>
+                <a:solidFill>
+                  <a:srgbClr val="A9B7C6"/>
+                </a:solidFill>
+                <a:effectLst/>
+                <a:latin typeface="Courier New" panose="02070309020205020404" pitchFamily="49" charset="0"/>
+                <a:cs typeface="Courier New" panose="02070309020205020404" pitchFamily="49" charset="0"/>
+              </a:rPr>
+            </a:br>
+            <a:r>
+              <a:rPr kumimoji="0" lang="uk-UA" altLang="uk-UA" sz="1400" b="0" i="0" u="none" strike="noStrike" cap="none" normalizeH="0" baseline="0" dirty="0" err="1">
+                <a:ln>
+                  <a:noFill/>
+                </a:ln>
+                <a:solidFill>
+                  <a:srgbClr val="CC7832"/>
+                </a:solidFill>
+                <a:effectLst/>
+                <a:latin typeface="Courier New" panose="02070309020205020404" pitchFamily="49" charset="0"/>
+                <a:cs typeface="Courier New" panose="02070309020205020404" pitchFamily="49" charset="0"/>
+              </a:rPr>
+              <a:t>static</a:t>
+            </a:r>
+            <a:r>
+              <a:rPr kumimoji="0" lang="uk-UA" altLang="uk-UA" sz="1400" b="0" i="0" u="none" strike="noStrike" cap="none" normalizeH="0" baseline="0" dirty="0">
+                <a:ln>
+                  <a:noFill/>
+                </a:ln>
+                <a:solidFill>
+                  <a:srgbClr val="CC7832"/>
+                </a:solidFill>
+                <a:effectLst/>
+                <a:latin typeface="Courier New" panose="02070309020205020404" pitchFamily="49" charset="0"/>
+                <a:cs typeface="Courier New" panose="02070309020205020404" pitchFamily="49" charset="0"/>
+              </a:rPr>
+              <a:t> </a:t>
+            </a:r>
+            <a:r>
+              <a:rPr kumimoji="0" lang="uk-UA" altLang="uk-UA" sz="1400" b="0" i="0" u="none" strike="noStrike" cap="none" normalizeH="0" baseline="0" dirty="0" err="1">
+                <a:ln>
+                  <a:noFill/>
+                </a:ln>
+                <a:solidFill>
+                  <a:srgbClr val="A9B7C6"/>
+                </a:solidFill>
+                <a:effectLst/>
+                <a:latin typeface="Courier New" panose="02070309020205020404" pitchFamily="49" charset="0"/>
+                <a:cs typeface="Courier New" panose="02070309020205020404" pitchFamily="49" charset="0"/>
+              </a:rPr>
+              <a:t>Integer</a:t>
+            </a:r>
+            <a:r>
+              <a:rPr kumimoji="0" lang="uk-UA" altLang="uk-UA" sz="1400" b="0" i="0" u="none" strike="noStrike" cap="none" normalizeH="0" baseline="0" dirty="0">
+                <a:ln>
+                  <a:noFill/>
+                </a:ln>
+                <a:solidFill>
+                  <a:srgbClr val="A9B7C6"/>
+                </a:solidFill>
+                <a:effectLst/>
+                <a:latin typeface="Courier New" panose="02070309020205020404" pitchFamily="49" charset="0"/>
+                <a:cs typeface="Courier New" panose="02070309020205020404" pitchFamily="49" charset="0"/>
+              </a:rPr>
+              <a:t> </a:t>
+            </a:r>
+            <a:r>
+              <a:rPr kumimoji="0" lang="uk-UA" altLang="uk-UA" sz="1400" b="0" i="0" u="none" strike="noStrike" cap="none" normalizeH="0" baseline="0" dirty="0" err="1">
+                <a:ln>
+                  <a:noFill/>
+                </a:ln>
+                <a:solidFill>
+                  <a:srgbClr val="A9B7C6"/>
+                </a:solidFill>
+                <a:effectLst/>
+                <a:latin typeface="Courier New" panose="02070309020205020404" pitchFamily="49" charset="0"/>
+                <a:cs typeface="Courier New" panose="02070309020205020404" pitchFamily="49" charset="0"/>
+              </a:rPr>
+              <a:t>valueOf</a:t>
+            </a:r>
+            <a:r>
+              <a:rPr kumimoji="0" lang="uk-UA" altLang="uk-UA" sz="1400" b="0" i="0" u="none" strike="noStrike" cap="none" normalizeH="0" baseline="0" dirty="0">
+                <a:ln>
+                  <a:noFill/>
+                </a:ln>
+                <a:solidFill>
+                  <a:srgbClr val="A9B7C6"/>
+                </a:solidFill>
+                <a:effectLst/>
+                <a:latin typeface="Courier New" panose="02070309020205020404" pitchFamily="49" charset="0"/>
+                <a:cs typeface="Courier New" panose="02070309020205020404" pitchFamily="49" charset="0"/>
+              </a:rPr>
+              <a:t>(</a:t>
+            </a:r>
+            <a:r>
+              <a:rPr kumimoji="0" lang="uk-UA" altLang="uk-UA" sz="1400" b="0" i="0" u="none" strike="noStrike" cap="none" normalizeH="0" baseline="0" dirty="0" err="1">
+                <a:ln>
+                  <a:noFill/>
+                </a:ln>
+                <a:solidFill>
+                  <a:srgbClr val="A9B7C6"/>
+                </a:solidFill>
+                <a:effectLst/>
+                <a:latin typeface="Courier New" panose="02070309020205020404" pitchFamily="49" charset="0"/>
+                <a:cs typeface="Courier New" panose="02070309020205020404" pitchFamily="49" charset="0"/>
+              </a:rPr>
+              <a:t>String</a:t>
+            </a:r>
+            <a:r>
+              <a:rPr kumimoji="0" lang="uk-UA" altLang="uk-UA" sz="1400" b="0" i="0" u="none" strike="noStrike" cap="none" normalizeH="0" baseline="0" dirty="0">
+                <a:ln>
+                  <a:noFill/>
+                </a:ln>
+                <a:solidFill>
+                  <a:srgbClr val="A9B7C6"/>
+                </a:solidFill>
+                <a:effectLst/>
+                <a:latin typeface="Courier New" panose="02070309020205020404" pitchFamily="49" charset="0"/>
+                <a:cs typeface="Courier New" panose="02070309020205020404" pitchFamily="49" charset="0"/>
+              </a:rPr>
+              <a:t> s)</a:t>
+            </a:r>
+            <a:br>
+              <a:rPr kumimoji="0" lang="uk-UA" altLang="uk-UA" sz="1400" b="0" i="0" u="none" strike="noStrike" cap="none" normalizeH="0" baseline="0" dirty="0">
+                <a:ln>
+                  <a:noFill/>
+                </a:ln>
+                <a:solidFill>
+                  <a:srgbClr val="A9B7C6"/>
+                </a:solidFill>
+                <a:effectLst/>
+                <a:latin typeface="Courier New" panose="02070309020205020404" pitchFamily="49" charset="0"/>
+                <a:cs typeface="Courier New" panose="02070309020205020404" pitchFamily="49" charset="0"/>
+              </a:rPr>
+            </a:br>
+            <a:r>
+              <a:rPr kumimoji="0" lang="uk-UA" altLang="uk-UA" sz="1400" b="0" i="0" u="none" strike="noStrike" cap="none" normalizeH="0" baseline="0" dirty="0" err="1">
+                <a:ln>
+                  <a:noFill/>
+                </a:ln>
+                <a:solidFill>
+                  <a:srgbClr val="CC7832"/>
+                </a:solidFill>
+                <a:effectLst/>
+                <a:latin typeface="Courier New" panose="02070309020205020404" pitchFamily="49" charset="0"/>
+                <a:cs typeface="Courier New" panose="02070309020205020404" pitchFamily="49" charset="0"/>
+              </a:rPr>
+              <a:t>static</a:t>
+            </a:r>
+            <a:r>
+              <a:rPr kumimoji="0" lang="uk-UA" altLang="uk-UA" sz="1400" b="0" i="0" u="none" strike="noStrike" cap="none" normalizeH="0" baseline="0" dirty="0">
+                <a:ln>
+                  <a:noFill/>
+                </a:ln>
+                <a:solidFill>
+                  <a:srgbClr val="CC7832"/>
+                </a:solidFill>
+                <a:effectLst/>
+                <a:latin typeface="Courier New" panose="02070309020205020404" pitchFamily="49" charset="0"/>
+                <a:cs typeface="Courier New" panose="02070309020205020404" pitchFamily="49" charset="0"/>
+              </a:rPr>
+              <a:t> </a:t>
+            </a:r>
+            <a:r>
+              <a:rPr kumimoji="0" lang="uk-UA" altLang="uk-UA" sz="1400" b="0" i="0" u="none" strike="noStrike" cap="none" normalizeH="0" baseline="0" dirty="0" err="1">
+                <a:ln>
+                  <a:noFill/>
+                </a:ln>
+                <a:solidFill>
+                  <a:srgbClr val="A9B7C6"/>
+                </a:solidFill>
+                <a:effectLst/>
+                <a:latin typeface="Courier New" panose="02070309020205020404" pitchFamily="49" charset="0"/>
+                <a:cs typeface="Courier New" panose="02070309020205020404" pitchFamily="49" charset="0"/>
+              </a:rPr>
+              <a:t>Integer</a:t>
+            </a:r>
+            <a:r>
+              <a:rPr kumimoji="0" lang="uk-UA" altLang="uk-UA" sz="1400" b="0" i="0" u="none" strike="noStrike" cap="none" normalizeH="0" baseline="0" dirty="0">
+                <a:ln>
+                  <a:noFill/>
+                </a:ln>
+                <a:solidFill>
+                  <a:srgbClr val="A9B7C6"/>
+                </a:solidFill>
+                <a:effectLst/>
+                <a:latin typeface="Courier New" panose="02070309020205020404" pitchFamily="49" charset="0"/>
+                <a:cs typeface="Courier New" panose="02070309020205020404" pitchFamily="49" charset="0"/>
+              </a:rPr>
+              <a:t> </a:t>
+            </a:r>
+            <a:r>
+              <a:rPr kumimoji="0" lang="uk-UA" altLang="uk-UA" sz="1400" b="0" i="0" u="none" strike="noStrike" cap="none" normalizeH="0" baseline="0" dirty="0" err="1">
+                <a:ln>
+                  <a:noFill/>
+                </a:ln>
+                <a:solidFill>
+                  <a:srgbClr val="A9B7C6"/>
+                </a:solidFill>
+                <a:effectLst/>
+                <a:latin typeface="Courier New" panose="02070309020205020404" pitchFamily="49" charset="0"/>
+                <a:cs typeface="Courier New" panose="02070309020205020404" pitchFamily="49" charset="0"/>
+              </a:rPr>
+              <a:t>valueOf</a:t>
+            </a:r>
+            <a:r>
+              <a:rPr kumimoji="0" lang="uk-UA" altLang="uk-UA" sz="1400" b="0" i="0" u="none" strike="noStrike" cap="none" normalizeH="0" baseline="0" dirty="0">
+                <a:ln>
+                  <a:noFill/>
+                </a:ln>
+                <a:solidFill>
+                  <a:srgbClr val="A9B7C6"/>
+                </a:solidFill>
+                <a:effectLst/>
+                <a:latin typeface="Courier New" panose="02070309020205020404" pitchFamily="49" charset="0"/>
+                <a:cs typeface="Courier New" panose="02070309020205020404" pitchFamily="49" charset="0"/>
+              </a:rPr>
+              <a:t>(</a:t>
+            </a:r>
+            <a:r>
+              <a:rPr kumimoji="0" lang="uk-UA" altLang="uk-UA" sz="1400" b="0" i="0" u="none" strike="noStrike" cap="none" normalizeH="0" baseline="0" dirty="0" err="1">
+                <a:ln>
+                  <a:noFill/>
+                </a:ln>
+                <a:solidFill>
+                  <a:srgbClr val="A9B7C6"/>
+                </a:solidFill>
+                <a:effectLst/>
+                <a:latin typeface="Courier New" panose="02070309020205020404" pitchFamily="49" charset="0"/>
+                <a:cs typeface="Courier New" panose="02070309020205020404" pitchFamily="49" charset="0"/>
+              </a:rPr>
+              <a:t>String</a:t>
+            </a:r>
+            <a:r>
+              <a:rPr kumimoji="0" lang="uk-UA" altLang="uk-UA" sz="1400" b="0" i="0" u="none" strike="noStrike" cap="none" normalizeH="0" baseline="0" dirty="0">
+                <a:ln>
+                  <a:noFill/>
+                </a:ln>
+                <a:solidFill>
+                  <a:srgbClr val="A9B7C6"/>
+                </a:solidFill>
+                <a:effectLst/>
+                <a:latin typeface="Courier New" panose="02070309020205020404" pitchFamily="49" charset="0"/>
+                <a:cs typeface="Courier New" panose="02070309020205020404" pitchFamily="49" charset="0"/>
+              </a:rPr>
+              <a:t> s</a:t>
+            </a:r>
+            <a:r>
+              <a:rPr kumimoji="0" lang="uk-UA" altLang="uk-UA" sz="1400" b="0" i="0" u="none" strike="noStrike" cap="none" normalizeH="0" baseline="0" dirty="0">
+                <a:ln>
+                  <a:noFill/>
+                </a:ln>
+                <a:solidFill>
+                  <a:srgbClr val="CC7832"/>
+                </a:solidFill>
+                <a:effectLst/>
+                <a:latin typeface="Courier New" panose="02070309020205020404" pitchFamily="49" charset="0"/>
+                <a:cs typeface="Courier New" panose="02070309020205020404" pitchFamily="49" charset="0"/>
+              </a:rPr>
+              <a:t>, </a:t>
+            </a:r>
+            <a:r>
+              <a:rPr kumimoji="0" lang="uk-UA" altLang="uk-UA" sz="1400" b="0" i="0" u="none" strike="noStrike" cap="none" normalizeH="0" baseline="0" dirty="0" err="1">
+                <a:ln>
+                  <a:noFill/>
+                </a:ln>
+                <a:solidFill>
+                  <a:srgbClr val="CC7832"/>
+                </a:solidFill>
+                <a:effectLst/>
+                <a:latin typeface="Courier New" panose="02070309020205020404" pitchFamily="49" charset="0"/>
+                <a:cs typeface="Courier New" panose="02070309020205020404" pitchFamily="49" charset="0"/>
+              </a:rPr>
+              <a:t>int</a:t>
+            </a:r>
+            <a:r>
+              <a:rPr kumimoji="0" lang="uk-UA" altLang="uk-UA" sz="1400" b="0" i="0" u="none" strike="noStrike" cap="none" normalizeH="0" baseline="0" dirty="0">
+                <a:ln>
+                  <a:noFill/>
+                </a:ln>
+                <a:solidFill>
+                  <a:srgbClr val="CC7832"/>
+                </a:solidFill>
+                <a:effectLst/>
+                <a:latin typeface="Courier New" panose="02070309020205020404" pitchFamily="49" charset="0"/>
+                <a:cs typeface="Courier New" panose="02070309020205020404" pitchFamily="49" charset="0"/>
+              </a:rPr>
+              <a:t> </a:t>
+            </a:r>
+            <a:r>
+              <a:rPr kumimoji="0" lang="uk-UA" altLang="uk-UA" sz="1400" b="0" i="0" u="none" strike="noStrike" cap="none" normalizeH="0" baseline="0" dirty="0" err="1">
+                <a:ln>
+                  <a:noFill/>
+                </a:ln>
+                <a:solidFill>
+                  <a:srgbClr val="A9B7C6"/>
+                </a:solidFill>
+                <a:effectLst/>
+                <a:latin typeface="Courier New" panose="02070309020205020404" pitchFamily="49" charset="0"/>
+                <a:cs typeface="Courier New" panose="02070309020205020404" pitchFamily="49" charset="0"/>
+              </a:rPr>
+              <a:t>radix</a:t>
+            </a:r>
+            <a:r>
+              <a:rPr kumimoji="0" lang="uk-UA" altLang="uk-UA" sz="1400" b="0" i="0" u="none" strike="noStrike" cap="none" normalizeH="0" baseline="0" dirty="0">
+                <a:ln>
+                  <a:noFill/>
+                </a:ln>
+                <a:solidFill>
+                  <a:srgbClr val="A9B7C6"/>
+                </a:solidFill>
+                <a:effectLst/>
+                <a:latin typeface="Courier New" panose="02070309020205020404" pitchFamily="49" charset="0"/>
+                <a:cs typeface="Courier New" panose="02070309020205020404" pitchFamily="49" charset="0"/>
+              </a:rPr>
+              <a:t>)</a:t>
+            </a:r>
+            <a:endParaRPr kumimoji="0" lang="uk-UA" altLang="uk-UA" sz="3200" b="0" i="0" u="none" strike="noStrike" cap="none" normalizeH="0" baseline="0" dirty="0">
+              <a:ln>
+                <a:noFill/>
+              </a:ln>
+              <a:solidFill>
+                <a:schemeClr val="tx1"/>
+              </a:solidFill>
+              <a:effectLst/>
+              <a:latin typeface="Courier New" panose="02070309020205020404" pitchFamily="49" charset="0"/>
+              <a:cs typeface="Courier New" panose="02070309020205020404" pitchFamily="49" charset="0"/>
+            </a:endParaRPr>
+          </a:p>
+        </p:txBody>
+      </p:sp>
+      <p:sp>
+        <p:nvSpPr>
+          <p:cNvPr id="5" name="Rectangle 17">
+            <a:extLst>
+              <a:ext uri="{FF2B5EF4-FFF2-40B4-BE49-F238E27FC236}">
+                <a16:creationId xmlns:a16="http://schemas.microsoft.com/office/drawing/2014/main" id="{D3C5AAB0-C3C8-498E-B703-FB3F3A4C20A0}"/>
+              </a:ext>
+            </a:extLst>
+          </p:cNvPr>
+          <p:cNvSpPr>
+            <a:spLocks noChangeArrowheads="1"/>
+          </p:cNvSpPr>
+          <p:nvPr/>
+        </p:nvSpPr>
+        <p:spPr bwMode="auto">
+          <a:xfrm>
+            <a:off x="6888163" y="1393569"/>
+            <a:ext cx="3273931" cy="738664"/>
+          </a:xfrm>
+          <a:prstGeom prst="rect">
+            <a:avLst/>
+          </a:prstGeom>
+          <a:noFill/>
+          <a:ln>
+            <a:noFill/>
+          </a:ln>
+          <a:effectLst/>
+        </p:spPr>
+        <p:txBody>
+          <a:bodyPr vert="horz" wrap="square" lIns="91440" tIns="45720" rIns="91440" bIns="45720" numCol="1" anchor="ctr" anchorCtr="0" compatLnSpc="1">
+            <a:prstTxWarp prst="textNoShape">
+              <a:avLst/>
+            </a:prstTxWarp>
+            <a:spAutoFit/>
+          </a:bodyPr>
+          <a:lstStyle/>
+          <a:p>
+            <a:pPr marL="0" marR="0" lvl="0" indent="0" algn="l" defTabSz="914400" rtl="0" eaLnBrk="0" fontAlgn="base" latinLnBrk="0" hangingPunct="0">
+              <a:lnSpc>
+                <a:spcPct val="100000"/>
+              </a:lnSpc>
+              <a:spcBef>
+                <a:spcPct val="0"/>
+              </a:spcBef>
+              <a:spcAft>
+                <a:spcPct val="0"/>
+              </a:spcAft>
+              <a:buClrTx/>
+              <a:buSzTx/>
+              <a:buFontTx/>
+              <a:buNone/>
+              <a:tabLst/>
+            </a:pPr>
+            <a:r>
+              <a:rPr kumimoji="0" lang="uk-UA" altLang="uk-UA" sz="1400" b="0" i="0" u="none" strike="noStrike" cap="none" normalizeH="0" baseline="0" dirty="0" err="1">
+                <a:ln>
+                  <a:noFill/>
+                </a:ln>
+                <a:solidFill>
+                  <a:srgbClr val="CC7832"/>
+                </a:solidFill>
+                <a:effectLst/>
+                <a:latin typeface="Courier New" panose="02070309020205020404" pitchFamily="49" charset="0"/>
+                <a:cs typeface="Courier New" panose="02070309020205020404" pitchFamily="49" charset="0"/>
+              </a:rPr>
+              <a:t>static</a:t>
+            </a:r>
+            <a:r>
+              <a:rPr kumimoji="0" lang="uk-UA" altLang="uk-UA" sz="1400" b="0" i="0" u="none" strike="noStrike" cap="none" normalizeH="0" baseline="0" dirty="0">
+                <a:ln>
+                  <a:noFill/>
+                </a:ln>
+                <a:solidFill>
+                  <a:srgbClr val="CC7832"/>
+                </a:solidFill>
+                <a:effectLst/>
+                <a:latin typeface="Courier New" panose="02070309020205020404" pitchFamily="49" charset="0"/>
+                <a:cs typeface="Courier New" panose="02070309020205020404" pitchFamily="49" charset="0"/>
+              </a:rPr>
+              <a:t> </a:t>
+            </a:r>
+            <a:r>
+              <a:rPr kumimoji="0" lang="uk-UA" altLang="uk-UA" sz="1400" b="0" i="0" u="none" strike="noStrike" cap="none" normalizeH="0" baseline="0" dirty="0" err="1">
+                <a:ln>
+                  <a:noFill/>
+                </a:ln>
+                <a:solidFill>
+                  <a:srgbClr val="CC7832"/>
+                </a:solidFill>
+                <a:effectLst/>
+                <a:latin typeface="Courier New" panose="02070309020205020404" pitchFamily="49" charset="0"/>
+                <a:cs typeface="Courier New" panose="02070309020205020404" pitchFamily="49" charset="0"/>
+              </a:rPr>
+              <a:t>int</a:t>
+            </a:r>
+            <a:r>
+              <a:rPr kumimoji="0" lang="uk-UA" altLang="uk-UA" sz="1400" b="0" i="0" u="none" strike="noStrike" cap="none" normalizeH="0" baseline="0" dirty="0">
+                <a:ln>
+                  <a:noFill/>
+                </a:ln>
+                <a:solidFill>
+                  <a:srgbClr val="CC7832"/>
+                </a:solidFill>
+                <a:effectLst/>
+                <a:latin typeface="Courier New" panose="02070309020205020404" pitchFamily="49" charset="0"/>
+                <a:cs typeface="Courier New" panose="02070309020205020404" pitchFamily="49" charset="0"/>
+              </a:rPr>
+              <a:t> </a:t>
+            </a:r>
+            <a:r>
+              <a:rPr kumimoji="0" lang="uk-UA" altLang="uk-UA" sz="1400" b="0" i="0" u="none" strike="noStrike" cap="none" normalizeH="0" baseline="0" dirty="0">
+                <a:ln>
+                  <a:noFill/>
+                </a:ln>
+                <a:solidFill>
+                  <a:srgbClr val="A9B7C6"/>
+                </a:solidFill>
+                <a:effectLst/>
+                <a:latin typeface="Courier New" panose="02070309020205020404" pitchFamily="49" charset="0"/>
+                <a:cs typeface="Courier New" panose="02070309020205020404" pitchFamily="49" charset="0"/>
+              </a:rPr>
+              <a:t>MIN_VALUE</a:t>
+            </a:r>
+            <a:br>
+              <a:rPr kumimoji="0" lang="uk-UA" altLang="uk-UA" sz="1400" b="0" i="0" u="none" strike="noStrike" cap="none" normalizeH="0" baseline="0" dirty="0">
+                <a:ln>
+                  <a:noFill/>
+                </a:ln>
+                <a:solidFill>
+                  <a:srgbClr val="A9B7C6"/>
+                </a:solidFill>
+                <a:effectLst/>
+                <a:latin typeface="Courier New" panose="02070309020205020404" pitchFamily="49" charset="0"/>
+                <a:cs typeface="Courier New" panose="02070309020205020404" pitchFamily="49" charset="0"/>
+              </a:rPr>
+            </a:br>
+            <a:r>
+              <a:rPr kumimoji="0" lang="uk-UA" altLang="uk-UA" sz="1400" b="0" i="0" u="none" strike="noStrike" cap="none" normalizeH="0" baseline="0" dirty="0" err="1">
+                <a:ln>
+                  <a:noFill/>
+                </a:ln>
+                <a:solidFill>
+                  <a:srgbClr val="CC7832"/>
+                </a:solidFill>
+                <a:effectLst/>
+                <a:latin typeface="Courier New" panose="02070309020205020404" pitchFamily="49" charset="0"/>
+                <a:cs typeface="Courier New" panose="02070309020205020404" pitchFamily="49" charset="0"/>
+              </a:rPr>
+              <a:t>static</a:t>
+            </a:r>
+            <a:r>
+              <a:rPr kumimoji="0" lang="uk-UA" altLang="uk-UA" sz="1400" b="0" i="0" u="none" strike="noStrike" cap="none" normalizeH="0" baseline="0" dirty="0">
+                <a:ln>
+                  <a:noFill/>
+                </a:ln>
+                <a:solidFill>
+                  <a:srgbClr val="CC7832"/>
+                </a:solidFill>
+                <a:effectLst/>
+                <a:latin typeface="Courier New" panose="02070309020205020404" pitchFamily="49" charset="0"/>
+                <a:cs typeface="Courier New" panose="02070309020205020404" pitchFamily="49" charset="0"/>
+              </a:rPr>
+              <a:t> </a:t>
+            </a:r>
+            <a:r>
+              <a:rPr kumimoji="0" lang="uk-UA" altLang="uk-UA" sz="1400" b="0" i="0" u="none" strike="noStrike" cap="none" normalizeH="0" baseline="0" dirty="0" err="1">
+                <a:ln>
+                  <a:noFill/>
+                </a:ln>
+                <a:solidFill>
+                  <a:srgbClr val="CC7832"/>
+                </a:solidFill>
+                <a:effectLst/>
+                <a:latin typeface="Courier New" panose="02070309020205020404" pitchFamily="49" charset="0"/>
+                <a:cs typeface="Courier New" panose="02070309020205020404" pitchFamily="49" charset="0"/>
+              </a:rPr>
+              <a:t>int</a:t>
+            </a:r>
+            <a:r>
+              <a:rPr kumimoji="0" lang="uk-UA" altLang="uk-UA" sz="1400" b="0" i="0" u="none" strike="noStrike" cap="none" normalizeH="0" baseline="0" dirty="0">
+                <a:ln>
+                  <a:noFill/>
+                </a:ln>
+                <a:solidFill>
+                  <a:srgbClr val="CC7832"/>
+                </a:solidFill>
+                <a:effectLst/>
+                <a:latin typeface="Courier New" panose="02070309020205020404" pitchFamily="49" charset="0"/>
+                <a:cs typeface="Courier New" panose="02070309020205020404" pitchFamily="49" charset="0"/>
+              </a:rPr>
+              <a:t> </a:t>
+            </a:r>
+            <a:r>
+              <a:rPr kumimoji="0" lang="uk-UA" altLang="uk-UA" sz="1400" b="0" i="0" u="none" strike="noStrike" cap="none" normalizeH="0" baseline="0" dirty="0">
+                <a:ln>
+                  <a:noFill/>
+                </a:ln>
+                <a:solidFill>
+                  <a:srgbClr val="A9B7C6"/>
+                </a:solidFill>
+                <a:effectLst/>
+                <a:latin typeface="Courier New" panose="02070309020205020404" pitchFamily="49" charset="0"/>
+                <a:cs typeface="Courier New" panose="02070309020205020404" pitchFamily="49" charset="0"/>
+              </a:rPr>
+              <a:t>MAX_VALUE</a:t>
+            </a:r>
+            <a:br>
+              <a:rPr kumimoji="0" lang="uk-UA" altLang="uk-UA" sz="1400" b="0" i="0" u="none" strike="noStrike" cap="none" normalizeH="0" baseline="0" dirty="0">
+                <a:ln>
+                  <a:noFill/>
+                </a:ln>
+                <a:solidFill>
+                  <a:srgbClr val="A9B7C6"/>
+                </a:solidFill>
+                <a:effectLst/>
+                <a:latin typeface="Courier New" panose="02070309020205020404" pitchFamily="49" charset="0"/>
+                <a:cs typeface="Courier New" panose="02070309020205020404" pitchFamily="49" charset="0"/>
+              </a:rPr>
+            </a:br>
+            <a:r>
+              <a:rPr kumimoji="0" lang="uk-UA" altLang="uk-UA" sz="1400" b="0" i="0" u="none" strike="noStrike" cap="none" normalizeH="0" baseline="0" dirty="0" err="1">
+                <a:ln>
+                  <a:noFill/>
+                </a:ln>
+                <a:solidFill>
+                  <a:srgbClr val="CC7832"/>
+                </a:solidFill>
+                <a:effectLst/>
+                <a:latin typeface="Courier New" panose="02070309020205020404" pitchFamily="49" charset="0"/>
+                <a:cs typeface="Courier New" panose="02070309020205020404" pitchFamily="49" charset="0"/>
+              </a:rPr>
+              <a:t>static</a:t>
+            </a:r>
+            <a:r>
+              <a:rPr kumimoji="0" lang="uk-UA" altLang="uk-UA" sz="1400" b="0" i="0" u="none" strike="noStrike" cap="none" normalizeH="0" baseline="0" dirty="0">
+                <a:ln>
+                  <a:noFill/>
+                </a:ln>
+                <a:solidFill>
+                  <a:srgbClr val="CC7832"/>
+                </a:solidFill>
+                <a:effectLst/>
+                <a:latin typeface="Courier New" panose="02070309020205020404" pitchFamily="49" charset="0"/>
+                <a:cs typeface="Courier New" panose="02070309020205020404" pitchFamily="49" charset="0"/>
+              </a:rPr>
+              <a:t> </a:t>
+            </a:r>
+            <a:r>
+              <a:rPr kumimoji="0" lang="uk-UA" altLang="uk-UA" sz="1400" b="0" i="0" u="none" strike="noStrike" cap="none" normalizeH="0" baseline="0" dirty="0" err="1">
+                <a:ln>
+                  <a:noFill/>
+                </a:ln>
+                <a:solidFill>
+                  <a:srgbClr val="CC7832"/>
+                </a:solidFill>
+                <a:effectLst/>
+                <a:latin typeface="Courier New" panose="02070309020205020404" pitchFamily="49" charset="0"/>
+                <a:cs typeface="Courier New" panose="02070309020205020404" pitchFamily="49" charset="0"/>
+              </a:rPr>
+              <a:t>int</a:t>
+            </a:r>
+            <a:r>
+              <a:rPr kumimoji="0" lang="uk-UA" altLang="uk-UA" sz="1400" b="0" i="0" u="none" strike="noStrike" cap="none" normalizeH="0" baseline="0" dirty="0">
+                <a:ln>
+                  <a:noFill/>
+                </a:ln>
+                <a:solidFill>
+                  <a:srgbClr val="CC7832"/>
+                </a:solidFill>
+                <a:effectLst/>
+                <a:latin typeface="Courier New" panose="02070309020205020404" pitchFamily="49" charset="0"/>
+                <a:cs typeface="Courier New" panose="02070309020205020404" pitchFamily="49" charset="0"/>
+              </a:rPr>
+              <a:t> </a:t>
+            </a:r>
+            <a:r>
+              <a:rPr kumimoji="0" lang="uk-UA" altLang="uk-UA" sz="1400" b="0" i="0" u="none" strike="noStrike" cap="none" normalizeH="0" baseline="0" dirty="0">
+                <a:ln>
+                  <a:noFill/>
+                </a:ln>
+                <a:solidFill>
+                  <a:srgbClr val="A9B7C6"/>
+                </a:solidFill>
+                <a:effectLst/>
+                <a:latin typeface="Courier New" panose="02070309020205020404" pitchFamily="49" charset="0"/>
+                <a:cs typeface="Courier New" panose="02070309020205020404" pitchFamily="49" charset="0"/>
+              </a:rPr>
+              <a:t>SIZE</a:t>
+            </a:r>
+            <a:endParaRPr kumimoji="0" lang="uk-UA" altLang="uk-UA" sz="3200" b="0" i="0" u="none" strike="noStrike" cap="none" normalizeH="0" baseline="0" dirty="0">
+              <a:ln>
+                <a:noFill/>
+              </a:ln>
+              <a:solidFill>
+                <a:schemeClr val="tx1"/>
+              </a:solidFill>
+              <a:effectLst/>
+              <a:latin typeface="Courier New" panose="02070309020205020404" pitchFamily="49" charset="0"/>
+              <a:cs typeface="Courier New" panose="02070309020205020404" pitchFamily="49" charset="0"/>
+            </a:endParaRPr>
           </a:p>
         </p:txBody>
       </p:sp>

--- a/Java Урок 6 Math.pptx
+++ b/Java Урок 6 Math.pptx
@@ -212,7 +212,7 @@
           <a:p>
             <a:fld id="{4C1F0EE8-BB09-4D9B-ACB2-899639A59373}" type="datetimeFigureOut">
               <a:rPr lang="uk-UA" smtClean="0"/>
-              <a:t>09.02.2024</a:t>
+              <a:t>23.02.2024</a:t>
             </a:fld>
             <a:endParaRPr lang="uk-UA"/>
           </a:p>
@@ -797,7 +797,7 @@
           <a:p>
             <a:fld id="{2FD1155F-0EA8-4608-9748-615CE40E00AD}" type="datetimeFigureOut">
               <a:rPr lang="uk-UA" smtClean="0"/>
-              <a:t>09.02.2024</a:t>
+              <a:t>23.02.2024</a:t>
             </a:fld>
             <a:endParaRPr lang="uk-UA"/>
           </a:p>
@@ -997,7 +997,7 @@
           <a:p>
             <a:fld id="{2FD1155F-0EA8-4608-9748-615CE40E00AD}" type="datetimeFigureOut">
               <a:rPr lang="uk-UA" smtClean="0"/>
-              <a:t>09.02.2024</a:t>
+              <a:t>23.02.2024</a:t>
             </a:fld>
             <a:endParaRPr lang="uk-UA"/>
           </a:p>
@@ -1207,7 +1207,7 @@
           <a:p>
             <a:fld id="{2FD1155F-0EA8-4608-9748-615CE40E00AD}" type="datetimeFigureOut">
               <a:rPr lang="uk-UA" smtClean="0"/>
-              <a:t>09.02.2024</a:t>
+              <a:t>23.02.2024</a:t>
             </a:fld>
             <a:endParaRPr lang="uk-UA"/>
           </a:p>
@@ -1407,7 +1407,7 @@
           <a:p>
             <a:fld id="{2FD1155F-0EA8-4608-9748-615CE40E00AD}" type="datetimeFigureOut">
               <a:rPr lang="uk-UA" smtClean="0"/>
-              <a:t>09.02.2024</a:t>
+              <a:t>23.02.2024</a:t>
             </a:fld>
             <a:endParaRPr lang="uk-UA"/>
           </a:p>
@@ -1683,7 +1683,7 @@
           <a:p>
             <a:fld id="{2FD1155F-0EA8-4608-9748-615CE40E00AD}" type="datetimeFigureOut">
               <a:rPr lang="uk-UA" smtClean="0"/>
-              <a:t>09.02.2024</a:t>
+              <a:t>23.02.2024</a:t>
             </a:fld>
             <a:endParaRPr lang="uk-UA"/>
           </a:p>
@@ -1951,7 +1951,7 @@
           <a:p>
             <a:fld id="{2FD1155F-0EA8-4608-9748-615CE40E00AD}" type="datetimeFigureOut">
               <a:rPr lang="uk-UA" smtClean="0"/>
-              <a:t>09.02.2024</a:t>
+              <a:t>23.02.2024</a:t>
             </a:fld>
             <a:endParaRPr lang="uk-UA"/>
           </a:p>
@@ -2366,7 +2366,7 @@
           <a:p>
             <a:fld id="{2FD1155F-0EA8-4608-9748-615CE40E00AD}" type="datetimeFigureOut">
               <a:rPr lang="uk-UA" smtClean="0"/>
-              <a:t>09.02.2024</a:t>
+              <a:t>23.02.2024</a:t>
             </a:fld>
             <a:endParaRPr lang="uk-UA"/>
           </a:p>
@@ -2508,7 +2508,7 @@
           <a:p>
             <a:fld id="{2FD1155F-0EA8-4608-9748-615CE40E00AD}" type="datetimeFigureOut">
               <a:rPr lang="uk-UA" smtClean="0"/>
-              <a:t>09.02.2024</a:t>
+              <a:t>23.02.2024</a:t>
             </a:fld>
             <a:endParaRPr lang="uk-UA"/>
           </a:p>
@@ -2621,7 +2621,7 @@
           <a:p>
             <a:fld id="{2FD1155F-0EA8-4608-9748-615CE40E00AD}" type="datetimeFigureOut">
               <a:rPr lang="uk-UA" smtClean="0"/>
-              <a:t>09.02.2024</a:t>
+              <a:t>23.02.2024</a:t>
             </a:fld>
             <a:endParaRPr lang="uk-UA"/>
           </a:p>
@@ -2934,7 +2934,7 @@
           <a:p>
             <a:fld id="{2FD1155F-0EA8-4608-9748-615CE40E00AD}" type="datetimeFigureOut">
               <a:rPr lang="uk-UA" smtClean="0"/>
-              <a:t>09.02.2024</a:t>
+              <a:t>23.02.2024</a:t>
             </a:fld>
             <a:endParaRPr lang="uk-UA"/>
           </a:p>
@@ -3223,7 +3223,7 @@
           <a:p>
             <a:fld id="{2FD1155F-0EA8-4608-9748-615CE40E00AD}" type="datetimeFigureOut">
               <a:rPr lang="uk-UA" smtClean="0"/>
-              <a:t>09.02.2024</a:t>
+              <a:t>23.02.2024</a:t>
             </a:fld>
             <a:endParaRPr lang="uk-UA"/>
           </a:p>
@@ -3466,7 +3466,7 @@
           <a:p>
             <a:fld id="{2FD1155F-0EA8-4608-9748-615CE40E00AD}" type="datetimeFigureOut">
               <a:rPr lang="uk-UA" smtClean="0"/>
-              <a:t>09.02.2024</a:t>
+              <a:t>23.02.2024</a:t>
             </a:fld>
             <a:endParaRPr lang="uk-UA"/>
           </a:p>
@@ -11184,21 +11184,13 @@
           </a:bodyPr>
           <a:lstStyle/>
           <a:p>
-            <a:pPr marL="0" marR="0" lvl="0" indent="0" algn="l" defTabSz="914400" rtl="0" eaLnBrk="0" fontAlgn="base" latinLnBrk="0" hangingPunct="0">
-              <a:lnSpc>
-                <a:spcPct val="100000"/>
-              </a:lnSpc>
+            <a:pPr lvl="0" eaLnBrk="0" fontAlgn="base" hangingPunct="0">
               <a:spcBef>
                 <a:spcPct val="0"/>
               </a:spcBef>
               <a:spcAft>
                 <a:spcPct val="0"/>
               </a:spcAft>
-              <a:buClrTx/>
-              <a:buSzTx/>
-              <a:buFontTx/>
-              <a:buNone/>
-              <a:tabLst/>
             </a:pPr>
             <a:r>
               <a:rPr kumimoji="0" lang="uk-UA" altLang="uk-UA" sz="1400" b="0" i="0" u="none" strike="noStrike" cap="none" normalizeH="0" baseline="0" dirty="0" err="1">
@@ -11699,35 +11691,7 @@
                 <a:latin typeface="Courier New" panose="02070309020205020404" pitchFamily="49" charset="0"/>
                 <a:cs typeface="Courier New" panose="02070309020205020404" pitchFamily="49" charset="0"/>
               </a:rPr>
-              <a:t> </a:t>
-            </a:r>
-            <a:r>
-              <a:rPr kumimoji="0" lang="uk-UA" altLang="uk-UA" sz="1400" b="0" i="0" u="none" strike="noStrike" cap="none" normalizeH="0" baseline="0" dirty="0" err="1">
-                <a:ln>
-                  <a:noFill/>
-                </a:ln>
-                <a:solidFill>
-                  <a:srgbClr val="A9B7C6"/>
-                </a:solidFill>
-                <a:effectLst/>
-                <a:latin typeface="Courier New" panose="02070309020205020404" pitchFamily="49" charset="0"/>
-                <a:cs typeface="Courier New" panose="02070309020205020404" pitchFamily="49" charset="0"/>
-              </a:rPr>
-              <a:t>toString</a:t>
-            </a:r>
-            <a:r>
-              <a:rPr kumimoji="0" lang="uk-UA" altLang="uk-UA" sz="1400" b="0" i="0" u="none" strike="noStrike" cap="none" normalizeH="0" baseline="0" dirty="0">
-                <a:ln>
-                  <a:noFill/>
-                </a:ln>
-                <a:solidFill>
-                  <a:srgbClr val="A9B7C6"/>
-                </a:solidFill>
-                <a:effectLst/>
-                <a:latin typeface="Courier New" panose="02070309020205020404" pitchFamily="49" charset="0"/>
-                <a:cs typeface="Courier New" panose="02070309020205020404" pitchFamily="49" charset="0"/>
-              </a:rPr>
-              <a:t>(</a:t>
+              <a:t> (</a:t>
             </a:r>
             <a:r>
               <a:rPr kumimoji="0" lang="uk-UA" altLang="uk-UA" sz="1400" b="0" i="0" u="none" strike="noStrike" cap="none" normalizeH="0" baseline="0" dirty="0" err="1">
@@ -11841,18 +11805,14 @@
               <a:t> </a:t>
             </a:r>
             <a:r>
-              <a:rPr kumimoji="0" lang="uk-UA" altLang="uk-UA" sz="1400" b="0" i="0" u="none" strike="noStrike" cap="none" normalizeH="0" baseline="0" dirty="0" err="1">
-                <a:ln>
-                  <a:noFill/>
-                </a:ln>
+              <a:rPr lang="uk-UA" altLang="uk-UA" sz="1400" dirty="0" err="1">
                 <a:solidFill>
                   <a:srgbClr val="A9B7C6"/>
                 </a:solidFill>
-                <a:effectLst/>
-                <a:latin typeface="Courier New" panose="02070309020205020404" pitchFamily="49" charset="0"/>
-                <a:cs typeface="Courier New" panose="02070309020205020404" pitchFamily="49" charset="0"/>
-              </a:rPr>
-              <a:t>toHexString</a:t>
+                <a:latin typeface="Courier New" panose="02070309020205020404" pitchFamily="49" charset="0"/>
+                <a:cs typeface="Courier New" panose="02070309020205020404" pitchFamily="49" charset="0"/>
+              </a:rPr>
+              <a:t>toHetoStringxString</a:t>
             </a:r>
             <a:r>
               <a:rPr kumimoji="0" lang="uk-UA" altLang="uk-UA" sz="1400" b="0" i="0" u="none" strike="noStrike" cap="none" normalizeH="0" baseline="0" dirty="0">
@@ -14766,7 +14726,7 @@
                         <a:tabLst/>
                       </a:pPr>
                       <a:r>
-                        <a:rPr kumimoji="0" lang="ru-RU" altLang="ru-RU" sz="1400" b="0" i="0" u="none" strike="noStrike" cap="none" normalizeH="0" baseline="0">
+                        <a:rPr kumimoji="0" lang="ru-RU" altLang="ru-RU" sz="1400" b="0" i="0" u="none" strike="noStrike" cap="none" normalizeH="0" baseline="0" dirty="0" err="1">
                           <a:ln>
                             <a:noFill/>
                           </a:ln>
@@ -14777,10 +14737,24 @@
                           <a:latin typeface="Courier New" pitchFamily="49" charset="0"/>
                           <a:cs typeface="Arial" charset="0"/>
                         </a:rPr>
-                        <a:t>double </a:t>
+                        <a:t>double</a:t>
                       </a:r>
                       <a:r>
-                        <a:rPr kumimoji="0" lang="ru-RU" altLang="ru-RU" sz="1400" b="1" i="0" u="none" strike="noStrike" cap="none" normalizeH="0" baseline="0">
+                        <a:rPr kumimoji="0" lang="ru-RU" altLang="ru-RU" sz="1400" b="0" i="0" u="none" strike="noStrike" cap="none" normalizeH="0" baseline="0" dirty="0">
+                          <a:ln>
+                            <a:noFill/>
+                          </a:ln>
+                          <a:solidFill>
+                            <a:schemeClr val="tx1"/>
+                          </a:solidFill>
+                          <a:effectLst/>
+                          <a:latin typeface="Courier New" pitchFamily="49" charset="0"/>
+                          <a:cs typeface="Arial" charset="0"/>
+                        </a:rPr>
+                        <a:t> </a:t>
+                      </a:r>
+                      <a:r>
+                        <a:rPr kumimoji="0" lang="ru-RU" altLang="ru-RU" sz="1400" b="1" i="0" u="none" strike="noStrike" cap="none" normalizeH="0" baseline="0" dirty="0" err="1">
                           <a:ln>
                             <a:noFill/>
                           </a:ln>
@@ -14794,7 +14768,7 @@
                         <a:t>ceil</a:t>
                       </a:r>
                       <a:r>
-                        <a:rPr kumimoji="0" lang="ru-RU" altLang="ru-RU" sz="1400" b="0" i="0" u="none" strike="noStrike" cap="none" normalizeH="0" baseline="0">
+                        <a:rPr kumimoji="0" lang="ru-RU" altLang="ru-RU" sz="1400" b="0" i="0" u="none" strike="noStrike" cap="none" normalizeH="0" baseline="0" dirty="0">
                           <a:ln>
                             <a:noFill/>
                           </a:ln>
@@ -14805,7 +14779,35 @@
                           <a:latin typeface="Courier New" pitchFamily="49" charset="0"/>
                           <a:cs typeface="Arial" charset="0"/>
                         </a:rPr>
-                        <a:t>(double d)</a:t>
+                        <a:t>(</a:t>
+                      </a:r>
+                      <a:r>
+                        <a:rPr kumimoji="0" lang="ru-RU" altLang="ru-RU" sz="1400" b="0" i="0" u="none" strike="noStrike" cap="none" normalizeH="0" baseline="0" dirty="0" err="1">
+                          <a:ln>
+                            <a:noFill/>
+                          </a:ln>
+                          <a:solidFill>
+                            <a:schemeClr val="tx1"/>
+                          </a:solidFill>
+                          <a:effectLst/>
+                          <a:latin typeface="Courier New" pitchFamily="49" charset="0"/>
+                          <a:cs typeface="Arial" charset="0"/>
+                        </a:rPr>
+                        <a:t>double</a:t>
+                      </a:r>
+                      <a:r>
+                        <a:rPr kumimoji="0" lang="ru-RU" altLang="ru-RU" sz="1400" b="0" i="0" u="none" strike="noStrike" cap="none" normalizeH="0" baseline="0" dirty="0">
+                          <a:ln>
+                            <a:noFill/>
+                          </a:ln>
+                          <a:solidFill>
+                            <a:schemeClr val="tx1"/>
+                          </a:solidFill>
+                          <a:effectLst/>
+                          <a:latin typeface="Courier New" pitchFamily="49" charset="0"/>
+                          <a:cs typeface="Arial" charset="0"/>
+                        </a:rPr>
+                        <a:t> d)</a:t>
                       </a:r>
                     </a:p>
                   </a:txBody>
@@ -17226,7 +17228,7 @@
                         <a:tabLst/>
                       </a:pPr>
                       <a:r>
-                        <a:rPr kumimoji="0" lang="ru-RU" altLang="ru-RU" sz="1400" b="0" i="0" u="none" strike="noStrike" cap="none" normalizeH="0" baseline="0">
+                        <a:rPr kumimoji="0" lang="ru-RU" altLang="ru-RU" sz="1400" b="0" i="0" u="none" strike="noStrike" cap="none" normalizeH="0" baseline="0" dirty="0" err="1">
                           <a:ln>
                             <a:noFill/>
                           </a:ln>
@@ -17237,10 +17239,24 @@
                           <a:latin typeface="Courier New" pitchFamily="49" charset="0"/>
                           <a:cs typeface="Arial" charset="0"/>
                         </a:rPr>
-                        <a:t>double </a:t>
+                        <a:t>double</a:t>
                       </a:r>
                       <a:r>
-                        <a:rPr kumimoji="0" lang="ru-RU" altLang="ru-RU" sz="1400" b="1" i="0" u="none" strike="noStrike" cap="none" normalizeH="0" baseline="0">
+                        <a:rPr kumimoji="0" lang="ru-RU" altLang="ru-RU" sz="1400" b="0" i="0" u="none" strike="noStrike" cap="none" normalizeH="0" baseline="0" dirty="0">
+                          <a:ln>
+                            <a:noFill/>
+                          </a:ln>
+                          <a:solidFill>
+                            <a:schemeClr val="tx1"/>
+                          </a:solidFill>
+                          <a:effectLst/>
+                          <a:latin typeface="Courier New" pitchFamily="49" charset="0"/>
+                          <a:cs typeface="Arial" charset="0"/>
+                        </a:rPr>
+                        <a:t> </a:t>
+                      </a:r>
+                      <a:r>
+                        <a:rPr kumimoji="0" lang="ru-RU" altLang="ru-RU" sz="1400" b="1" i="0" u="none" strike="noStrike" cap="none" normalizeH="0" baseline="0" dirty="0" err="1">
                           <a:ln>
                             <a:noFill/>
                           </a:ln>
@@ -17254,7 +17270,7 @@
                         <a:t>min</a:t>
                       </a:r>
                       <a:r>
-                        <a:rPr kumimoji="0" lang="ru-RU" altLang="ru-RU" sz="1400" b="0" i="0" u="none" strike="noStrike" cap="none" normalizeH="0" baseline="0">
+                        <a:rPr kumimoji="0" lang="ru-RU" altLang="ru-RU" sz="1400" b="0" i="0" u="none" strike="noStrike" cap="none" normalizeH="0" baseline="0" dirty="0">
                           <a:ln>
                             <a:noFill/>
                           </a:ln>
@@ -17265,10 +17281,52 @@
                           <a:latin typeface="Courier New" pitchFamily="49" charset="0"/>
                           <a:cs typeface="Arial" charset="0"/>
                         </a:rPr>
-                        <a:t>(double a, double</a:t>
+                        <a:t>(</a:t>
                       </a:r>
                       <a:r>
-                        <a:rPr kumimoji="0" lang="en-US" altLang="ru-RU" sz="1400" b="0" i="0" u="none" strike="noStrike" cap="none" normalizeH="0" baseline="0">
+                        <a:rPr kumimoji="0" lang="ru-RU" altLang="ru-RU" sz="1400" b="0" i="0" u="none" strike="noStrike" cap="none" normalizeH="0" baseline="0" dirty="0" err="1">
+                          <a:ln>
+                            <a:noFill/>
+                          </a:ln>
+                          <a:solidFill>
+                            <a:schemeClr val="tx1"/>
+                          </a:solidFill>
+                          <a:effectLst/>
+                          <a:latin typeface="Courier New" pitchFamily="49" charset="0"/>
+                          <a:cs typeface="Arial" charset="0"/>
+                        </a:rPr>
+                        <a:t>double</a:t>
+                      </a:r>
+                      <a:r>
+                        <a:rPr kumimoji="0" lang="ru-RU" altLang="ru-RU" sz="1400" b="0" i="0" u="none" strike="noStrike" cap="none" normalizeH="0" baseline="0" dirty="0">
+                          <a:ln>
+                            <a:noFill/>
+                          </a:ln>
+                          <a:solidFill>
+                            <a:schemeClr val="tx1"/>
+                          </a:solidFill>
+                          <a:effectLst/>
+                          <a:latin typeface="Courier New" pitchFamily="49" charset="0"/>
+                          <a:cs typeface="Arial" charset="0"/>
+                        </a:rPr>
+                        <a:t> a, </a:t>
+                      </a:r>
+                      <a:r>
+                        <a:rPr kumimoji="0" lang="ru-RU" altLang="ru-RU" sz="1400" b="0" i="0" u="none" strike="noStrike" cap="none" normalizeH="0" baseline="0" dirty="0" err="1">
+                          <a:ln>
+                            <a:noFill/>
+                          </a:ln>
+                          <a:solidFill>
+                            <a:schemeClr val="tx1"/>
+                          </a:solidFill>
+                          <a:effectLst/>
+                          <a:latin typeface="Courier New" pitchFamily="49" charset="0"/>
+                          <a:cs typeface="Arial" charset="0"/>
+                        </a:rPr>
+                        <a:t>double</a:t>
+                      </a:r>
+                      <a:r>
+                        <a:rPr kumimoji="0" lang="en-US" altLang="ru-RU" sz="1400" b="0" i="0" u="none" strike="noStrike" cap="none" normalizeH="0" baseline="0" dirty="0">
                           <a:ln>
                             <a:noFill/>
                           </a:ln>
@@ -17282,7 +17340,7 @@
                         <a:t> b</a:t>
                       </a:r>
                       <a:r>
-                        <a:rPr kumimoji="0" lang="ru-RU" altLang="ru-RU" sz="1400" b="0" i="0" u="none" strike="noStrike" cap="none" normalizeH="0" baseline="0">
+                        <a:rPr kumimoji="0" lang="ru-RU" altLang="ru-RU" sz="1400" b="0" i="0" u="none" strike="noStrike" cap="none" normalizeH="0" baseline="0" dirty="0">
                           <a:ln>
                             <a:noFill/>
                           </a:ln>
@@ -17296,7 +17354,7 @@
                         <a:t>)</a:t>
                       </a:r>
                       <a:br>
-                        <a:rPr kumimoji="0" lang="ru-RU" altLang="ru-RU" sz="1400" b="0" i="0" u="none" strike="noStrike" cap="none" normalizeH="0" baseline="0">
+                        <a:rPr kumimoji="0" lang="ru-RU" altLang="ru-RU" sz="1400" b="0" i="0" u="none" strike="noStrike" cap="none" normalizeH="0" baseline="0" dirty="0">
                           <a:ln>
                             <a:noFill/>
                           </a:ln>
@@ -17309,7 +17367,7 @@
                         </a:rPr>
                       </a:br>
                       <a:r>
-                        <a:rPr kumimoji="0" lang="ru-RU" altLang="ru-RU" sz="1400" b="0" i="0" u="none" strike="noStrike" cap="none" normalizeH="0" baseline="0">
+                        <a:rPr kumimoji="0" lang="ru-RU" altLang="ru-RU" sz="1400" b="0" i="0" u="none" strike="noStrike" cap="none" normalizeH="0" baseline="0" dirty="0" err="1">
                           <a:ln>
                             <a:noFill/>
                           </a:ln>
@@ -17320,10 +17378,24 @@
                           <a:latin typeface="Courier New" pitchFamily="49" charset="0"/>
                           <a:cs typeface="Arial" charset="0"/>
                         </a:rPr>
-                        <a:t>float </a:t>
+                        <a:t>float</a:t>
                       </a:r>
                       <a:r>
-                        <a:rPr kumimoji="0" lang="ru-RU" altLang="ru-RU" sz="1400" b="1" i="0" u="none" strike="noStrike" cap="none" normalizeH="0" baseline="0">
+                        <a:rPr kumimoji="0" lang="ru-RU" altLang="ru-RU" sz="1400" b="0" i="0" u="none" strike="noStrike" cap="none" normalizeH="0" baseline="0" dirty="0">
+                          <a:ln>
+                            <a:noFill/>
+                          </a:ln>
+                          <a:solidFill>
+                            <a:schemeClr val="tx1"/>
+                          </a:solidFill>
+                          <a:effectLst/>
+                          <a:latin typeface="Courier New" pitchFamily="49" charset="0"/>
+                          <a:cs typeface="Arial" charset="0"/>
+                        </a:rPr>
+                        <a:t> </a:t>
+                      </a:r>
+                      <a:r>
+                        <a:rPr kumimoji="0" lang="ru-RU" altLang="ru-RU" sz="1400" b="1" i="0" u="none" strike="noStrike" cap="none" normalizeH="0" baseline="0" dirty="0" err="1">
                           <a:ln>
                             <a:noFill/>
                           </a:ln>
@@ -17337,7 +17409,7 @@
                         <a:t>min</a:t>
                       </a:r>
                       <a:r>
-                        <a:rPr kumimoji="0" lang="ru-RU" altLang="ru-RU" sz="1400" b="0" i="0" u="none" strike="noStrike" cap="none" normalizeH="0" baseline="0">
+                        <a:rPr kumimoji="0" lang="ru-RU" altLang="ru-RU" sz="1400" b="0" i="0" u="none" strike="noStrike" cap="none" normalizeH="0" baseline="0" dirty="0">
                           <a:ln>
                             <a:noFill/>
                           </a:ln>
@@ -17348,10 +17420,66 @@
                           <a:latin typeface="Courier New" pitchFamily="49" charset="0"/>
                           <a:cs typeface="Arial" charset="0"/>
                         </a:rPr>
-                        <a:t>(float a, float </a:t>
+                        <a:t>(</a:t>
                       </a:r>
                       <a:r>
-                        <a:rPr kumimoji="0" lang="en-US" altLang="ru-RU" sz="1400" b="0" i="0" u="none" strike="noStrike" cap="none" normalizeH="0" baseline="0">
+                        <a:rPr kumimoji="0" lang="ru-RU" altLang="ru-RU" sz="1400" b="0" i="0" u="none" strike="noStrike" cap="none" normalizeH="0" baseline="0" dirty="0" err="1">
+                          <a:ln>
+                            <a:noFill/>
+                          </a:ln>
+                          <a:solidFill>
+                            <a:schemeClr val="tx1"/>
+                          </a:solidFill>
+                          <a:effectLst/>
+                          <a:latin typeface="Courier New" pitchFamily="49" charset="0"/>
+                          <a:cs typeface="Arial" charset="0"/>
+                        </a:rPr>
+                        <a:t>float</a:t>
+                      </a:r>
+                      <a:r>
+                        <a:rPr kumimoji="0" lang="ru-RU" altLang="ru-RU" sz="1400" b="0" i="0" u="none" strike="noStrike" cap="none" normalizeH="0" baseline="0" dirty="0">
+                          <a:ln>
+                            <a:noFill/>
+                          </a:ln>
+                          <a:solidFill>
+                            <a:schemeClr val="tx1"/>
+                          </a:solidFill>
+                          <a:effectLst/>
+                          <a:latin typeface="Courier New" pitchFamily="49" charset="0"/>
+                          <a:cs typeface="Arial" charset="0"/>
+                        </a:rPr>
+                        <a:t> a, </a:t>
+                      </a:r>
+                      <a:r>
+                        <a:rPr kumimoji="0" lang="ru-RU" altLang="ru-RU" sz="1400" b="0" i="0" u="none" strike="noStrike" cap="none" normalizeH="0" baseline="0" dirty="0" err="1">
+                          <a:ln>
+                            <a:noFill/>
+                          </a:ln>
+                          <a:solidFill>
+                            <a:schemeClr val="tx1"/>
+                          </a:solidFill>
+                          <a:effectLst/>
+                          <a:latin typeface="Courier New" pitchFamily="49" charset="0"/>
+                          <a:cs typeface="Arial" charset="0"/>
+                        </a:rPr>
+                        <a:t>float</a:t>
+                      </a:r>
+                      <a:r>
+                        <a:rPr kumimoji="0" lang="ru-RU" altLang="ru-RU" sz="1400" b="0" i="0" u="none" strike="noStrike" cap="none" normalizeH="0" baseline="0" dirty="0">
+                          <a:ln>
+                            <a:noFill/>
+                          </a:ln>
+                          <a:solidFill>
+                            <a:schemeClr val="tx1"/>
+                          </a:solidFill>
+                          <a:effectLst/>
+                          <a:latin typeface="Courier New" pitchFamily="49" charset="0"/>
+                          <a:cs typeface="Arial" charset="0"/>
+                        </a:rPr>
+                        <a:t> </a:t>
+                      </a:r>
+                      <a:r>
+                        <a:rPr kumimoji="0" lang="en-US" altLang="ru-RU" sz="1400" b="0" i="0" u="none" strike="noStrike" cap="none" normalizeH="0" baseline="0" dirty="0">
                           <a:ln>
                             <a:noFill/>
                           </a:ln>
@@ -17365,7 +17493,7 @@
                         <a:t>b</a:t>
                       </a:r>
                       <a:r>
-                        <a:rPr kumimoji="0" lang="ru-RU" altLang="ru-RU" sz="1400" b="0" i="0" u="none" strike="noStrike" cap="none" normalizeH="0" baseline="0">
+                        <a:rPr kumimoji="0" lang="ru-RU" altLang="ru-RU" sz="1400" b="0" i="0" u="none" strike="noStrike" cap="none" normalizeH="0" baseline="0" dirty="0">
                           <a:ln>
                             <a:noFill/>
                           </a:ln>
@@ -17379,7 +17507,7 @@
                         <a:t>)</a:t>
                       </a:r>
                       <a:br>
-                        <a:rPr kumimoji="0" lang="ru-RU" altLang="ru-RU" sz="1400" b="0" i="0" u="none" strike="noStrike" cap="none" normalizeH="0" baseline="0">
+                        <a:rPr kumimoji="0" lang="ru-RU" altLang="ru-RU" sz="1400" b="0" i="0" u="none" strike="noStrike" cap="none" normalizeH="0" baseline="0" dirty="0">
                           <a:ln>
                             <a:noFill/>
                           </a:ln>
@@ -17392,7 +17520,7 @@
                         </a:rPr>
                       </a:br>
                       <a:r>
-                        <a:rPr kumimoji="0" lang="ru-RU" altLang="ru-RU" sz="1400" b="0" i="0" u="none" strike="noStrike" cap="none" normalizeH="0" baseline="0">
+                        <a:rPr kumimoji="0" lang="ru-RU" altLang="ru-RU" sz="1400" b="0" i="0" u="none" strike="noStrike" cap="none" normalizeH="0" baseline="0" dirty="0" err="1">
                           <a:ln>
                             <a:noFill/>
                           </a:ln>
@@ -17403,10 +17531,24 @@
                           <a:latin typeface="Courier New" pitchFamily="49" charset="0"/>
                           <a:cs typeface="Arial" charset="0"/>
                         </a:rPr>
-                        <a:t>int </a:t>
+                        <a:t>int</a:t>
                       </a:r>
                       <a:r>
-                        <a:rPr kumimoji="0" lang="ru-RU" altLang="ru-RU" sz="1400" b="1" i="0" u="none" strike="noStrike" cap="none" normalizeH="0" baseline="0">
+                        <a:rPr kumimoji="0" lang="ru-RU" altLang="ru-RU" sz="1400" b="0" i="0" u="none" strike="noStrike" cap="none" normalizeH="0" baseline="0" dirty="0">
+                          <a:ln>
+                            <a:noFill/>
+                          </a:ln>
+                          <a:solidFill>
+                            <a:schemeClr val="tx1"/>
+                          </a:solidFill>
+                          <a:effectLst/>
+                          <a:latin typeface="Courier New" pitchFamily="49" charset="0"/>
+                          <a:cs typeface="Arial" charset="0"/>
+                        </a:rPr>
+                        <a:t> </a:t>
+                      </a:r>
+                      <a:r>
+                        <a:rPr kumimoji="0" lang="ru-RU" altLang="ru-RU" sz="1400" b="1" i="0" u="none" strike="noStrike" cap="none" normalizeH="0" baseline="0" dirty="0" err="1">
                           <a:ln>
                             <a:noFill/>
                           </a:ln>
@@ -17420,7 +17562,7 @@
                         <a:t>min</a:t>
                       </a:r>
                       <a:r>
-                        <a:rPr kumimoji="0" lang="ru-RU" altLang="ru-RU" sz="1400" b="0" i="0" u="none" strike="noStrike" cap="none" normalizeH="0" baseline="0">
+                        <a:rPr kumimoji="0" lang="ru-RU" altLang="ru-RU" sz="1400" b="0" i="0" u="none" strike="noStrike" cap="none" normalizeH="0" baseline="0" dirty="0">
                           <a:ln>
                             <a:noFill/>
                           </a:ln>
@@ -17431,10 +17573,66 @@
                           <a:latin typeface="Courier New" pitchFamily="49" charset="0"/>
                           <a:cs typeface="Arial" charset="0"/>
                         </a:rPr>
-                        <a:t>(int a, int </a:t>
+                        <a:t>(</a:t>
                       </a:r>
                       <a:r>
-                        <a:rPr kumimoji="0" lang="en-US" altLang="ru-RU" sz="1400" b="0" i="0" u="none" strike="noStrike" cap="none" normalizeH="0" baseline="0">
+                        <a:rPr kumimoji="0" lang="ru-RU" altLang="ru-RU" sz="1400" b="0" i="0" u="none" strike="noStrike" cap="none" normalizeH="0" baseline="0" dirty="0" err="1">
+                          <a:ln>
+                            <a:noFill/>
+                          </a:ln>
+                          <a:solidFill>
+                            <a:schemeClr val="tx1"/>
+                          </a:solidFill>
+                          <a:effectLst/>
+                          <a:latin typeface="Courier New" pitchFamily="49" charset="0"/>
+                          <a:cs typeface="Arial" charset="0"/>
+                        </a:rPr>
+                        <a:t>int</a:t>
+                      </a:r>
+                      <a:r>
+                        <a:rPr kumimoji="0" lang="ru-RU" altLang="ru-RU" sz="1400" b="0" i="0" u="none" strike="noStrike" cap="none" normalizeH="0" baseline="0" dirty="0">
+                          <a:ln>
+                            <a:noFill/>
+                          </a:ln>
+                          <a:solidFill>
+                            <a:schemeClr val="tx1"/>
+                          </a:solidFill>
+                          <a:effectLst/>
+                          <a:latin typeface="Courier New" pitchFamily="49" charset="0"/>
+                          <a:cs typeface="Arial" charset="0"/>
+                        </a:rPr>
+                        <a:t> a, </a:t>
+                      </a:r>
+                      <a:r>
+                        <a:rPr kumimoji="0" lang="ru-RU" altLang="ru-RU" sz="1400" b="0" i="0" u="none" strike="noStrike" cap="none" normalizeH="0" baseline="0" dirty="0" err="1">
+                          <a:ln>
+                            <a:noFill/>
+                          </a:ln>
+                          <a:solidFill>
+                            <a:schemeClr val="tx1"/>
+                          </a:solidFill>
+                          <a:effectLst/>
+                          <a:latin typeface="Courier New" pitchFamily="49" charset="0"/>
+                          <a:cs typeface="Arial" charset="0"/>
+                        </a:rPr>
+                        <a:t>int</a:t>
+                      </a:r>
+                      <a:r>
+                        <a:rPr kumimoji="0" lang="ru-RU" altLang="ru-RU" sz="1400" b="0" i="0" u="none" strike="noStrike" cap="none" normalizeH="0" baseline="0" dirty="0">
+                          <a:ln>
+                            <a:noFill/>
+                          </a:ln>
+                          <a:solidFill>
+                            <a:schemeClr val="tx1"/>
+                          </a:solidFill>
+                          <a:effectLst/>
+                          <a:latin typeface="Courier New" pitchFamily="49" charset="0"/>
+                          <a:cs typeface="Arial" charset="0"/>
+                        </a:rPr>
+                        <a:t> </a:t>
+                      </a:r>
+                      <a:r>
+                        <a:rPr kumimoji="0" lang="en-US" altLang="ru-RU" sz="1400" b="0" i="0" u="none" strike="noStrike" cap="none" normalizeH="0" baseline="0" dirty="0">
                           <a:ln>
                             <a:noFill/>
                           </a:ln>
@@ -17448,7 +17646,7 @@
                         <a:t>b</a:t>
                       </a:r>
                       <a:r>
-                        <a:rPr kumimoji="0" lang="ru-RU" altLang="ru-RU" sz="1400" b="0" i="0" u="none" strike="noStrike" cap="none" normalizeH="0" baseline="0">
+                        <a:rPr kumimoji="0" lang="ru-RU" altLang="ru-RU" sz="1400" b="0" i="0" u="none" strike="noStrike" cap="none" normalizeH="0" baseline="0" dirty="0">
                           <a:ln>
                             <a:noFill/>
                           </a:ln>
@@ -17462,7 +17660,7 @@
                         <a:t>)</a:t>
                       </a:r>
                       <a:br>
-                        <a:rPr kumimoji="0" lang="ru-RU" altLang="ru-RU" sz="1400" b="0" i="0" u="none" strike="noStrike" cap="none" normalizeH="0" baseline="0">
+                        <a:rPr kumimoji="0" lang="ru-RU" altLang="ru-RU" sz="1400" b="0" i="0" u="none" strike="noStrike" cap="none" normalizeH="0" baseline="0" dirty="0">
                           <a:ln>
                             <a:noFill/>
                           </a:ln>
@@ -17475,7 +17673,7 @@
                         </a:rPr>
                       </a:br>
                       <a:r>
-                        <a:rPr kumimoji="0" lang="ru-RU" altLang="ru-RU" sz="1400" b="0" i="0" u="none" strike="noStrike" cap="none" normalizeH="0" baseline="0">
+                        <a:rPr kumimoji="0" lang="ru-RU" altLang="ru-RU" sz="1400" b="0" i="0" u="none" strike="noStrike" cap="none" normalizeH="0" baseline="0" dirty="0" err="1">
                           <a:ln>
                             <a:noFill/>
                           </a:ln>
@@ -17486,10 +17684,24 @@
                           <a:latin typeface="Courier New" pitchFamily="49" charset="0"/>
                           <a:cs typeface="Arial" charset="0"/>
                         </a:rPr>
-                        <a:t>long </a:t>
+                        <a:t>long</a:t>
                       </a:r>
                       <a:r>
-                        <a:rPr kumimoji="0" lang="ru-RU" altLang="ru-RU" sz="1400" b="1" i="0" u="none" strike="noStrike" cap="none" normalizeH="0" baseline="0">
+                        <a:rPr kumimoji="0" lang="ru-RU" altLang="ru-RU" sz="1400" b="0" i="0" u="none" strike="noStrike" cap="none" normalizeH="0" baseline="0" dirty="0">
+                          <a:ln>
+                            <a:noFill/>
+                          </a:ln>
+                          <a:solidFill>
+                            <a:schemeClr val="tx1"/>
+                          </a:solidFill>
+                          <a:effectLst/>
+                          <a:latin typeface="Courier New" pitchFamily="49" charset="0"/>
+                          <a:cs typeface="Arial" charset="0"/>
+                        </a:rPr>
+                        <a:t> </a:t>
+                      </a:r>
+                      <a:r>
+                        <a:rPr kumimoji="0" lang="ru-RU" altLang="ru-RU" sz="1400" b="1" i="0" u="none" strike="noStrike" cap="none" normalizeH="0" baseline="0" dirty="0" err="1">
                           <a:ln>
                             <a:noFill/>
                           </a:ln>
@@ -17503,7 +17715,7 @@
                         <a:t>min</a:t>
                       </a:r>
                       <a:r>
-                        <a:rPr kumimoji="0" lang="ru-RU" altLang="ru-RU" sz="1400" b="0" i="0" u="none" strike="noStrike" cap="none" normalizeH="0" baseline="0">
+                        <a:rPr kumimoji="0" lang="ru-RU" altLang="ru-RU" sz="1400" b="0" i="0" u="none" strike="noStrike" cap="none" normalizeH="0" baseline="0" dirty="0">
                           <a:ln>
                             <a:noFill/>
                           </a:ln>
@@ -17514,10 +17726,66 @@
                           <a:latin typeface="Courier New" pitchFamily="49" charset="0"/>
                           <a:cs typeface="Arial" charset="0"/>
                         </a:rPr>
-                        <a:t>(long a, long </a:t>
+                        <a:t>(</a:t>
                       </a:r>
                       <a:r>
-                        <a:rPr kumimoji="0" lang="en-US" altLang="ru-RU" sz="1400" b="0" i="0" u="none" strike="noStrike" cap="none" normalizeH="0" baseline="0">
+                        <a:rPr kumimoji="0" lang="ru-RU" altLang="ru-RU" sz="1400" b="0" i="0" u="none" strike="noStrike" cap="none" normalizeH="0" baseline="0" dirty="0" err="1">
+                          <a:ln>
+                            <a:noFill/>
+                          </a:ln>
+                          <a:solidFill>
+                            <a:schemeClr val="tx1"/>
+                          </a:solidFill>
+                          <a:effectLst/>
+                          <a:latin typeface="Courier New" pitchFamily="49" charset="0"/>
+                          <a:cs typeface="Arial" charset="0"/>
+                        </a:rPr>
+                        <a:t>long</a:t>
+                      </a:r>
+                      <a:r>
+                        <a:rPr kumimoji="0" lang="ru-RU" altLang="ru-RU" sz="1400" b="0" i="0" u="none" strike="noStrike" cap="none" normalizeH="0" baseline="0" dirty="0">
+                          <a:ln>
+                            <a:noFill/>
+                          </a:ln>
+                          <a:solidFill>
+                            <a:schemeClr val="tx1"/>
+                          </a:solidFill>
+                          <a:effectLst/>
+                          <a:latin typeface="Courier New" pitchFamily="49" charset="0"/>
+                          <a:cs typeface="Arial" charset="0"/>
+                        </a:rPr>
+                        <a:t> a, </a:t>
+                      </a:r>
+                      <a:r>
+                        <a:rPr kumimoji="0" lang="ru-RU" altLang="ru-RU" sz="1400" b="0" i="0" u="none" strike="noStrike" cap="none" normalizeH="0" baseline="0" dirty="0" err="1">
+                          <a:ln>
+                            <a:noFill/>
+                          </a:ln>
+                          <a:solidFill>
+                            <a:schemeClr val="tx1"/>
+                          </a:solidFill>
+                          <a:effectLst/>
+                          <a:latin typeface="Courier New" pitchFamily="49" charset="0"/>
+                          <a:cs typeface="Arial" charset="0"/>
+                        </a:rPr>
+                        <a:t>long</a:t>
+                      </a:r>
+                      <a:r>
+                        <a:rPr kumimoji="0" lang="ru-RU" altLang="ru-RU" sz="1400" b="0" i="0" u="none" strike="noStrike" cap="none" normalizeH="0" baseline="0" dirty="0">
+                          <a:ln>
+                            <a:noFill/>
+                          </a:ln>
+                          <a:solidFill>
+                            <a:schemeClr val="tx1"/>
+                          </a:solidFill>
+                          <a:effectLst/>
+                          <a:latin typeface="Courier New" pitchFamily="49" charset="0"/>
+                          <a:cs typeface="Arial" charset="0"/>
+                        </a:rPr>
+                        <a:t> </a:t>
+                      </a:r>
+                      <a:r>
+                        <a:rPr kumimoji="0" lang="en-US" altLang="ru-RU" sz="1400" b="0" i="0" u="none" strike="noStrike" cap="none" normalizeH="0" baseline="0" dirty="0">
                           <a:ln>
                             <a:noFill/>
                           </a:ln>
@@ -17531,7 +17799,7 @@
                         <a:t>b</a:t>
                       </a:r>
                       <a:r>
-                        <a:rPr kumimoji="0" lang="ru-RU" altLang="ru-RU" sz="1400" b="0" i="0" u="none" strike="noStrike" cap="none" normalizeH="0" baseline="0">
+                        <a:rPr kumimoji="0" lang="ru-RU" altLang="ru-RU" sz="1400" b="0" i="0" u="none" strike="noStrike" cap="none" normalizeH="0" baseline="0" dirty="0">
                           <a:ln>
                             <a:noFill/>
                           </a:ln>
